--- a/PP-Eksamen.pptx
+++ b/PP-Eksamen.pptx
@@ -7,17 +7,22 @@
     <p:sldMasterId id="2147483667" r:id="rId5"/>
   </p:sldMasterIdLst>
   <p:notesMasterIdLst>
-    <p:notesMasterId r:id="rId11"/>
+    <p:notesMasterId r:id="rId16"/>
   </p:notesMasterIdLst>
   <p:handoutMasterIdLst>
-    <p:handoutMasterId r:id="rId12"/>
+    <p:handoutMasterId r:id="rId17"/>
   </p:handoutMasterIdLst>
   <p:sldIdLst>
     <p:sldId id="298" r:id="rId6"/>
     <p:sldId id="292" r:id="rId7"/>
     <p:sldId id="313" r:id="rId8"/>
     <p:sldId id="340" r:id="rId9"/>
-    <p:sldId id="296" r:id="rId10"/>
+    <p:sldId id="341" r:id="rId10"/>
+    <p:sldId id="342" r:id="rId11"/>
+    <p:sldId id="343" r:id="rId12"/>
+    <p:sldId id="344" r:id="rId13"/>
+    <p:sldId id="345" r:id="rId14"/>
+    <p:sldId id="296" r:id="rId15"/>
   </p:sldIdLst>
   <p:sldSz cx="12192000" cy="6858000"/>
   <p:notesSz cx="6858000" cy="9144000"/>
@@ -981,6 +986,91 @@
           <a:bodyPr/>
           <a:lstStyle/>
           <a:p>
+            <a:endParaRPr lang="en-US" dirty="0"/>
+          </a:p>
+        </p:txBody>
+      </p:sp>
+      <p:sp>
+        <p:nvSpPr>
+          <p:cNvPr id="4" name="Pladsholder til slidenummer 3"/>
+          <p:cNvSpPr>
+            <a:spLocks noGrp="1"/>
+          </p:cNvSpPr>
+          <p:nvPr>
+            <p:ph type="sldNum" sz="quarter" idx="5"/>
+          </p:nvPr>
+        </p:nvSpPr>
+        <p:spPr/>
+        <p:txBody>
+          <a:bodyPr/>
+          <a:lstStyle/>
+          <a:p>
+            <a:pPr rtl="0"/>
+            <a:fld id="{8530193B-564F-4854-8A52-728F3FB19C85}" type="slidenum">
+              <a:rPr lang="da-DK" noProof="0" smtClean="0"/>
+              <a:t>6</a:t>
+            </a:fld>
+            <a:endParaRPr lang="da-DK" noProof="0"/>
+          </a:p>
+        </p:txBody>
+      </p:sp>
+    </p:spTree>
+    <p:extLst>
+      <p:ext uri="{BB962C8B-B14F-4D97-AF65-F5344CB8AC3E}">
+        <p14:creationId xmlns:p14="http://schemas.microsoft.com/office/powerpoint/2010/main" val="2509657659"/>
+      </p:ext>
+    </p:extLst>
+  </p:cSld>
+  <p:clrMapOvr>
+    <a:masterClrMapping/>
+  </p:clrMapOvr>
+</p:notes>
+</file>
+
+<file path=ppt/notesSlides/notesSlide5.xml><?xml version="1.0" encoding="utf-8"?>
+<p:notes xmlns:a="http://schemas.openxmlformats.org/drawingml/2006/main" xmlns:r="http://schemas.openxmlformats.org/officeDocument/2006/relationships" xmlns:p="http://schemas.openxmlformats.org/presentationml/2006/main">
+  <p:cSld>
+    <p:spTree>
+      <p:nvGrpSpPr>
+        <p:cNvPr id="1" name=""/>
+        <p:cNvGrpSpPr/>
+        <p:nvPr/>
+      </p:nvGrpSpPr>
+      <p:grpSpPr>
+        <a:xfrm>
+          <a:off x="0" y="0"/>
+          <a:ext cx="0" cy="0"/>
+          <a:chOff x="0" y="0"/>
+          <a:chExt cx="0" cy="0"/>
+        </a:xfrm>
+      </p:grpSpPr>
+      <p:sp>
+        <p:nvSpPr>
+          <p:cNvPr id="2" name="Pladsholder til slidebillede 1"/>
+          <p:cNvSpPr>
+            <a:spLocks noGrp="1" noRot="1" noChangeAspect="1"/>
+          </p:cNvSpPr>
+          <p:nvPr>
+            <p:ph type="sldImg"/>
+          </p:nvPr>
+        </p:nvSpPr>
+        <p:spPr/>
+      </p:sp>
+      <p:sp>
+        <p:nvSpPr>
+          <p:cNvPr id="3" name="Pladsholder til noter 2"/>
+          <p:cNvSpPr>
+            <a:spLocks noGrp="1"/>
+          </p:cNvSpPr>
+          <p:nvPr>
+            <p:ph type="body" idx="1"/>
+          </p:nvPr>
+        </p:nvSpPr>
+        <p:spPr/>
+        <p:txBody>
+          <a:bodyPr/>
+          <a:lstStyle/>
+          <a:p>
             <a:endParaRPr lang="da-DK"/>
           </a:p>
         </p:txBody>
@@ -1003,7 +1093,7 @@
             <a:pPr rtl="0"/>
             <a:fld id="{8530193B-564F-4854-8A52-728F3FB19C85}" type="slidenum">
               <a:rPr lang="da-DK" smtClean="0"/>
-              <a:t>5</a:t>
+              <a:t>10</a:t>
             </a:fld>
             <a:endParaRPr lang="da-DK"/>
           </a:p>
@@ -14822,6 +14912,418 @@
 </p:sld>
 </file>
 
+<file path=ppt/slides/slide10.xml><?xml version="1.0" encoding="utf-8"?>
+<p:sld xmlns:a="http://schemas.openxmlformats.org/drawingml/2006/main" xmlns:r="http://schemas.openxmlformats.org/officeDocument/2006/relationships" xmlns:p="http://schemas.openxmlformats.org/presentationml/2006/main">
+  <p:cSld>
+    <p:spTree>
+      <p:nvGrpSpPr>
+        <p:cNvPr id="1" name=""/>
+        <p:cNvGrpSpPr/>
+        <p:nvPr/>
+      </p:nvGrpSpPr>
+      <p:grpSpPr>
+        <a:xfrm>
+          <a:off x="0" y="0"/>
+          <a:ext cx="0" cy="0"/>
+          <a:chOff x="0" y="0"/>
+          <a:chExt cx="0" cy="0"/>
+        </a:xfrm>
+      </p:grpSpPr>
+      <p:pic>
+        <p:nvPicPr>
+          <p:cNvPr id="32" name="Pladsholder til billede 31" descr="klappen i hænderne">
+            <a:extLst>
+              <a:ext uri="{FF2B5EF4-FFF2-40B4-BE49-F238E27FC236}">
+                <a16:creationId xmlns:a16="http://schemas.microsoft.com/office/drawing/2014/main" id="{AAB6EE12-FEF8-FB41-A909-0DA61D7725C7}"/>
+              </a:ext>
+            </a:extLst>
+          </p:cNvPr>
+          <p:cNvPicPr>
+            <a:picLocks noGrp="1" noChangeAspect="1"/>
+          </p:cNvPicPr>
+          <p:nvPr>
+            <p:ph type="pic" sz="quarter" idx="10"/>
+          </p:nvPr>
+        </p:nvPicPr>
+        <p:blipFill>
+          <a:blip r:embed="rId3" cstate="screen">
+            <a:extLst>
+              <a:ext uri="{28A0092B-C50C-407E-A947-70E740481C1C}">
+                <a14:useLocalDpi xmlns:a14="http://schemas.microsoft.com/office/drawing/2010/main"/>
+              </a:ext>
+            </a:extLst>
+          </a:blip>
+          <a:srcRect/>
+          <a:stretch>
+            <a:fillRect/>
+          </a:stretch>
+        </p:blipFill>
+        <p:spPr/>
+      </p:pic>
+      <p:sp>
+        <p:nvSpPr>
+          <p:cNvPr id="14" name="Titel 13">
+            <a:extLst>
+              <a:ext uri="{FF2B5EF4-FFF2-40B4-BE49-F238E27FC236}">
+                <a16:creationId xmlns:a16="http://schemas.microsoft.com/office/drawing/2014/main" id="{6C38D7A9-9299-4108-BB08-026F4B9CAE7B}"/>
+              </a:ext>
+            </a:extLst>
+          </p:cNvPr>
+          <p:cNvSpPr>
+            <a:spLocks noGrp="1"/>
+          </p:cNvSpPr>
+          <p:nvPr>
+            <p:ph type="ctrTitle"/>
+          </p:nvPr>
+        </p:nvSpPr>
+        <p:spPr/>
+        <p:txBody>
+          <a:bodyPr rtlCol="0"/>
+          <a:lstStyle/>
+          <a:p>
+            <a:pPr rtl="0"/>
+            <a:r>
+              <a:rPr lang="da-DK" dirty="0" err="1"/>
+              <a:t>Thanks</a:t>
+            </a:r>
+            <a:endParaRPr lang="da-DK" dirty="0"/>
+          </a:p>
+        </p:txBody>
+      </p:sp>
+      <p:sp>
+        <p:nvSpPr>
+          <p:cNvPr id="4" name="Pladsholder til tekst 3">
+            <a:extLst>
+              <a:ext uri="{FF2B5EF4-FFF2-40B4-BE49-F238E27FC236}">
+                <a16:creationId xmlns:a16="http://schemas.microsoft.com/office/drawing/2014/main" id="{60828E04-9C2A-4859-8050-C2DF67A249CB}"/>
+              </a:ext>
+            </a:extLst>
+          </p:cNvPr>
+          <p:cNvSpPr>
+            <a:spLocks noGrp="1"/>
+          </p:cNvSpPr>
+          <p:nvPr>
+            <p:ph type="body" sz="quarter" idx="15"/>
+          </p:nvPr>
+        </p:nvSpPr>
+        <p:spPr>
+          <a:xfrm>
+            <a:off x="8458200" y="3957705"/>
+            <a:ext cx="2910342" cy="316800"/>
+          </a:xfrm>
+        </p:spPr>
+        <p:txBody>
+          <a:bodyPr rtlCol="0"/>
+          <a:lstStyle/>
+          <a:p>
+            <a:pPr rtl="0"/>
+            <a:r>
+              <a:rPr lang="da-DK" sz="1800"/>
+              <a:t>Andreas Methling  </a:t>
+            </a:r>
+          </a:p>
+        </p:txBody>
+      </p:sp>
+      <p:pic>
+        <p:nvPicPr>
+          <p:cNvPr id="8" name="Grafik 7" descr="Bruger" title="Ikon – oplægsholderens navn">
+            <a:extLst>
+              <a:ext uri="{FF2B5EF4-FFF2-40B4-BE49-F238E27FC236}">
+                <a16:creationId xmlns:a16="http://schemas.microsoft.com/office/drawing/2014/main" id="{111541C4-DB03-4E53-994D-499C7D73C4DF}"/>
+              </a:ext>
+            </a:extLst>
+          </p:cNvPr>
+          <p:cNvPicPr>
+            <a:picLocks noChangeAspect="1"/>
+          </p:cNvPicPr>
+          <p:nvPr/>
+        </p:nvPicPr>
+        <p:blipFill>
+          <a:blip r:embed="rId4" cstate="screen">
+            <a:extLst>
+              <a:ext uri="{28A0092B-C50C-407E-A947-70E740481C1C}">
+                <a14:useLocalDpi xmlns:a14="http://schemas.microsoft.com/office/drawing/2010/main"/>
+              </a:ext>
+              <a:ext uri="{96DAC541-7B7A-43D3-8B79-37D633B846F1}">
+                <asvg:svgBlip xmlns:asvg="http://schemas.microsoft.com/office/drawing/2016/SVG/main" r:embed="rId5"/>
+              </a:ext>
+            </a:extLst>
+          </a:blip>
+          <a:stretch>
+            <a:fillRect/>
+          </a:stretch>
+        </p:blipFill>
+        <p:spPr>
+          <a:xfrm>
+            <a:off x="11485495" y="4006655"/>
+            <a:ext cx="218900" cy="218900"/>
+          </a:xfrm>
+          <a:prstGeom prst="rect">
+            <a:avLst/>
+          </a:prstGeom>
+        </p:spPr>
+      </p:pic>
+      <p:sp>
+        <p:nvSpPr>
+          <p:cNvPr id="5" name="Pladsholder til tekst 4">
+            <a:extLst>
+              <a:ext uri="{FF2B5EF4-FFF2-40B4-BE49-F238E27FC236}">
+                <a16:creationId xmlns:a16="http://schemas.microsoft.com/office/drawing/2014/main" id="{11265965-2271-4C1C-BD0A-6F85F80FF9A6}"/>
+              </a:ext>
+            </a:extLst>
+          </p:cNvPr>
+          <p:cNvSpPr>
+            <a:spLocks noGrp="1"/>
+          </p:cNvSpPr>
+          <p:nvPr>
+            <p:ph type="body" sz="quarter" idx="16"/>
+          </p:nvPr>
+        </p:nvSpPr>
+        <p:spPr>
+          <a:xfrm>
+            <a:off x="8458200" y="4306722"/>
+            <a:ext cx="2910342" cy="316800"/>
+          </a:xfrm>
+        </p:spPr>
+        <p:txBody>
+          <a:bodyPr rtlCol="0"/>
+          <a:lstStyle/>
+          <a:p>
+            <a:pPr rtl="0"/>
+            <a:r>
+              <a:rPr lang="da-DK" sz="1800"/>
+              <a:t>Kristoffer </a:t>
+            </a:r>
+            <a:r>
+              <a:rPr lang="da-DK" sz="1800" err="1"/>
+              <a:t>Herrig</a:t>
+            </a:r>
+            <a:r>
+              <a:rPr lang="da-DK" sz="1800"/>
+              <a:t> Thorndal</a:t>
+            </a:r>
+          </a:p>
+        </p:txBody>
+      </p:sp>
+      <p:sp>
+        <p:nvSpPr>
+          <p:cNvPr id="6" name="Pladsholder til tekst 5">
+            <a:extLst>
+              <a:ext uri="{FF2B5EF4-FFF2-40B4-BE49-F238E27FC236}">
+                <a16:creationId xmlns:a16="http://schemas.microsoft.com/office/drawing/2014/main" id="{50A3BCC3-A277-4C0B-9EBA-EB53990D8EBD}"/>
+              </a:ext>
+            </a:extLst>
+          </p:cNvPr>
+          <p:cNvSpPr>
+            <a:spLocks noGrp="1"/>
+          </p:cNvSpPr>
+          <p:nvPr>
+            <p:ph type="body" sz="quarter" idx="17"/>
+          </p:nvPr>
+        </p:nvSpPr>
+        <p:spPr/>
+        <p:txBody>
+          <a:bodyPr rtlCol="0"/>
+          <a:lstStyle/>
+          <a:p>
+            <a:pPr rtl="0"/>
+            <a:r>
+              <a:rPr lang="da-DK" sz="1800"/>
+              <a:t>Mikkel Bak Lyngø</a:t>
+            </a:r>
+          </a:p>
+        </p:txBody>
+      </p:sp>
+      <p:sp>
+        <p:nvSpPr>
+          <p:cNvPr id="16" name="Pladsholder til tekst 15">
+            <a:extLst>
+              <a:ext uri="{FF2B5EF4-FFF2-40B4-BE49-F238E27FC236}">
+                <a16:creationId xmlns:a16="http://schemas.microsoft.com/office/drawing/2014/main" id="{FD8A1232-50A8-4535-AAF9-7F4180EAA0DD}"/>
+              </a:ext>
+            </a:extLst>
+          </p:cNvPr>
+          <p:cNvSpPr>
+            <a:spLocks noGrp="1"/>
+          </p:cNvSpPr>
+          <p:nvPr>
+            <p:ph type="body" sz="quarter" idx="18"/>
+          </p:nvPr>
+        </p:nvSpPr>
+        <p:spPr/>
+        <p:txBody>
+          <a:bodyPr rtlCol="0"/>
+          <a:lstStyle/>
+          <a:p>
+            <a:pPr rtl="0"/>
+            <a:r>
+              <a:rPr lang="da-DK" sz="1800"/>
+              <a:t>Simon Fløj Thomsen </a:t>
+            </a:r>
+          </a:p>
+        </p:txBody>
+      </p:sp>
+      <p:sp>
+        <p:nvSpPr>
+          <p:cNvPr id="12" name="Pladsholder til slidenummer 11">
+            <a:extLst>
+              <a:ext uri="{FF2B5EF4-FFF2-40B4-BE49-F238E27FC236}">
+                <a16:creationId xmlns:a16="http://schemas.microsoft.com/office/drawing/2014/main" id="{91814EC9-246A-4C6E-941E-5774FE72F08E}"/>
+              </a:ext>
+            </a:extLst>
+          </p:cNvPr>
+          <p:cNvSpPr>
+            <a:spLocks noGrp="1"/>
+          </p:cNvSpPr>
+          <p:nvPr>
+            <p:ph type="sldNum" sz="quarter" idx="20"/>
+          </p:nvPr>
+        </p:nvSpPr>
+        <p:spPr/>
+        <p:txBody>
+          <a:bodyPr rtlCol="0"/>
+          <a:lstStyle/>
+          <a:p>
+            <a:pPr rtl="0"/>
+            <a:fld id="{19B51A1E-902D-48AF-9020-955120F399B6}" type="slidenum">
+              <a:rPr lang="da-DK" smtClean="0"/>
+              <a:pPr rtl="0"/>
+              <a:t>10</a:t>
+            </a:fld>
+            <a:endParaRPr lang="da-DK"/>
+          </a:p>
+        </p:txBody>
+      </p:sp>
+      <p:pic>
+        <p:nvPicPr>
+          <p:cNvPr id="17" name="Grafik 16" descr="Bruger" title="Ikon – oplægsholderens navn">
+            <a:extLst>
+              <a:ext uri="{FF2B5EF4-FFF2-40B4-BE49-F238E27FC236}">
+                <a16:creationId xmlns:a16="http://schemas.microsoft.com/office/drawing/2014/main" id="{127C2FF1-3480-4B4D-A3F9-E1207DBFD1A2}"/>
+              </a:ext>
+            </a:extLst>
+          </p:cNvPr>
+          <p:cNvPicPr>
+            <a:picLocks noChangeAspect="1"/>
+          </p:cNvPicPr>
+          <p:nvPr/>
+        </p:nvPicPr>
+        <p:blipFill>
+          <a:blip r:embed="rId4" cstate="screen">
+            <a:extLst>
+              <a:ext uri="{28A0092B-C50C-407E-A947-70E740481C1C}">
+                <a14:useLocalDpi xmlns:a14="http://schemas.microsoft.com/office/drawing/2010/main"/>
+              </a:ext>
+              <a:ext uri="{96DAC541-7B7A-43D3-8B79-37D633B846F1}">
+                <asvg:svgBlip xmlns:asvg="http://schemas.microsoft.com/office/drawing/2016/SVG/main" r:embed="rId5"/>
+              </a:ext>
+            </a:extLst>
+          </a:blip>
+          <a:stretch>
+            <a:fillRect/>
+          </a:stretch>
+        </p:blipFill>
+        <p:spPr>
+          <a:xfrm>
+            <a:off x="11485495" y="4355672"/>
+            <a:ext cx="218900" cy="218900"/>
+          </a:xfrm>
+          <a:prstGeom prst="rect">
+            <a:avLst/>
+          </a:prstGeom>
+        </p:spPr>
+      </p:pic>
+      <p:pic>
+        <p:nvPicPr>
+          <p:cNvPr id="18" name="Grafik 17" descr="Bruger" title="Ikon – oplægsholderens navn">
+            <a:extLst>
+              <a:ext uri="{FF2B5EF4-FFF2-40B4-BE49-F238E27FC236}">
+                <a16:creationId xmlns:a16="http://schemas.microsoft.com/office/drawing/2014/main" id="{DDCF13DF-9582-4D23-9522-4F058AC83331}"/>
+              </a:ext>
+            </a:extLst>
+          </p:cNvPr>
+          <p:cNvPicPr>
+            <a:picLocks noChangeAspect="1"/>
+          </p:cNvPicPr>
+          <p:nvPr/>
+        </p:nvPicPr>
+        <p:blipFill>
+          <a:blip r:embed="rId4" cstate="screen">
+            <a:extLst>
+              <a:ext uri="{28A0092B-C50C-407E-A947-70E740481C1C}">
+                <a14:useLocalDpi xmlns:a14="http://schemas.microsoft.com/office/drawing/2010/main"/>
+              </a:ext>
+              <a:ext uri="{96DAC541-7B7A-43D3-8B79-37D633B846F1}">
+                <asvg:svgBlip xmlns:asvg="http://schemas.microsoft.com/office/drawing/2016/SVG/main" r:embed="rId5"/>
+              </a:ext>
+            </a:extLst>
+          </a:blip>
+          <a:stretch>
+            <a:fillRect/>
+          </a:stretch>
+        </p:blipFill>
+        <p:spPr>
+          <a:xfrm>
+            <a:off x="11485495" y="4704689"/>
+            <a:ext cx="218900" cy="218900"/>
+          </a:xfrm>
+          <a:prstGeom prst="rect">
+            <a:avLst/>
+          </a:prstGeom>
+        </p:spPr>
+      </p:pic>
+      <p:pic>
+        <p:nvPicPr>
+          <p:cNvPr id="19" name="Grafik 18" descr="Bruger" title="Ikon – oplægsholderens navn">
+            <a:extLst>
+              <a:ext uri="{FF2B5EF4-FFF2-40B4-BE49-F238E27FC236}">
+                <a16:creationId xmlns:a16="http://schemas.microsoft.com/office/drawing/2014/main" id="{5021FC7A-6BA8-4D72-95CD-0AEECA3420E1}"/>
+              </a:ext>
+            </a:extLst>
+          </p:cNvPr>
+          <p:cNvPicPr>
+            <a:picLocks noChangeAspect="1"/>
+          </p:cNvPicPr>
+          <p:nvPr/>
+        </p:nvPicPr>
+        <p:blipFill>
+          <a:blip r:embed="rId4" cstate="screen">
+            <a:extLst>
+              <a:ext uri="{28A0092B-C50C-407E-A947-70E740481C1C}">
+                <a14:useLocalDpi xmlns:a14="http://schemas.microsoft.com/office/drawing/2010/main"/>
+              </a:ext>
+              <a:ext uri="{96DAC541-7B7A-43D3-8B79-37D633B846F1}">
+                <asvg:svgBlip xmlns:asvg="http://schemas.microsoft.com/office/drawing/2016/SVG/main" r:embed="rId5"/>
+              </a:ext>
+            </a:extLst>
+          </a:blip>
+          <a:stretch>
+            <a:fillRect/>
+          </a:stretch>
+        </p:blipFill>
+        <p:spPr>
+          <a:xfrm>
+            <a:off x="11485495" y="5053706"/>
+            <a:ext cx="218900" cy="218900"/>
+          </a:xfrm>
+          <a:prstGeom prst="rect">
+            <a:avLst/>
+          </a:prstGeom>
+        </p:spPr>
+      </p:pic>
+    </p:spTree>
+    <p:extLst>
+      <p:ext uri="{BB962C8B-B14F-4D97-AF65-F5344CB8AC3E}">
+        <p14:creationId xmlns:p14="http://schemas.microsoft.com/office/powerpoint/2010/main" val="4153678306"/>
+      </p:ext>
+    </p:extLst>
+  </p:cSld>
+  <p:clrMapOvr>
+    <a:masterClrMapping/>
+  </p:clrMapOvr>
+</p:sld>
+</file>
+
 <file path=ppt/slides/slide2.xml><?xml version="1.0" encoding="utf-8"?>
 <p:sld xmlns:a="http://schemas.openxmlformats.org/drawingml/2006/main" xmlns:r="http://schemas.openxmlformats.org/officeDocument/2006/relationships" xmlns:p="http://schemas.openxmlformats.org/presentationml/2006/main">
   <p:cSld>
@@ -15768,12 +16270,37 @@
           <a:chExt cx="0" cy="0"/>
         </a:xfrm>
       </p:grpSpPr>
+      <p:sp>
+        <p:nvSpPr>
+          <p:cNvPr id="2" name="Titel 1">
+            <a:extLst>
+              <a:ext uri="{FF2B5EF4-FFF2-40B4-BE49-F238E27FC236}">
+                <a16:creationId xmlns:a16="http://schemas.microsoft.com/office/drawing/2014/main" id="{0D3CFA10-5BF1-830F-3ED0-1B3E4E2316CC}"/>
+              </a:ext>
+            </a:extLst>
+          </p:cNvPr>
+          <p:cNvSpPr>
+            <a:spLocks noGrp="1"/>
+          </p:cNvSpPr>
+          <p:nvPr>
+            <p:ph type="title"/>
+          </p:nvPr>
+        </p:nvSpPr>
+        <p:spPr/>
+        <p:txBody>
+          <a:bodyPr/>
+          <a:lstStyle/>
+          <a:p>
+            <a:endParaRPr lang="en-US" dirty="0"/>
+          </a:p>
+        </p:txBody>
+      </p:sp>
       <p:pic>
         <p:nvPicPr>
-          <p:cNvPr id="32" name="Pladsholder til billede 31" descr="klappen i hænderne">
-            <a:extLst>
-              <a:ext uri="{FF2B5EF4-FFF2-40B4-BE49-F238E27FC236}">
-                <a16:creationId xmlns:a16="http://schemas.microsoft.com/office/drawing/2014/main" id="{AAB6EE12-FEF8-FB41-A909-0DA61D7725C7}"/>
+          <p:cNvPr id="8" name="Pladsholder til indhold 7">
+            <a:extLst>
+              <a:ext uri="{FF2B5EF4-FFF2-40B4-BE49-F238E27FC236}">
+                <a16:creationId xmlns:a16="http://schemas.microsoft.com/office/drawing/2014/main" id="{3916A87A-02FA-DFFA-56F1-371BD0BAA9FB}"/>
               </a:ext>
             </a:extLst>
           </p:cNvPr>
@@ -15781,94 +16308,114 @@
             <a:picLocks noGrp="1" noChangeAspect="1"/>
           </p:cNvPicPr>
           <p:nvPr>
-            <p:ph type="pic" sz="quarter" idx="10"/>
+            <p:ph idx="1"/>
           </p:nvPr>
         </p:nvPicPr>
         <p:blipFill>
-          <a:blip r:embed="rId3" cstate="screen">
-            <a:extLst>
-              <a:ext uri="{28A0092B-C50C-407E-A947-70E740481C1C}">
-                <a14:useLocalDpi xmlns:a14="http://schemas.microsoft.com/office/drawing/2010/main"/>
-              </a:ext>
-            </a:extLst>
-          </a:blip>
-          <a:srcRect/>
+          <a:blip r:embed="rId2"/>
           <a:stretch>
             <a:fillRect/>
           </a:stretch>
         </p:blipFill>
-        <p:spPr/>
-      </p:pic>
-      <p:sp>
-        <p:nvSpPr>
-          <p:cNvPr id="14" name="Titel 13">
-            <a:extLst>
-              <a:ext uri="{FF2B5EF4-FFF2-40B4-BE49-F238E27FC236}">
-                <a16:creationId xmlns:a16="http://schemas.microsoft.com/office/drawing/2014/main" id="{6C38D7A9-9299-4108-BB08-026F4B9CAE7B}"/>
-              </a:ext>
-            </a:extLst>
-          </p:cNvPr>
-          <p:cNvSpPr>
-            <a:spLocks noGrp="1"/>
-          </p:cNvSpPr>
-          <p:nvPr>
-            <p:ph type="ctrTitle"/>
-          </p:nvPr>
-        </p:nvSpPr>
-        <p:spPr/>
-        <p:txBody>
-          <a:bodyPr rtlCol="0"/>
-          <a:lstStyle/>
-          <a:p>
-            <a:pPr rtl="0"/>
-            <a:r>
-              <a:rPr lang="da-DK" dirty="0" err="1"/>
-              <a:t>Thanks</a:t>
-            </a:r>
-            <a:endParaRPr lang="da-DK" dirty="0"/>
-          </a:p>
-        </p:txBody>
-      </p:sp>
-      <p:sp>
-        <p:nvSpPr>
-          <p:cNvPr id="4" name="Pladsholder til tekst 3">
-            <a:extLst>
-              <a:ext uri="{FF2B5EF4-FFF2-40B4-BE49-F238E27FC236}">
-                <a16:creationId xmlns:a16="http://schemas.microsoft.com/office/drawing/2014/main" id="{60828E04-9C2A-4859-8050-C2DF67A249CB}"/>
-              </a:ext>
-            </a:extLst>
-          </p:cNvPr>
-          <p:cNvSpPr>
-            <a:spLocks noGrp="1"/>
-          </p:cNvSpPr>
-          <p:nvPr>
-            <p:ph type="body" sz="quarter" idx="15"/>
-          </p:nvPr>
-        </p:nvSpPr>
         <p:spPr>
           <a:xfrm>
-            <a:off x="8458200" y="3957705"/>
-            <a:ext cx="2910342" cy="316800"/>
+            <a:off x="5180012" y="457200"/>
+            <a:ext cx="6172200" cy="3809129"/>
           </a:xfrm>
+          <a:prstGeom prst="rect">
+            <a:avLst/>
+          </a:prstGeom>
         </p:spPr>
-        <p:txBody>
-          <a:bodyPr rtlCol="0"/>
-          <a:lstStyle/>
-          <a:p>
-            <a:pPr rtl="0"/>
-            <a:r>
-              <a:rPr lang="da-DK" sz="1800"/>
-              <a:t>Andreas Methling  </a:t>
-            </a:r>
+      </p:pic>
+      <p:sp>
+        <p:nvSpPr>
+          <p:cNvPr id="4" name="Pladsholder til tekst 3">
+            <a:extLst>
+              <a:ext uri="{FF2B5EF4-FFF2-40B4-BE49-F238E27FC236}">
+                <a16:creationId xmlns:a16="http://schemas.microsoft.com/office/drawing/2014/main" id="{1DF7707B-2E9A-B655-43CD-190E2D909361}"/>
+              </a:ext>
+            </a:extLst>
+          </p:cNvPr>
+          <p:cNvSpPr>
+            <a:spLocks noGrp="1"/>
+          </p:cNvSpPr>
+          <p:nvPr>
+            <p:ph type="body" sz="half" idx="2"/>
+          </p:nvPr>
+        </p:nvSpPr>
+        <p:spPr/>
+        <p:txBody>
+          <a:bodyPr/>
+          <a:lstStyle/>
+          <a:p>
+            <a:r>
+              <a:rPr lang="da-DK" dirty="0"/>
+              <a:t>Vi kan se at vi ikke får den sidste effekt med </a:t>
+            </a:r>
+            <a:endParaRPr lang="en-US" dirty="0"/>
+          </a:p>
+        </p:txBody>
+      </p:sp>
+      <p:sp>
+        <p:nvSpPr>
+          <p:cNvPr id="5" name="Pladsholder til sidefod 4">
+            <a:extLst>
+              <a:ext uri="{FF2B5EF4-FFF2-40B4-BE49-F238E27FC236}">
+                <a16:creationId xmlns:a16="http://schemas.microsoft.com/office/drawing/2014/main" id="{7902B3B9-9D1F-6CF7-566E-E53A8733AA29}"/>
+              </a:ext>
+            </a:extLst>
+          </p:cNvPr>
+          <p:cNvSpPr>
+            <a:spLocks noGrp="1"/>
+          </p:cNvSpPr>
+          <p:nvPr>
+            <p:ph type="ftr" sz="quarter" idx="11"/>
+          </p:nvPr>
+        </p:nvSpPr>
+        <p:spPr/>
+        <p:txBody>
+          <a:bodyPr/>
+          <a:lstStyle/>
+          <a:p>
+            <a:endParaRPr lang="da-DK"/>
+          </a:p>
+        </p:txBody>
+      </p:sp>
+      <p:sp>
+        <p:nvSpPr>
+          <p:cNvPr id="6" name="Pladsholder til slidenummer 5">
+            <a:extLst>
+              <a:ext uri="{FF2B5EF4-FFF2-40B4-BE49-F238E27FC236}">
+                <a16:creationId xmlns:a16="http://schemas.microsoft.com/office/drawing/2014/main" id="{D5D1C50B-BDEC-2275-CC2A-CF93DC43288D}"/>
+              </a:ext>
+            </a:extLst>
+          </p:cNvPr>
+          <p:cNvSpPr>
+            <a:spLocks noGrp="1"/>
+          </p:cNvSpPr>
+          <p:nvPr>
+            <p:ph type="sldNum" sz="quarter" idx="12"/>
+          </p:nvPr>
+        </p:nvSpPr>
+        <p:spPr/>
+        <p:txBody>
+          <a:bodyPr/>
+          <a:lstStyle/>
+          <a:p>
+            <a:fld id="{7D821011-DD97-40DE-9870-3870B0BF8BC7}" type="slidenum">
+              <a:rPr lang="da-DK" smtClean="0"/>
+              <a:t>5</a:t>
+            </a:fld>
+            <a:endParaRPr lang="da-DK"/>
           </a:p>
         </p:txBody>
       </p:sp>
       <p:pic>
         <p:nvPicPr>
-          <p:cNvPr id="8" name="Grafik 7" descr="Bruger" title="Ikon – oplægsholderens navn">
-            <a:extLst>
-              <a:ext uri="{FF2B5EF4-FFF2-40B4-BE49-F238E27FC236}">
-                <a16:creationId xmlns:a16="http://schemas.microsoft.com/office/drawing/2014/main" id="{111541C4-DB03-4E53-994D-499C7D73C4DF}"/>
+          <p:cNvPr id="12" name="Billede 11">
+            <a:extLst>
+              <a:ext uri="{FF2B5EF4-FFF2-40B4-BE49-F238E27FC236}">
+                <a16:creationId xmlns:a16="http://schemas.microsoft.com/office/drawing/2014/main" id="{F3DDBF5D-10C5-A7E2-96F1-478817ADBC26}"/>
               </a:ext>
             </a:extLst>
           </p:cNvPr>
@@ -15878,272 +16425,15 @@
           <p:nvPr/>
         </p:nvPicPr>
         <p:blipFill>
-          <a:blip r:embed="rId4" cstate="screen">
-            <a:extLst>
-              <a:ext uri="{28A0092B-C50C-407E-A947-70E740481C1C}">
-                <a14:useLocalDpi xmlns:a14="http://schemas.microsoft.com/office/drawing/2010/main"/>
-              </a:ext>
-              <a:ext uri="{96DAC541-7B7A-43D3-8B79-37D633B846F1}">
-                <asvg:svgBlip xmlns:asvg="http://schemas.microsoft.com/office/drawing/2016/SVG/main" r:embed="rId5"/>
-              </a:ext>
-            </a:extLst>
-          </a:blip>
+          <a:blip r:embed="rId3"/>
           <a:stretch>
             <a:fillRect/>
           </a:stretch>
         </p:blipFill>
         <p:spPr>
           <a:xfrm>
-            <a:off x="11485495" y="4006655"/>
-            <a:ext cx="218900" cy="218900"/>
-          </a:xfrm>
-          <a:prstGeom prst="rect">
-            <a:avLst/>
-          </a:prstGeom>
-        </p:spPr>
-      </p:pic>
-      <p:sp>
-        <p:nvSpPr>
-          <p:cNvPr id="5" name="Pladsholder til tekst 4">
-            <a:extLst>
-              <a:ext uri="{FF2B5EF4-FFF2-40B4-BE49-F238E27FC236}">
-                <a16:creationId xmlns:a16="http://schemas.microsoft.com/office/drawing/2014/main" id="{11265965-2271-4C1C-BD0A-6F85F80FF9A6}"/>
-              </a:ext>
-            </a:extLst>
-          </p:cNvPr>
-          <p:cNvSpPr>
-            <a:spLocks noGrp="1"/>
-          </p:cNvSpPr>
-          <p:nvPr>
-            <p:ph type="body" sz="quarter" idx="16"/>
-          </p:nvPr>
-        </p:nvSpPr>
-        <p:spPr>
-          <a:xfrm>
-            <a:off x="8458200" y="4306722"/>
-            <a:ext cx="2910342" cy="316800"/>
-          </a:xfrm>
-        </p:spPr>
-        <p:txBody>
-          <a:bodyPr rtlCol="0"/>
-          <a:lstStyle/>
-          <a:p>
-            <a:pPr rtl="0"/>
-            <a:r>
-              <a:rPr lang="da-DK" sz="1800"/>
-              <a:t>Kristoffer </a:t>
-            </a:r>
-            <a:r>
-              <a:rPr lang="da-DK" sz="1800" err="1"/>
-              <a:t>Herrig</a:t>
-            </a:r>
-            <a:r>
-              <a:rPr lang="da-DK" sz="1800"/>
-              <a:t> Thorndal</a:t>
-            </a:r>
-          </a:p>
-        </p:txBody>
-      </p:sp>
-      <p:sp>
-        <p:nvSpPr>
-          <p:cNvPr id="6" name="Pladsholder til tekst 5">
-            <a:extLst>
-              <a:ext uri="{FF2B5EF4-FFF2-40B4-BE49-F238E27FC236}">
-                <a16:creationId xmlns:a16="http://schemas.microsoft.com/office/drawing/2014/main" id="{50A3BCC3-A277-4C0B-9EBA-EB53990D8EBD}"/>
-              </a:ext>
-            </a:extLst>
-          </p:cNvPr>
-          <p:cNvSpPr>
-            <a:spLocks noGrp="1"/>
-          </p:cNvSpPr>
-          <p:nvPr>
-            <p:ph type="body" sz="quarter" idx="17"/>
-          </p:nvPr>
-        </p:nvSpPr>
-        <p:spPr/>
-        <p:txBody>
-          <a:bodyPr rtlCol="0"/>
-          <a:lstStyle/>
-          <a:p>
-            <a:pPr rtl="0"/>
-            <a:r>
-              <a:rPr lang="da-DK" sz="1800"/>
-              <a:t>Mikkel Bak Lyngø</a:t>
-            </a:r>
-          </a:p>
-        </p:txBody>
-      </p:sp>
-      <p:sp>
-        <p:nvSpPr>
-          <p:cNvPr id="16" name="Pladsholder til tekst 15">
-            <a:extLst>
-              <a:ext uri="{FF2B5EF4-FFF2-40B4-BE49-F238E27FC236}">
-                <a16:creationId xmlns:a16="http://schemas.microsoft.com/office/drawing/2014/main" id="{FD8A1232-50A8-4535-AAF9-7F4180EAA0DD}"/>
-              </a:ext>
-            </a:extLst>
-          </p:cNvPr>
-          <p:cNvSpPr>
-            <a:spLocks noGrp="1"/>
-          </p:cNvSpPr>
-          <p:nvPr>
-            <p:ph type="body" sz="quarter" idx="18"/>
-          </p:nvPr>
-        </p:nvSpPr>
-        <p:spPr/>
-        <p:txBody>
-          <a:bodyPr rtlCol="0"/>
-          <a:lstStyle/>
-          <a:p>
-            <a:pPr rtl="0"/>
-            <a:r>
-              <a:rPr lang="da-DK" sz="1800"/>
-              <a:t>Simon Fløj Thomsen </a:t>
-            </a:r>
-          </a:p>
-        </p:txBody>
-      </p:sp>
-      <p:sp>
-        <p:nvSpPr>
-          <p:cNvPr id="12" name="Pladsholder til slidenummer 11">
-            <a:extLst>
-              <a:ext uri="{FF2B5EF4-FFF2-40B4-BE49-F238E27FC236}">
-                <a16:creationId xmlns:a16="http://schemas.microsoft.com/office/drawing/2014/main" id="{91814EC9-246A-4C6E-941E-5774FE72F08E}"/>
-              </a:ext>
-            </a:extLst>
-          </p:cNvPr>
-          <p:cNvSpPr>
-            <a:spLocks noGrp="1"/>
-          </p:cNvSpPr>
-          <p:nvPr>
-            <p:ph type="sldNum" sz="quarter" idx="20"/>
-          </p:nvPr>
-        </p:nvSpPr>
-        <p:spPr/>
-        <p:txBody>
-          <a:bodyPr rtlCol="0"/>
-          <a:lstStyle/>
-          <a:p>
-            <a:pPr rtl="0"/>
-            <a:fld id="{19B51A1E-902D-48AF-9020-955120F399B6}" type="slidenum">
-              <a:rPr lang="da-DK" smtClean="0"/>
-              <a:pPr rtl="0"/>
-              <a:t>5</a:t>
-            </a:fld>
-            <a:endParaRPr lang="da-DK"/>
-          </a:p>
-        </p:txBody>
-      </p:sp>
-      <p:pic>
-        <p:nvPicPr>
-          <p:cNvPr id="17" name="Grafik 16" descr="Bruger" title="Ikon – oplægsholderens navn">
-            <a:extLst>
-              <a:ext uri="{FF2B5EF4-FFF2-40B4-BE49-F238E27FC236}">
-                <a16:creationId xmlns:a16="http://schemas.microsoft.com/office/drawing/2014/main" id="{127C2FF1-3480-4B4D-A3F9-E1207DBFD1A2}"/>
-              </a:ext>
-            </a:extLst>
-          </p:cNvPr>
-          <p:cNvPicPr>
-            <a:picLocks noChangeAspect="1"/>
-          </p:cNvPicPr>
-          <p:nvPr/>
-        </p:nvPicPr>
-        <p:blipFill>
-          <a:blip r:embed="rId4" cstate="screen">
-            <a:extLst>
-              <a:ext uri="{28A0092B-C50C-407E-A947-70E740481C1C}">
-                <a14:useLocalDpi xmlns:a14="http://schemas.microsoft.com/office/drawing/2010/main"/>
-              </a:ext>
-              <a:ext uri="{96DAC541-7B7A-43D3-8B79-37D633B846F1}">
-                <asvg:svgBlip xmlns:asvg="http://schemas.microsoft.com/office/drawing/2016/SVG/main" r:embed="rId5"/>
-              </a:ext>
-            </a:extLst>
-          </a:blip>
-          <a:stretch>
-            <a:fillRect/>
-          </a:stretch>
-        </p:blipFill>
-        <p:spPr>
-          <a:xfrm>
-            <a:off x="11485495" y="4355672"/>
-            <a:ext cx="218900" cy="218900"/>
-          </a:xfrm>
-          <a:prstGeom prst="rect">
-            <a:avLst/>
-          </a:prstGeom>
-        </p:spPr>
-      </p:pic>
-      <p:pic>
-        <p:nvPicPr>
-          <p:cNvPr id="18" name="Grafik 17" descr="Bruger" title="Ikon – oplægsholderens navn">
-            <a:extLst>
-              <a:ext uri="{FF2B5EF4-FFF2-40B4-BE49-F238E27FC236}">
-                <a16:creationId xmlns:a16="http://schemas.microsoft.com/office/drawing/2014/main" id="{DDCF13DF-9582-4D23-9522-4F058AC83331}"/>
-              </a:ext>
-            </a:extLst>
-          </p:cNvPr>
-          <p:cNvPicPr>
-            <a:picLocks noChangeAspect="1"/>
-          </p:cNvPicPr>
-          <p:nvPr/>
-        </p:nvPicPr>
-        <p:blipFill>
-          <a:blip r:embed="rId4" cstate="screen">
-            <a:extLst>
-              <a:ext uri="{28A0092B-C50C-407E-A947-70E740481C1C}">
-                <a14:useLocalDpi xmlns:a14="http://schemas.microsoft.com/office/drawing/2010/main"/>
-              </a:ext>
-              <a:ext uri="{96DAC541-7B7A-43D3-8B79-37D633B846F1}">
-                <asvg:svgBlip xmlns:asvg="http://schemas.microsoft.com/office/drawing/2016/SVG/main" r:embed="rId5"/>
-              </a:ext>
-            </a:extLst>
-          </a:blip>
-          <a:stretch>
-            <a:fillRect/>
-          </a:stretch>
-        </p:blipFill>
-        <p:spPr>
-          <a:xfrm>
-            <a:off x="11485495" y="4704689"/>
-            <a:ext cx="218900" cy="218900"/>
-          </a:xfrm>
-          <a:prstGeom prst="rect">
-            <a:avLst/>
-          </a:prstGeom>
-        </p:spPr>
-      </p:pic>
-      <p:pic>
-        <p:nvPicPr>
-          <p:cNvPr id="19" name="Grafik 18" descr="Bruger" title="Ikon – oplægsholderens navn">
-            <a:extLst>
-              <a:ext uri="{FF2B5EF4-FFF2-40B4-BE49-F238E27FC236}">
-                <a16:creationId xmlns:a16="http://schemas.microsoft.com/office/drawing/2014/main" id="{5021FC7A-6BA8-4D72-95CD-0AEECA3420E1}"/>
-              </a:ext>
-            </a:extLst>
-          </p:cNvPr>
-          <p:cNvPicPr>
-            <a:picLocks noChangeAspect="1"/>
-          </p:cNvPicPr>
-          <p:nvPr/>
-        </p:nvPicPr>
-        <p:blipFill>
-          <a:blip r:embed="rId4" cstate="screen">
-            <a:extLst>
-              <a:ext uri="{28A0092B-C50C-407E-A947-70E740481C1C}">
-                <a14:useLocalDpi xmlns:a14="http://schemas.microsoft.com/office/drawing/2010/main"/>
-              </a:ext>
-              <a:ext uri="{96DAC541-7B7A-43D3-8B79-37D633B846F1}">
-                <asvg:svgBlip xmlns:asvg="http://schemas.microsoft.com/office/drawing/2016/SVG/main" r:embed="rId5"/>
-              </a:ext>
-            </a:extLst>
-          </a:blip>
-          <a:stretch>
-            <a:fillRect/>
-          </a:stretch>
-        </p:blipFill>
-        <p:spPr>
-          <a:xfrm>
-            <a:off x="11485495" y="5053706"/>
-            <a:ext cx="218900" cy="218900"/>
+            <a:off x="5180012" y="4837161"/>
+            <a:ext cx="6467475" cy="581025"/>
           </a:xfrm>
           <a:prstGeom prst="rect">
             <a:avLst/>
@@ -16153,7 +16443,672 @@
     </p:spTree>
     <p:extLst>
       <p:ext uri="{BB962C8B-B14F-4D97-AF65-F5344CB8AC3E}">
-        <p14:creationId xmlns:p14="http://schemas.microsoft.com/office/powerpoint/2010/main" val="4153678306"/>
+        <p14:creationId xmlns:p14="http://schemas.microsoft.com/office/powerpoint/2010/main" val="1980453349"/>
+      </p:ext>
+    </p:extLst>
+  </p:cSld>
+  <p:clrMapOvr>
+    <a:masterClrMapping/>
+  </p:clrMapOvr>
+</p:sld>
+</file>
+
+<file path=ppt/slides/slide6.xml><?xml version="1.0" encoding="utf-8"?>
+<p:sld xmlns:a="http://schemas.openxmlformats.org/drawingml/2006/main" xmlns:r="http://schemas.openxmlformats.org/officeDocument/2006/relationships" xmlns:p="http://schemas.openxmlformats.org/presentationml/2006/main">
+  <p:cSld>
+    <p:spTree>
+      <p:nvGrpSpPr>
+        <p:cNvPr id="1" name=""/>
+        <p:cNvGrpSpPr/>
+        <p:nvPr/>
+      </p:nvGrpSpPr>
+      <p:grpSpPr>
+        <a:xfrm>
+          <a:off x="0" y="0"/>
+          <a:ext cx="0" cy="0"/>
+          <a:chOff x="0" y="0"/>
+          <a:chExt cx="0" cy="0"/>
+        </a:xfrm>
+      </p:grpSpPr>
+      <p:sp>
+        <p:nvSpPr>
+          <p:cNvPr id="2" name="Titel 1">
+            <a:extLst>
+              <a:ext uri="{FF2B5EF4-FFF2-40B4-BE49-F238E27FC236}">
+                <a16:creationId xmlns:a16="http://schemas.microsoft.com/office/drawing/2014/main" id="{4A6A1D7B-4CC6-41A8-4ADA-85E701A530E0}"/>
+              </a:ext>
+            </a:extLst>
+          </p:cNvPr>
+          <p:cNvSpPr>
+            <a:spLocks noGrp="1"/>
+          </p:cNvSpPr>
+          <p:nvPr>
+            <p:ph type="title"/>
+          </p:nvPr>
+        </p:nvSpPr>
+        <p:spPr/>
+        <p:txBody>
+          <a:bodyPr/>
+          <a:lstStyle/>
+          <a:p>
+            <a:endParaRPr lang="en-US" dirty="0"/>
+          </a:p>
+        </p:txBody>
+      </p:sp>
+      <p:pic>
+        <p:nvPicPr>
+          <p:cNvPr id="8" name="Pladsholder til indhold 7">
+            <a:extLst>
+              <a:ext uri="{FF2B5EF4-FFF2-40B4-BE49-F238E27FC236}">
+                <a16:creationId xmlns:a16="http://schemas.microsoft.com/office/drawing/2014/main" id="{DA339A2F-F556-41C3-8D50-3C94F5CF62A6}"/>
+              </a:ext>
+            </a:extLst>
+          </p:cNvPr>
+          <p:cNvPicPr>
+            <a:picLocks noGrp="1" noChangeAspect="1"/>
+          </p:cNvPicPr>
+          <p:nvPr>
+            <p:ph idx="1"/>
+          </p:nvPr>
+        </p:nvPicPr>
+        <p:blipFill>
+          <a:blip r:embed="rId3"/>
+          <a:stretch>
+            <a:fillRect/>
+          </a:stretch>
+        </p:blipFill>
+        <p:spPr>
+          <a:xfrm>
+            <a:off x="5183188" y="1155698"/>
+            <a:ext cx="6172200" cy="4278149"/>
+          </a:xfrm>
+          <a:prstGeom prst="rect">
+            <a:avLst/>
+          </a:prstGeom>
+        </p:spPr>
+      </p:pic>
+      <p:sp>
+        <p:nvSpPr>
+          <p:cNvPr id="4" name="Pladsholder til tekst 3">
+            <a:extLst>
+              <a:ext uri="{FF2B5EF4-FFF2-40B4-BE49-F238E27FC236}">
+                <a16:creationId xmlns:a16="http://schemas.microsoft.com/office/drawing/2014/main" id="{BAD0F712-9511-5CC8-6830-AC892388DFBC}"/>
+              </a:ext>
+            </a:extLst>
+          </p:cNvPr>
+          <p:cNvSpPr>
+            <a:spLocks noGrp="1"/>
+          </p:cNvSpPr>
+          <p:nvPr>
+            <p:ph type="body" sz="half" idx="2"/>
+          </p:nvPr>
+        </p:nvSpPr>
+        <p:spPr/>
+        <p:txBody>
+          <a:bodyPr/>
+          <a:lstStyle/>
+          <a:p>
+            <a:r>
+              <a:rPr lang="da-DK" dirty="0"/>
+              <a:t>Vi kan nu se hvad der sker når vi tillader fagforeningerne at forhandle lønnen et kvartal før. (Kun i den sidste periode)</a:t>
+            </a:r>
+            <a:endParaRPr lang="en-US" dirty="0"/>
+          </a:p>
+        </p:txBody>
+      </p:sp>
+      <p:sp>
+        <p:nvSpPr>
+          <p:cNvPr id="5" name="Pladsholder til sidefod 4">
+            <a:extLst>
+              <a:ext uri="{FF2B5EF4-FFF2-40B4-BE49-F238E27FC236}">
+                <a16:creationId xmlns:a16="http://schemas.microsoft.com/office/drawing/2014/main" id="{A52DE0C7-897D-9E38-6E4B-99FF2EB79E01}"/>
+              </a:ext>
+            </a:extLst>
+          </p:cNvPr>
+          <p:cNvSpPr>
+            <a:spLocks noGrp="1"/>
+          </p:cNvSpPr>
+          <p:nvPr>
+            <p:ph type="ftr" sz="quarter" idx="11"/>
+          </p:nvPr>
+        </p:nvSpPr>
+        <p:spPr/>
+        <p:txBody>
+          <a:bodyPr/>
+          <a:lstStyle/>
+          <a:p>
+            <a:endParaRPr lang="da-DK"/>
+          </a:p>
+        </p:txBody>
+      </p:sp>
+      <p:sp>
+        <p:nvSpPr>
+          <p:cNvPr id="6" name="Pladsholder til slidenummer 5">
+            <a:extLst>
+              <a:ext uri="{FF2B5EF4-FFF2-40B4-BE49-F238E27FC236}">
+                <a16:creationId xmlns:a16="http://schemas.microsoft.com/office/drawing/2014/main" id="{CB098C29-2C84-5229-A462-57F8F4137B78}"/>
+              </a:ext>
+            </a:extLst>
+          </p:cNvPr>
+          <p:cNvSpPr>
+            <a:spLocks noGrp="1"/>
+          </p:cNvSpPr>
+          <p:nvPr>
+            <p:ph type="sldNum" sz="quarter" idx="12"/>
+          </p:nvPr>
+        </p:nvSpPr>
+        <p:spPr/>
+        <p:txBody>
+          <a:bodyPr/>
+          <a:lstStyle/>
+          <a:p>
+            <a:fld id="{7D821011-DD97-40DE-9870-3870B0BF8BC7}" type="slidenum">
+              <a:rPr lang="da-DK" smtClean="0"/>
+              <a:t>6</a:t>
+            </a:fld>
+            <a:endParaRPr lang="da-DK"/>
+          </a:p>
+        </p:txBody>
+      </p:sp>
+    </p:spTree>
+    <p:extLst>
+      <p:ext uri="{BB962C8B-B14F-4D97-AF65-F5344CB8AC3E}">
+        <p14:creationId xmlns:p14="http://schemas.microsoft.com/office/powerpoint/2010/main" val="1637596567"/>
+      </p:ext>
+    </p:extLst>
+  </p:cSld>
+  <p:clrMapOvr>
+    <a:masterClrMapping/>
+  </p:clrMapOvr>
+</p:sld>
+</file>
+
+<file path=ppt/slides/slide7.xml><?xml version="1.0" encoding="utf-8"?>
+<p:sld xmlns:a="http://schemas.openxmlformats.org/drawingml/2006/main" xmlns:r="http://schemas.openxmlformats.org/officeDocument/2006/relationships" xmlns:p="http://schemas.openxmlformats.org/presentationml/2006/main">
+  <p:cSld>
+    <p:spTree>
+      <p:nvGrpSpPr>
+        <p:cNvPr id="1" name=""/>
+        <p:cNvGrpSpPr/>
+        <p:nvPr/>
+      </p:nvGrpSpPr>
+      <p:grpSpPr>
+        <a:xfrm>
+          <a:off x="0" y="0"/>
+          <a:ext cx="0" cy="0"/>
+          <a:chOff x="0" y="0"/>
+          <a:chExt cx="0" cy="0"/>
+        </a:xfrm>
+      </p:grpSpPr>
+      <p:sp>
+        <p:nvSpPr>
+          <p:cNvPr id="2" name="Titel 1">
+            <a:extLst>
+              <a:ext uri="{FF2B5EF4-FFF2-40B4-BE49-F238E27FC236}">
+                <a16:creationId xmlns:a16="http://schemas.microsoft.com/office/drawing/2014/main" id="{24BFB1EA-3745-C52D-3D5C-743DE3BDE808}"/>
+              </a:ext>
+            </a:extLst>
+          </p:cNvPr>
+          <p:cNvSpPr>
+            <a:spLocks noGrp="1"/>
+          </p:cNvSpPr>
+          <p:nvPr>
+            <p:ph type="title"/>
+          </p:nvPr>
+        </p:nvSpPr>
+        <p:spPr/>
+        <p:txBody>
+          <a:bodyPr/>
+          <a:lstStyle/>
+          <a:p>
+            <a:endParaRPr lang="en-US"/>
+          </a:p>
+        </p:txBody>
+      </p:sp>
+      <p:pic>
+        <p:nvPicPr>
+          <p:cNvPr id="7" name="Pladsholder til indhold 6">
+            <a:extLst>
+              <a:ext uri="{FF2B5EF4-FFF2-40B4-BE49-F238E27FC236}">
+                <a16:creationId xmlns:a16="http://schemas.microsoft.com/office/drawing/2014/main" id="{17B1F6D4-5F12-0580-C090-94481F06ACA4}"/>
+              </a:ext>
+            </a:extLst>
+          </p:cNvPr>
+          <p:cNvPicPr>
+            <a:picLocks noGrp="1" noChangeAspect="1"/>
+          </p:cNvPicPr>
+          <p:nvPr>
+            <p:ph idx="1"/>
+          </p:nvPr>
+        </p:nvPicPr>
+        <p:blipFill>
+          <a:blip r:embed="rId2"/>
+          <a:stretch>
+            <a:fillRect/>
+          </a:stretch>
+        </p:blipFill>
+        <p:spPr>
+          <a:xfrm>
+            <a:off x="5832475" y="447457"/>
+            <a:ext cx="5413594" cy="5413594"/>
+          </a:xfrm>
+          <a:prstGeom prst="rect">
+            <a:avLst/>
+          </a:prstGeom>
+        </p:spPr>
+      </p:pic>
+      <p:sp>
+        <p:nvSpPr>
+          <p:cNvPr id="4" name="Pladsholder til tekst 3">
+            <a:extLst>
+              <a:ext uri="{FF2B5EF4-FFF2-40B4-BE49-F238E27FC236}">
+                <a16:creationId xmlns:a16="http://schemas.microsoft.com/office/drawing/2014/main" id="{F5B89D92-1151-B352-7EC6-EDDDE6D6FE92}"/>
+              </a:ext>
+            </a:extLst>
+          </p:cNvPr>
+          <p:cNvSpPr>
+            <a:spLocks noGrp="1"/>
+          </p:cNvSpPr>
+          <p:nvPr>
+            <p:ph type="body" sz="half" idx="2"/>
+          </p:nvPr>
+        </p:nvSpPr>
+        <p:spPr/>
+        <p:txBody>
+          <a:bodyPr/>
+          <a:lstStyle/>
+          <a:p>
+            <a:endParaRPr lang="en-US"/>
+          </a:p>
+        </p:txBody>
+      </p:sp>
+      <p:sp>
+        <p:nvSpPr>
+          <p:cNvPr id="5" name="Pladsholder til sidefod 4">
+            <a:extLst>
+              <a:ext uri="{FF2B5EF4-FFF2-40B4-BE49-F238E27FC236}">
+                <a16:creationId xmlns:a16="http://schemas.microsoft.com/office/drawing/2014/main" id="{7469E643-7544-AF9F-B305-5C5F06550C5E}"/>
+              </a:ext>
+            </a:extLst>
+          </p:cNvPr>
+          <p:cNvSpPr>
+            <a:spLocks noGrp="1"/>
+          </p:cNvSpPr>
+          <p:nvPr>
+            <p:ph type="ftr" sz="quarter" idx="11"/>
+          </p:nvPr>
+        </p:nvSpPr>
+        <p:spPr/>
+        <p:txBody>
+          <a:bodyPr/>
+          <a:lstStyle/>
+          <a:p>
+            <a:endParaRPr lang="da-DK"/>
+          </a:p>
+        </p:txBody>
+      </p:sp>
+      <p:sp>
+        <p:nvSpPr>
+          <p:cNvPr id="6" name="Pladsholder til slidenummer 5">
+            <a:extLst>
+              <a:ext uri="{FF2B5EF4-FFF2-40B4-BE49-F238E27FC236}">
+                <a16:creationId xmlns:a16="http://schemas.microsoft.com/office/drawing/2014/main" id="{1E2A2329-5062-A18E-F129-6CBACB2E6D3C}"/>
+              </a:ext>
+            </a:extLst>
+          </p:cNvPr>
+          <p:cNvSpPr>
+            <a:spLocks noGrp="1"/>
+          </p:cNvSpPr>
+          <p:nvPr>
+            <p:ph type="sldNum" sz="quarter" idx="12"/>
+          </p:nvPr>
+        </p:nvSpPr>
+        <p:spPr/>
+        <p:txBody>
+          <a:bodyPr/>
+          <a:lstStyle/>
+          <a:p>
+            <a:fld id="{7D821011-DD97-40DE-9870-3870B0BF8BC7}" type="slidenum">
+              <a:rPr lang="da-DK" smtClean="0"/>
+              <a:t>7</a:t>
+            </a:fld>
+            <a:endParaRPr lang="da-DK"/>
+          </a:p>
+        </p:txBody>
+      </p:sp>
+    </p:spTree>
+    <p:extLst>
+      <p:ext uri="{BB962C8B-B14F-4D97-AF65-F5344CB8AC3E}">
+        <p14:creationId xmlns:p14="http://schemas.microsoft.com/office/powerpoint/2010/main" val="1855822566"/>
+      </p:ext>
+    </p:extLst>
+  </p:cSld>
+  <p:clrMapOvr>
+    <a:masterClrMapping/>
+  </p:clrMapOvr>
+</p:sld>
+</file>
+
+<file path=ppt/slides/slide8.xml><?xml version="1.0" encoding="utf-8"?>
+<p:sld xmlns:a="http://schemas.openxmlformats.org/drawingml/2006/main" xmlns:r="http://schemas.openxmlformats.org/officeDocument/2006/relationships" xmlns:p="http://schemas.openxmlformats.org/presentationml/2006/main">
+  <p:cSld>
+    <p:spTree>
+      <p:nvGrpSpPr>
+        <p:cNvPr id="1" name=""/>
+        <p:cNvGrpSpPr/>
+        <p:nvPr/>
+      </p:nvGrpSpPr>
+      <p:grpSpPr>
+        <a:xfrm>
+          <a:off x="0" y="0"/>
+          <a:ext cx="0" cy="0"/>
+          <a:chOff x="0" y="0"/>
+          <a:chExt cx="0" cy="0"/>
+        </a:xfrm>
+      </p:grpSpPr>
+      <p:sp>
+        <p:nvSpPr>
+          <p:cNvPr id="2" name="Titel 1">
+            <a:extLst>
+              <a:ext uri="{FF2B5EF4-FFF2-40B4-BE49-F238E27FC236}">
+                <a16:creationId xmlns:a16="http://schemas.microsoft.com/office/drawing/2014/main" id="{436A32E8-BF36-D0BF-C71B-13D0C2FCFBCE}"/>
+              </a:ext>
+            </a:extLst>
+          </p:cNvPr>
+          <p:cNvSpPr>
+            <a:spLocks noGrp="1"/>
+          </p:cNvSpPr>
+          <p:nvPr>
+            <p:ph type="title"/>
+          </p:nvPr>
+        </p:nvSpPr>
+        <p:spPr/>
+        <p:txBody>
+          <a:bodyPr/>
+          <a:lstStyle/>
+          <a:p>
+            <a:endParaRPr lang="en-US" dirty="0"/>
+          </a:p>
+        </p:txBody>
+      </p:sp>
+      <p:sp>
+        <p:nvSpPr>
+          <p:cNvPr id="4" name="Pladsholder til tekst 3">
+            <a:extLst>
+              <a:ext uri="{FF2B5EF4-FFF2-40B4-BE49-F238E27FC236}">
+                <a16:creationId xmlns:a16="http://schemas.microsoft.com/office/drawing/2014/main" id="{33DB0675-B5BE-EF19-CD17-C588F65C4665}"/>
+              </a:ext>
+            </a:extLst>
+          </p:cNvPr>
+          <p:cNvSpPr>
+            <a:spLocks noGrp="1"/>
+          </p:cNvSpPr>
+          <p:nvPr>
+            <p:ph type="body" sz="half" idx="2"/>
+          </p:nvPr>
+        </p:nvSpPr>
+        <p:spPr/>
+        <p:txBody>
+          <a:bodyPr/>
+          <a:lstStyle/>
+          <a:p>
+            <a:endParaRPr lang="en-US" dirty="0"/>
+          </a:p>
+        </p:txBody>
+      </p:sp>
+      <p:sp>
+        <p:nvSpPr>
+          <p:cNvPr id="5" name="Pladsholder til sidefod 4">
+            <a:extLst>
+              <a:ext uri="{FF2B5EF4-FFF2-40B4-BE49-F238E27FC236}">
+                <a16:creationId xmlns:a16="http://schemas.microsoft.com/office/drawing/2014/main" id="{ECC094D0-654D-4DB0-98B8-5648C65B43A0}"/>
+              </a:ext>
+            </a:extLst>
+          </p:cNvPr>
+          <p:cNvSpPr>
+            <a:spLocks noGrp="1"/>
+          </p:cNvSpPr>
+          <p:nvPr>
+            <p:ph type="ftr" sz="quarter" idx="11"/>
+          </p:nvPr>
+        </p:nvSpPr>
+        <p:spPr/>
+        <p:txBody>
+          <a:bodyPr/>
+          <a:lstStyle/>
+          <a:p>
+            <a:endParaRPr lang="da-DK"/>
+          </a:p>
+        </p:txBody>
+      </p:sp>
+      <p:sp>
+        <p:nvSpPr>
+          <p:cNvPr id="6" name="Pladsholder til slidenummer 5">
+            <a:extLst>
+              <a:ext uri="{FF2B5EF4-FFF2-40B4-BE49-F238E27FC236}">
+                <a16:creationId xmlns:a16="http://schemas.microsoft.com/office/drawing/2014/main" id="{A59A25C0-AE36-E396-F97A-63B4714A2C86}"/>
+              </a:ext>
+            </a:extLst>
+          </p:cNvPr>
+          <p:cNvSpPr>
+            <a:spLocks noGrp="1"/>
+          </p:cNvSpPr>
+          <p:nvPr>
+            <p:ph type="sldNum" sz="quarter" idx="12"/>
+          </p:nvPr>
+        </p:nvSpPr>
+        <p:spPr/>
+        <p:txBody>
+          <a:bodyPr/>
+          <a:lstStyle/>
+          <a:p>
+            <a:fld id="{7D821011-DD97-40DE-9870-3870B0BF8BC7}" type="slidenum">
+              <a:rPr lang="da-DK" smtClean="0"/>
+              <a:t>8</a:t>
+            </a:fld>
+            <a:endParaRPr lang="da-DK"/>
+          </a:p>
+        </p:txBody>
+      </p:sp>
+      <p:pic>
+        <p:nvPicPr>
+          <p:cNvPr id="10" name="Pladsholder til indhold 9">
+            <a:extLst>
+              <a:ext uri="{FF2B5EF4-FFF2-40B4-BE49-F238E27FC236}">
+                <a16:creationId xmlns:a16="http://schemas.microsoft.com/office/drawing/2014/main" id="{04750019-20AE-7E74-CF12-02B652EFC35D}"/>
+              </a:ext>
+            </a:extLst>
+          </p:cNvPr>
+          <p:cNvPicPr>
+            <a:picLocks noGrp="1" noChangeAspect="1"/>
+          </p:cNvPicPr>
+          <p:nvPr>
+            <p:ph idx="1"/>
+          </p:nvPr>
+        </p:nvPicPr>
+        <p:blipFill>
+          <a:blip r:embed="rId2"/>
+          <a:stretch>
+            <a:fillRect/>
+          </a:stretch>
+        </p:blipFill>
+        <p:spPr>
+          <a:xfrm>
+            <a:off x="5183188" y="1519673"/>
+            <a:ext cx="6172200" cy="3809129"/>
+          </a:xfrm>
+          <a:prstGeom prst="rect">
+            <a:avLst/>
+          </a:prstGeom>
+        </p:spPr>
+      </p:pic>
+    </p:spTree>
+    <p:extLst>
+      <p:ext uri="{BB962C8B-B14F-4D97-AF65-F5344CB8AC3E}">
+        <p14:creationId xmlns:p14="http://schemas.microsoft.com/office/powerpoint/2010/main" val="218711814"/>
+      </p:ext>
+    </p:extLst>
+  </p:cSld>
+  <p:clrMapOvr>
+    <a:masterClrMapping/>
+  </p:clrMapOvr>
+</p:sld>
+</file>
+
+<file path=ppt/slides/slide9.xml><?xml version="1.0" encoding="utf-8"?>
+<p:sld xmlns:a="http://schemas.openxmlformats.org/drawingml/2006/main" xmlns:r="http://schemas.openxmlformats.org/officeDocument/2006/relationships" xmlns:p="http://schemas.openxmlformats.org/presentationml/2006/main">
+  <p:cSld>
+    <p:spTree>
+      <p:nvGrpSpPr>
+        <p:cNvPr id="1" name=""/>
+        <p:cNvGrpSpPr/>
+        <p:nvPr/>
+      </p:nvGrpSpPr>
+      <p:grpSpPr>
+        <a:xfrm>
+          <a:off x="0" y="0"/>
+          <a:ext cx="0" cy="0"/>
+          <a:chOff x="0" y="0"/>
+          <a:chExt cx="0" cy="0"/>
+        </a:xfrm>
+      </p:grpSpPr>
+      <p:sp>
+        <p:nvSpPr>
+          <p:cNvPr id="2" name="Titel 1">
+            <a:extLst>
+              <a:ext uri="{FF2B5EF4-FFF2-40B4-BE49-F238E27FC236}">
+                <a16:creationId xmlns:a16="http://schemas.microsoft.com/office/drawing/2014/main" id="{D67FDFD1-8005-5640-1E6F-3EEE783D9D83}"/>
+              </a:ext>
+            </a:extLst>
+          </p:cNvPr>
+          <p:cNvSpPr>
+            <a:spLocks noGrp="1"/>
+          </p:cNvSpPr>
+          <p:nvPr>
+            <p:ph type="title"/>
+          </p:nvPr>
+        </p:nvSpPr>
+        <p:spPr/>
+        <p:txBody>
+          <a:bodyPr/>
+          <a:lstStyle/>
+          <a:p>
+            <a:r>
+              <a:rPr lang="da-DK" dirty="0"/>
+              <a:t>Videre arbejde med dette projekt: </a:t>
+            </a:r>
+            <a:endParaRPr lang="en-US" dirty="0"/>
+          </a:p>
+        </p:txBody>
+      </p:sp>
+      <p:sp>
+        <p:nvSpPr>
+          <p:cNvPr id="3" name="Pladsholder til indhold 2">
+            <a:extLst>
+              <a:ext uri="{FF2B5EF4-FFF2-40B4-BE49-F238E27FC236}">
+                <a16:creationId xmlns:a16="http://schemas.microsoft.com/office/drawing/2014/main" id="{45553659-7AFE-B050-CE0F-D2A2F36A3762}"/>
+              </a:ext>
+            </a:extLst>
+          </p:cNvPr>
+          <p:cNvSpPr>
+            <a:spLocks noGrp="1"/>
+          </p:cNvSpPr>
+          <p:nvPr>
+            <p:ph idx="1"/>
+          </p:nvPr>
+        </p:nvSpPr>
+        <p:spPr/>
+        <p:txBody>
+          <a:bodyPr/>
+          <a:lstStyle/>
+          <a:p>
+            <a:endParaRPr lang="en-US"/>
+          </a:p>
+        </p:txBody>
+      </p:sp>
+      <p:sp>
+        <p:nvSpPr>
+          <p:cNvPr id="4" name="Pladsholder til tekst 3">
+            <a:extLst>
+              <a:ext uri="{FF2B5EF4-FFF2-40B4-BE49-F238E27FC236}">
+                <a16:creationId xmlns:a16="http://schemas.microsoft.com/office/drawing/2014/main" id="{FC43D50F-E96B-D266-C532-CFA41B29E340}"/>
+              </a:ext>
+            </a:extLst>
+          </p:cNvPr>
+          <p:cNvSpPr>
+            <a:spLocks noGrp="1"/>
+          </p:cNvSpPr>
+          <p:nvPr>
+            <p:ph type="body" sz="half" idx="2"/>
+          </p:nvPr>
+        </p:nvSpPr>
+        <p:spPr/>
+        <p:txBody>
+          <a:bodyPr/>
+          <a:lstStyle/>
+          <a:p>
+            <a:endParaRPr lang="en-US"/>
+          </a:p>
+        </p:txBody>
+      </p:sp>
+      <p:sp>
+        <p:nvSpPr>
+          <p:cNvPr id="5" name="Pladsholder til sidefod 4">
+            <a:extLst>
+              <a:ext uri="{FF2B5EF4-FFF2-40B4-BE49-F238E27FC236}">
+                <a16:creationId xmlns:a16="http://schemas.microsoft.com/office/drawing/2014/main" id="{8697695B-2EAD-31D5-08DD-39210884AC5F}"/>
+              </a:ext>
+            </a:extLst>
+          </p:cNvPr>
+          <p:cNvSpPr>
+            <a:spLocks noGrp="1"/>
+          </p:cNvSpPr>
+          <p:nvPr>
+            <p:ph type="ftr" sz="quarter" idx="11"/>
+          </p:nvPr>
+        </p:nvSpPr>
+        <p:spPr/>
+        <p:txBody>
+          <a:bodyPr/>
+          <a:lstStyle/>
+          <a:p>
+            <a:endParaRPr lang="da-DK"/>
+          </a:p>
+        </p:txBody>
+      </p:sp>
+      <p:sp>
+        <p:nvSpPr>
+          <p:cNvPr id="6" name="Pladsholder til slidenummer 5">
+            <a:extLst>
+              <a:ext uri="{FF2B5EF4-FFF2-40B4-BE49-F238E27FC236}">
+                <a16:creationId xmlns:a16="http://schemas.microsoft.com/office/drawing/2014/main" id="{477EA8CD-96CC-B473-71E2-218BA3929F51}"/>
+              </a:ext>
+            </a:extLst>
+          </p:cNvPr>
+          <p:cNvSpPr>
+            <a:spLocks noGrp="1"/>
+          </p:cNvSpPr>
+          <p:nvPr>
+            <p:ph type="sldNum" sz="quarter" idx="12"/>
+          </p:nvPr>
+        </p:nvSpPr>
+        <p:spPr/>
+        <p:txBody>
+          <a:bodyPr/>
+          <a:lstStyle/>
+          <a:p>
+            <a:fld id="{7D821011-DD97-40DE-9870-3870B0BF8BC7}" type="slidenum">
+              <a:rPr lang="da-DK" smtClean="0"/>
+              <a:t>9</a:t>
+            </a:fld>
+            <a:endParaRPr lang="da-DK"/>
+          </a:p>
+        </p:txBody>
+      </p:sp>
+    </p:spTree>
+    <p:extLst>
+      <p:ext uri="{BB962C8B-B14F-4D97-AF65-F5344CB8AC3E}">
+        <p14:creationId xmlns:p14="http://schemas.microsoft.com/office/powerpoint/2010/main" val="1506612743"/>
       </p:ext>
     </p:extLst>
   </p:cSld>

--- a/PP-Eksamen.pptx
+++ b/PP-Eksamen.pptx
@@ -14844,20 +14844,7 @@
                 <a:latin typeface="+mn-lt"/>
                 <a:cs typeface="Arial" panose="020B0604020202020204" pitchFamily="34" charset="0"/>
               </a:rPr>
-              <a:t>Social Data Science</a:t>
-            </a:r>
-            <a:br>
-              <a:rPr lang="da-DK" sz="3200" dirty="0">
-                <a:latin typeface="+mn-lt"/>
-                <a:cs typeface="Arial" panose="020B0604020202020204" pitchFamily="34" charset="0"/>
-              </a:rPr>
-            </a:br>
-            <a:r>
-              <a:rPr lang="da-DK" sz="3200" dirty="0">
-                <a:latin typeface="+mn-lt"/>
-                <a:cs typeface="Arial" panose="020B0604020202020204" pitchFamily="34" charset="0"/>
-              </a:rPr>
-              <a:t>M3 - Deep Learning</a:t>
+              <a:t>9. Semester projekt </a:t>
             </a:r>
             <a:endParaRPr lang="da-DK" sz="3200" dirty="0">
               <a:cs typeface="Arial" panose="020B0604020202020204" pitchFamily="34" charset="0"/>
@@ -14894,7 +14881,7 @@
             <a:pPr rtl="0"/>
             <a:r>
               <a:rPr lang="da-DK" dirty="0"/>
-              <a:t>SDS – Group 1</a:t>
+              <a:t>Group 1</a:t>
             </a:r>
           </a:p>
         </p:txBody>
@@ -15686,7 +15673,23 @@
                   <a:schemeClr val="accent1"/>
                 </a:solidFill>
               </a:rPr>
-              <a:t> project med </a:t>
+              <a:t> </a:t>
+            </a:r>
+            <a:r>
+              <a:rPr lang="en-US" dirty="0" err="1">
+                <a:solidFill>
+                  <a:schemeClr val="accent1"/>
+                </a:solidFill>
+              </a:rPr>
+              <a:t>projekt</a:t>
+            </a:r>
+            <a:r>
+              <a:rPr lang="en-US" dirty="0">
+                <a:solidFill>
+                  <a:schemeClr val="accent1"/>
+                </a:solidFill>
+              </a:rPr>
+              <a:t> med </a:t>
             </a:r>
           </a:p>
         </p:txBody>
@@ -18530,15 +18533,6 @@
 </file>
 
 <file path=customXml/item1.xml><?xml version="1.0" encoding="utf-8"?>
-<p:properties xmlns:p="http://schemas.microsoft.com/office/2006/metadata/properties" xmlns:xsi="http://www.w3.org/2001/XMLSchema-instance" xmlns:pc="http://schemas.microsoft.com/office/infopath/2007/PartnerControls">
-  <documentManagement>
-    <_ip_UnifiedCompliancePolicyUIAction xmlns="http://schemas.microsoft.com/sharepoint/v3" xsi:nil="true"/>
-    <_ip_UnifiedCompliancePolicyProperties xmlns="http://schemas.microsoft.com/sharepoint/v3" xsi:nil="true"/>
-  </documentManagement>
-</p:properties>
-</file>
-
-<file path=customXml/item2.xml><?xml version="1.0" encoding="utf-8"?>
 <ct:contentTypeSchema xmlns:ct="http://schemas.microsoft.com/office/2006/metadata/contentType" xmlns:ma="http://schemas.microsoft.com/office/2006/metadata/properties/metaAttributes" ct:_="" ma:_="" ma:contentTypeName="Document" ma:contentTypeID="0x010100DEEA25CC0A0AC24199CDC46C25B8B0BC" ma:contentTypeVersion="9" ma:contentTypeDescription="Create a new document." ma:contentTypeScope="" ma:versionID="76e25e1730b4532ab1d5e5b131a96a5a">
   <xsd:schema xmlns:xsd="http://www.w3.org/2001/XMLSchema" xmlns:xs="http://www.w3.org/2001/XMLSchema" xmlns:p="http://schemas.microsoft.com/office/2006/metadata/properties" xmlns:ns1="http://schemas.microsoft.com/sharepoint/v3" xmlns:ns2="6dc4bcd6-49db-4c07-9060-8acfc67cef9f" xmlns:ns3="fb0879af-3eba-417a-a55a-ffe6dcd6ca77" targetNamespace="http://schemas.microsoft.com/office/2006/metadata/properties" ma:root="true" ma:fieldsID="ad1e9281a84c4949647088091c718de3" ns1:_="" ns2:_="" ns3:_="">
     <xsd:import namespace="http://schemas.microsoft.com/sharepoint/v3"/>
@@ -18740,25 +18734,16 @@
 </ct:contentTypeSchema>
 </file>
 
-<file path=customXml/itemProps1.xml><?xml version="1.0" encoding="utf-8"?>
-<ds:datastoreItem xmlns:ds="http://schemas.openxmlformats.org/officeDocument/2006/customXml" ds:itemID="{EB2218FC-8412-44B9-9E82-D51F1F531141}">
-  <ds:schemaRefs>
-    <ds:schemaRef ds:uri="6dc4bcd6-49db-4c07-9060-8acfc67cef9f"/>
-    <ds:schemaRef ds:uri="fb0879af-3eba-417a-a55a-ffe6dcd6ca77"/>
-    <ds:schemaRef ds:uri="http://purl.org/dc/dcmitype/"/>
-    <ds:schemaRef ds:uri="http://purl.org/dc/elements/1.1/"/>
-    <ds:schemaRef ds:uri="http://purl.org/dc/terms/"/>
-    <ds:schemaRef ds:uri="http://schemas.microsoft.com/office/2006/documentManagement/types"/>
-    <ds:schemaRef ds:uri="http://schemas.microsoft.com/office/2006/metadata/properties"/>
-    <ds:schemaRef ds:uri="http://schemas.microsoft.com/office/infopath/2007/PartnerControls"/>
-    <ds:schemaRef ds:uri="http://schemas.microsoft.com/sharepoint/v3"/>
-    <ds:schemaRef ds:uri="http://schemas.openxmlformats.org/package/2006/metadata/core-properties"/>
-    <ds:schemaRef ds:uri="http://www.w3.org/XML/1998/namespace"/>
-  </ds:schemaRefs>
-</ds:datastoreItem>
+<file path=customXml/item2.xml><?xml version="1.0" encoding="utf-8"?>
+<p:properties xmlns:p="http://schemas.microsoft.com/office/2006/metadata/properties" xmlns:xsi="http://www.w3.org/2001/XMLSchema-instance" xmlns:pc="http://schemas.microsoft.com/office/infopath/2007/PartnerControls">
+  <documentManagement>
+    <_ip_UnifiedCompliancePolicyUIAction xmlns="http://schemas.microsoft.com/sharepoint/v3" xsi:nil="true"/>
+    <_ip_UnifiedCompliancePolicyProperties xmlns="http://schemas.microsoft.com/sharepoint/v3" xsi:nil="true"/>
+  </documentManagement>
+</p:properties>
 </file>
 
-<file path=customXml/itemProps2.xml><?xml version="1.0" encoding="utf-8"?>
+<file path=customXml/itemProps1.xml><?xml version="1.0" encoding="utf-8"?>
 <ds:datastoreItem xmlns:ds="http://schemas.openxmlformats.org/officeDocument/2006/customXml" ds:itemID="{B64A4C9D-F801-4923-BC6D-E0006F512331}">
   <ds:schemaRefs>
     <ds:schemaRef ds:uri="6dc4bcd6-49db-4c07-9060-8acfc67cef9f"/>
@@ -18776,4 +18761,22 @@
     <ds:schemaRef ds:uri="http://www.w3.org/2001/XMLSchema"/>
   </ds:schemaRefs>
 </ds:datastoreItem>
+</file>
+
+<file path=customXml/itemProps2.xml><?xml version="1.0" encoding="utf-8"?>
+<ds:datastoreItem xmlns:ds="http://schemas.openxmlformats.org/officeDocument/2006/customXml" ds:itemID="{EB2218FC-8412-44B9-9E82-D51F1F531141}">
+  <ds:schemaRefs>
+    <ds:schemaRef ds:uri="6dc4bcd6-49db-4c07-9060-8acfc67cef9f"/>
+    <ds:schemaRef ds:uri="fb0879af-3eba-417a-a55a-ffe6dcd6ca77"/>
+    <ds:schemaRef ds:uri="http://purl.org/dc/dcmitype/"/>
+    <ds:schemaRef ds:uri="http://purl.org/dc/elements/1.1/"/>
+    <ds:schemaRef ds:uri="http://purl.org/dc/terms/"/>
+    <ds:schemaRef ds:uri="http://schemas.microsoft.com/office/2006/documentManagement/types"/>
+    <ds:schemaRef ds:uri="http://schemas.microsoft.com/office/2006/metadata/properties"/>
+    <ds:schemaRef ds:uri="http://schemas.microsoft.com/office/infopath/2007/PartnerControls"/>
+    <ds:schemaRef ds:uri="http://schemas.microsoft.com/sharepoint/v3"/>
+    <ds:schemaRef ds:uri="http://schemas.openxmlformats.org/package/2006/metadata/core-properties"/>
+    <ds:schemaRef ds:uri="http://www.w3.org/XML/1998/namespace"/>
+  </ds:schemaRefs>
+</ds:datastoreItem>
 </file>
--- a/PP-Eksamen.pptx
+++ b/PP-Eksamen.pptx
@@ -7,22 +7,23 @@
     <p:sldMasterId id="2147483667" r:id="rId5"/>
   </p:sldMasterIdLst>
   <p:notesMasterIdLst>
-    <p:notesMasterId r:id="rId16"/>
+    <p:notesMasterId r:id="rId17"/>
   </p:notesMasterIdLst>
   <p:handoutMasterIdLst>
-    <p:handoutMasterId r:id="rId17"/>
+    <p:handoutMasterId r:id="rId18"/>
   </p:handoutMasterIdLst>
   <p:sldIdLst>
     <p:sldId id="298" r:id="rId6"/>
     <p:sldId id="292" r:id="rId7"/>
     <p:sldId id="313" r:id="rId8"/>
     <p:sldId id="340" r:id="rId9"/>
-    <p:sldId id="341" r:id="rId10"/>
-    <p:sldId id="342" r:id="rId11"/>
-    <p:sldId id="343" r:id="rId12"/>
-    <p:sldId id="344" r:id="rId13"/>
-    <p:sldId id="345" r:id="rId14"/>
-    <p:sldId id="296" r:id="rId15"/>
+    <p:sldId id="346" r:id="rId10"/>
+    <p:sldId id="341" r:id="rId11"/>
+    <p:sldId id="342" r:id="rId12"/>
+    <p:sldId id="343" r:id="rId13"/>
+    <p:sldId id="344" r:id="rId14"/>
+    <p:sldId id="345" r:id="rId15"/>
+    <p:sldId id="296" r:id="rId16"/>
   </p:sldIdLst>
   <p:sldSz cx="12192000" cy="6858000"/>
   <p:notesSz cx="6858000" cy="9144000"/>
@@ -234,7 +235,7 @@
             <a:pPr rtl="0"/>
             <a:fld id="{55E61672-F5C5-4779-82D0-2CB512266C83}" type="datetime1">
               <a:rPr lang="da-DK" smtClean="0"/>
-              <a:t>08-12-2022</a:t>
+              <a:t>09-12-2022</a:t>
             </a:fld>
             <a:endParaRPr lang="da-DK"/>
           </a:p>
@@ -416,7 +417,7 @@
             <a:pPr rtl="0"/>
             <a:fld id="{3BF2FAAE-175D-4D44-9F42-88DCE56028D1}" type="datetime1">
               <a:rPr lang="da-DK" noProof="0" smtClean="0"/>
-              <a:t>08-12-2022</a:t>
+              <a:t>09-12-2022</a:t>
             </a:fld>
             <a:endParaRPr lang="da-DK" noProof="0"/>
           </a:p>
@@ -1008,7 +1009,7 @@
             <a:pPr rtl="0"/>
             <a:fld id="{8530193B-564F-4854-8A52-728F3FB19C85}" type="slidenum">
               <a:rPr lang="da-DK" noProof="0" smtClean="0"/>
-              <a:t>6</a:t>
+              <a:t>5</a:t>
             </a:fld>
             <a:endParaRPr lang="da-DK" noProof="0"/>
           </a:p>
@@ -1017,7 +1018,7 @@
     </p:spTree>
     <p:extLst>
       <p:ext uri="{BB962C8B-B14F-4D97-AF65-F5344CB8AC3E}">
-        <p14:creationId xmlns:p14="http://schemas.microsoft.com/office/powerpoint/2010/main" val="2509657659"/>
+        <p14:creationId xmlns:p14="http://schemas.microsoft.com/office/powerpoint/2010/main" val="2959183715"/>
       </p:ext>
     </p:extLst>
   </p:cSld>
@@ -1071,6 +1072,91 @@
           <a:bodyPr/>
           <a:lstStyle/>
           <a:p>
+            <a:endParaRPr lang="en-US" dirty="0"/>
+          </a:p>
+        </p:txBody>
+      </p:sp>
+      <p:sp>
+        <p:nvSpPr>
+          <p:cNvPr id="4" name="Pladsholder til slidenummer 3"/>
+          <p:cNvSpPr>
+            <a:spLocks noGrp="1"/>
+          </p:cNvSpPr>
+          <p:nvPr>
+            <p:ph type="sldNum" sz="quarter" idx="5"/>
+          </p:nvPr>
+        </p:nvSpPr>
+        <p:spPr/>
+        <p:txBody>
+          <a:bodyPr/>
+          <a:lstStyle/>
+          <a:p>
+            <a:pPr rtl="0"/>
+            <a:fld id="{8530193B-564F-4854-8A52-728F3FB19C85}" type="slidenum">
+              <a:rPr lang="da-DK" noProof="0" smtClean="0"/>
+              <a:t>7</a:t>
+            </a:fld>
+            <a:endParaRPr lang="da-DK" noProof="0"/>
+          </a:p>
+        </p:txBody>
+      </p:sp>
+    </p:spTree>
+    <p:extLst>
+      <p:ext uri="{BB962C8B-B14F-4D97-AF65-F5344CB8AC3E}">
+        <p14:creationId xmlns:p14="http://schemas.microsoft.com/office/powerpoint/2010/main" val="2509657659"/>
+      </p:ext>
+    </p:extLst>
+  </p:cSld>
+  <p:clrMapOvr>
+    <a:masterClrMapping/>
+  </p:clrMapOvr>
+</p:notes>
+</file>
+
+<file path=ppt/notesSlides/notesSlide6.xml><?xml version="1.0" encoding="utf-8"?>
+<p:notes xmlns:a="http://schemas.openxmlformats.org/drawingml/2006/main" xmlns:r="http://schemas.openxmlformats.org/officeDocument/2006/relationships" xmlns:p="http://schemas.openxmlformats.org/presentationml/2006/main">
+  <p:cSld>
+    <p:spTree>
+      <p:nvGrpSpPr>
+        <p:cNvPr id="1" name=""/>
+        <p:cNvGrpSpPr/>
+        <p:nvPr/>
+      </p:nvGrpSpPr>
+      <p:grpSpPr>
+        <a:xfrm>
+          <a:off x="0" y="0"/>
+          <a:ext cx="0" cy="0"/>
+          <a:chOff x="0" y="0"/>
+          <a:chExt cx="0" cy="0"/>
+        </a:xfrm>
+      </p:grpSpPr>
+      <p:sp>
+        <p:nvSpPr>
+          <p:cNvPr id="2" name="Pladsholder til slidebillede 1"/>
+          <p:cNvSpPr>
+            <a:spLocks noGrp="1" noRot="1" noChangeAspect="1"/>
+          </p:cNvSpPr>
+          <p:nvPr>
+            <p:ph type="sldImg"/>
+          </p:nvPr>
+        </p:nvSpPr>
+        <p:spPr/>
+      </p:sp>
+      <p:sp>
+        <p:nvSpPr>
+          <p:cNvPr id="3" name="Pladsholder til noter 2"/>
+          <p:cNvSpPr>
+            <a:spLocks noGrp="1"/>
+          </p:cNvSpPr>
+          <p:nvPr>
+            <p:ph type="body" idx="1"/>
+          </p:nvPr>
+        </p:nvSpPr>
+        <p:spPr/>
+        <p:txBody>
+          <a:bodyPr/>
+          <a:lstStyle/>
+          <a:p>
             <a:endParaRPr lang="da-DK"/>
           </a:p>
         </p:txBody>
@@ -1093,7 +1179,7 @@
             <a:pPr rtl="0"/>
             <a:fld id="{8530193B-564F-4854-8A52-728F3FB19C85}" type="slidenum">
               <a:rPr lang="da-DK" smtClean="0"/>
-              <a:t>10</a:t>
+              <a:t>11</a:t>
             </a:fld>
             <a:endParaRPr lang="da-DK"/>
           </a:p>
@@ -3545,7 +3631,7 @@
           <a:p>
             <a:fld id="{B79F5130-E299-47EE-B5CD-1B1CED0DAEB2}" type="datetimeFigureOut">
               <a:rPr lang="da-DK" smtClean="0"/>
-              <a:t>08-12-2022</a:t>
+              <a:t>09-12-2022</a:t>
             </a:fld>
             <a:endParaRPr lang="da-DK"/>
           </a:p>
@@ -3856,7 +3942,7 @@
           <a:p>
             <a:fld id="{B79F5130-E299-47EE-B5CD-1B1CED0DAEB2}" type="datetimeFigureOut">
               <a:rPr lang="da-DK" smtClean="0"/>
-              <a:t>08-12-2022</a:t>
+              <a:t>09-12-2022</a:t>
             </a:fld>
             <a:endParaRPr lang="da-DK"/>
           </a:p>
@@ -4076,7 +4162,7 @@
           <a:p>
             <a:fld id="{B79F5130-E299-47EE-B5CD-1B1CED0DAEB2}" type="datetimeFigureOut">
               <a:rPr lang="da-DK" smtClean="0"/>
-              <a:t>08-12-2022</a:t>
+              <a:t>09-12-2022</a:t>
             </a:fld>
             <a:endParaRPr lang="da-DK"/>
           </a:p>
@@ -4274,7 +4360,7 @@
           <a:p>
             <a:fld id="{B79F5130-E299-47EE-B5CD-1B1CED0DAEB2}" type="datetimeFigureOut">
               <a:rPr lang="da-DK" smtClean="0"/>
-              <a:t>08-12-2022</a:t>
+              <a:t>09-12-2022</a:t>
             </a:fld>
             <a:endParaRPr lang="da-DK"/>
           </a:p>
@@ -4549,7 +4635,7 @@
           <a:p>
             <a:fld id="{B79F5130-E299-47EE-B5CD-1B1CED0DAEB2}" type="datetimeFigureOut">
               <a:rPr lang="da-DK" smtClean="0"/>
-              <a:t>08-12-2022</a:t>
+              <a:t>09-12-2022</a:t>
             </a:fld>
             <a:endParaRPr lang="da-DK"/>
           </a:p>
@@ -5298,7 +5384,7 @@
           <a:p>
             <a:fld id="{B79F5130-E299-47EE-B5CD-1B1CED0DAEB2}" type="datetimeFigureOut">
               <a:rPr lang="da-DK" smtClean="0"/>
-              <a:t>08-12-2022</a:t>
+              <a:t>09-12-2022</a:t>
             </a:fld>
             <a:endParaRPr lang="da-DK"/>
           </a:p>
@@ -5710,7 +5796,7 @@
           <a:p>
             <a:fld id="{B79F5130-E299-47EE-B5CD-1B1CED0DAEB2}" type="datetimeFigureOut">
               <a:rPr lang="da-DK" smtClean="0"/>
-              <a:t>08-12-2022</a:t>
+              <a:t>09-12-2022</a:t>
             </a:fld>
             <a:endParaRPr lang="da-DK"/>
           </a:p>
@@ -5851,7 +5937,7 @@
           <a:p>
             <a:fld id="{B79F5130-E299-47EE-B5CD-1B1CED0DAEB2}" type="datetimeFigureOut">
               <a:rPr lang="da-DK" smtClean="0"/>
-              <a:t>08-12-2022</a:t>
+              <a:t>09-12-2022</a:t>
             </a:fld>
             <a:endParaRPr lang="da-DK"/>
           </a:p>
@@ -5964,7 +6050,7 @@
           <a:p>
             <a:fld id="{B79F5130-E299-47EE-B5CD-1B1CED0DAEB2}" type="datetimeFigureOut">
               <a:rPr lang="da-DK" smtClean="0"/>
-              <a:t>08-12-2022</a:t>
+              <a:t>09-12-2022</a:t>
             </a:fld>
             <a:endParaRPr lang="da-DK"/>
           </a:p>
@@ -6275,7 +6361,7 @@
           <a:p>
             <a:fld id="{B79F5130-E299-47EE-B5CD-1B1CED0DAEB2}" type="datetimeFigureOut">
               <a:rPr lang="da-DK" smtClean="0"/>
-              <a:t>08-12-2022</a:t>
+              <a:t>09-12-2022</a:t>
             </a:fld>
             <a:endParaRPr lang="da-DK"/>
           </a:p>
@@ -6563,7 +6649,7 @@
           <a:p>
             <a:fld id="{B79F5130-E299-47EE-B5CD-1B1CED0DAEB2}" type="datetimeFigureOut">
               <a:rPr lang="da-DK" smtClean="0"/>
-              <a:t>08-12-2022</a:t>
+              <a:t>09-12-2022</a:t>
             </a:fld>
             <a:endParaRPr lang="da-DK"/>
           </a:p>
@@ -6761,7 +6847,7 @@
           <a:p>
             <a:fld id="{B79F5130-E299-47EE-B5CD-1B1CED0DAEB2}" type="datetimeFigureOut">
               <a:rPr lang="da-DK" smtClean="0"/>
-              <a:t>08-12-2022</a:t>
+              <a:t>09-12-2022</a:t>
             </a:fld>
             <a:endParaRPr lang="da-DK"/>
           </a:p>
@@ -6969,7 +7055,7 @@
           <a:p>
             <a:fld id="{B79F5130-E299-47EE-B5CD-1B1CED0DAEB2}" type="datetimeFigureOut">
               <a:rPr lang="da-DK" smtClean="0"/>
-              <a:t>08-12-2022</a:t>
+              <a:t>09-12-2022</a:t>
             </a:fld>
             <a:endParaRPr lang="da-DK"/>
           </a:p>
@@ -7189,7 +7275,7 @@
           <a:p>
             <a:fld id="{39FCEA7D-B48D-4FF3-A040-A2BD89B31D64}" type="datetimeFigureOut">
               <a:rPr lang="da-DK" smtClean="0"/>
-              <a:t>08-12-2022</a:t>
+              <a:t>09-12-2022</a:t>
             </a:fld>
             <a:endParaRPr lang="da-DK"/>
           </a:p>
@@ -7387,7 +7473,7 @@
           <a:p>
             <a:fld id="{39FCEA7D-B48D-4FF3-A040-A2BD89B31D64}" type="datetimeFigureOut">
               <a:rPr lang="da-DK" smtClean="0"/>
-              <a:t>08-12-2022</a:t>
+              <a:t>09-12-2022</a:t>
             </a:fld>
             <a:endParaRPr lang="da-DK"/>
           </a:p>
@@ -8156,7 +8242,7 @@
           <a:p>
             <a:fld id="{39FCEA7D-B48D-4FF3-A040-A2BD89B31D64}" type="datetimeFigureOut">
               <a:rPr lang="da-DK" smtClean="0"/>
-              <a:t>08-12-2022</a:t>
+              <a:t>09-12-2022</a:t>
             </a:fld>
             <a:endParaRPr lang="da-DK"/>
           </a:p>
@@ -8421,7 +8507,7 @@
           <a:p>
             <a:fld id="{39FCEA7D-B48D-4FF3-A040-A2BD89B31D64}" type="datetimeFigureOut">
               <a:rPr lang="da-DK" smtClean="0"/>
-              <a:t>08-12-2022</a:t>
+              <a:t>09-12-2022</a:t>
             </a:fld>
             <a:endParaRPr lang="da-DK"/>
           </a:p>
@@ -8833,7 +8919,7 @@
           <a:p>
             <a:fld id="{39FCEA7D-B48D-4FF3-A040-A2BD89B31D64}" type="datetimeFigureOut">
               <a:rPr lang="da-DK" smtClean="0"/>
-              <a:t>08-12-2022</a:t>
+              <a:t>09-12-2022</a:t>
             </a:fld>
             <a:endParaRPr lang="da-DK"/>
           </a:p>
@@ -8974,7 +9060,7 @@
           <a:p>
             <a:fld id="{39FCEA7D-B48D-4FF3-A040-A2BD89B31D64}" type="datetimeFigureOut">
               <a:rPr lang="da-DK" smtClean="0"/>
-              <a:t>08-12-2022</a:t>
+              <a:t>09-12-2022</a:t>
             </a:fld>
             <a:endParaRPr lang="da-DK"/>
           </a:p>
@@ -9087,7 +9173,7 @@
           <a:p>
             <a:fld id="{39FCEA7D-B48D-4FF3-A040-A2BD89B31D64}" type="datetimeFigureOut">
               <a:rPr lang="da-DK" smtClean="0"/>
-              <a:t>08-12-2022</a:t>
+              <a:t>09-12-2022</a:t>
             </a:fld>
             <a:endParaRPr lang="da-DK"/>
           </a:p>
@@ -9398,7 +9484,7 @@
           <a:p>
             <a:fld id="{39FCEA7D-B48D-4FF3-A040-A2BD89B31D64}" type="datetimeFigureOut">
               <a:rPr lang="da-DK" smtClean="0"/>
-              <a:t>08-12-2022</a:t>
+              <a:t>09-12-2022</a:t>
             </a:fld>
             <a:endParaRPr lang="da-DK"/>
           </a:p>
@@ -9686,7 +9772,7 @@
           <a:p>
             <a:fld id="{39FCEA7D-B48D-4FF3-A040-A2BD89B31D64}" type="datetimeFigureOut">
               <a:rPr lang="da-DK" smtClean="0"/>
-              <a:t>08-12-2022</a:t>
+              <a:t>09-12-2022</a:t>
             </a:fld>
             <a:endParaRPr lang="da-DK"/>
           </a:p>
@@ -9884,7 +9970,7 @@
           <a:p>
             <a:fld id="{39FCEA7D-B48D-4FF3-A040-A2BD89B31D64}" type="datetimeFigureOut">
               <a:rPr lang="da-DK" smtClean="0"/>
-              <a:t>08-12-2022</a:t>
+              <a:t>09-12-2022</a:t>
             </a:fld>
             <a:endParaRPr lang="da-DK"/>
           </a:p>
@@ -10092,7 +10178,7 @@
           <a:p>
             <a:fld id="{39FCEA7D-B48D-4FF3-A040-A2BD89B31D64}" type="datetimeFigureOut">
               <a:rPr lang="da-DK" smtClean="0"/>
-              <a:t>08-12-2022</a:t>
+              <a:t>09-12-2022</a:t>
             </a:fld>
             <a:endParaRPr lang="da-DK"/>
           </a:p>
@@ -13797,7 +13883,7 @@
           <a:p>
             <a:fld id="{B79F5130-E299-47EE-B5CD-1B1CED0DAEB2}" type="datetimeFigureOut">
               <a:rPr lang="da-DK" smtClean="0"/>
-              <a:t>08-12-2022</a:t>
+              <a:t>09-12-2022</a:t>
             </a:fld>
             <a:endParaRPr lang="da-DK"/>
           </a:p>
@@ -14365,7 +14451,7 @@
           <a:p>
             <a:fld id="{39FCEA7D-B48D-4FF3-A040-A2BD89B31D64}" type="datetimeFigureOut">
               <a:rPr lang="da-DK" smtClean="0"/>
-              <a:t>08-12-2022</a:t>
+              <a:t>09-12-2022</a:t>
             </a:fld>
             <a:endParaRPr lang="da-DK"/>
           </a:p>
@@ -14916,6 +15002,502 @@
           <a:chExt cx="0" cy="0"/>
         </a:xfrm>
       </p:grpSpPr>
+      <p:sp>
+        <p:nvSpPr>
+          <p:cNvPr id="2" name="Titel 1">
+            <a:extLst>
+              <a:ext uri="{FF2B5EF4-FFF2-40B4-BE49-F238E27FC236}">
+                <a16:creationId xmlns:a16="http://schemas.microsoft.com/office/drawing/2014/main" id="{D67FDFD1-8005-5640-1E6F-3EEE783D9D83}"/>
+              </a:ext>
+            </a:extLst>
+          </p:cNvPr>
+          <p:cNvSpPr>
+            <a:spLocks noGrp="1"/>
+          </p:cNvSpPr>
+          <p:nvPr>
+            <p:ph type="title"/>
+          </p:nvPr>
+        </p:nvSpPr>
+        <p:spPr/>
+        <p:txBody>
+          <a:bodyPr/>
+          <a:lstStyle/>
+          <a:p>
+            <a:r>
+              <a:rPr lang="da-DK" dirty="0"/>
+              <a:t>Videre arbejde med dette projekt: </a:t>
+            </a:r>
+            <a:endParaRPr lang="en-US" dirty="0"/>
+          </a:p>
+        </p:txBody>
+      </p:sp>
+      <p:sp>
+        <p:nvSpPr>
+          <p:cNvPr id="4" name="Pladsholder til tekst 3">
+            <a:extLst>
+              <a:ext uri="{FF2B5EF4-FFF2-40B4-BE49-F238E27FC236}">
+                <a16:creationId xmlns:a16="http://schemas.microsoft.com/office/drawing/2014/main" id="{FC43D50F-E96B-D266-C532-CFA41B29E340}"/>
+              </a:ext>
+            </a:extLst>
+          </p:cNvPr>
+          <p:cNvSpPr>
+            <a:spLocks noGrp="1"/>
+          </p:cNvSpPr>
+          <p:nvPr>
+            <p:ph type="body" idx="1"/>
+          </p:nvPr>
+        </p:nvSpPr>
+        <p:spPr/>
+        <p:txBody>
+          <a:bodyPr/>
+          <a:lstStyle/>
+          <a:p>
+            <a:endParaRPr lang="da-DK" dirty="0"/>
+          </a:p>
+          <a:p>
+            <a:r>
+              <a:rPr lang="en-US" dirty="0" err="1"/>
+              <a:t>Ubesvarede</a:t>
+            </a:r>
+            <a:r>
+              <a:rPr lang="en-US" dirty="0"/>
+              <a:t> </a:t>
+            </a:r>
+            <a:r>
+              <a:rPr lang="en-US" dirty="0" err="1"/>
+              <a:t>spørgsmål</a:t>
+            </a:r>
+            <a:endParaRPr lang="en-US" dirty="0"/>
+          </a:p>
+        </p:txBody>
+      </p:sp>
+      <p:sp>
+        <p:nvSpPr>
+          <p:cNvPr id="7" name="Pladsholder til indhold 6">
+            <a:extLst>
+              <a:ext uri="{FF2B5EF4-FFF2-40B4-BE49-F238E27FC236}">
+                <a16:creationId xmlns:a16="http://schemas.microsoft.com/office/drawing/2014/main" id="{C777B303-2774-58D4-7D06-A43D43981AD5}"/>
+              </a:ext>
+            </a:extLst>
+          </p:cNvPr>
+          <p:cNvSpPr>
+            <a:spLocks noGrp="1"/>
+          </p:cNvSpPr>
+          <p:nvPr>
+            <p:ph sz="half" idx="2"/>
+          </p:nvPr>
+        </p:nvSpPr>
+        <p:spPr/>
+        <p:txBody>
+          <a:bodyPr/>
+          <a:lstStyle/>
+          <a:p>
+            <a:pPr lvl="1"/>
+            <a:r>
+              <a:rPr lang="da-DK" sz="1800" dirty="0">
+                <a:solidFill>
+                  <a:schemeClr val="tx1"/>
+                </a:solidFill>
+              </a:rPr>
+              <a:t>Vi kan se det sidste </a:t>
+            </a:r>
+            <a:r>
+              <a:rPr lang="da-DK" sz="1800" dirty="0" err="1">
+                <a:solidFill>
+                  <a:schemeClr val="tx1"/>
+                </a:solidFill>
+              </a:rPr>
+              <a:t>spike</a:t>
+            </a:r>
+            <a:r>
+              <a:rPr lang="da-DK" sz="1800" dirty="0">
+                <a:solidFill>
+                  <a:schemeClr val="tx1"/>
+                </a:solidFill>
+              </a:rPr>
+              <a:t> i 2020Q1 ikke er med, den fulde effekt er sat til (af beskæftigelsesministeriet) først at være opnået 2 år efter udfasningen af det politiske tiltag (for mikro effekterne). Hvis det samme gælder for makro effekterne, får vi ikke den fulde effekt.</a:t>
+            </a:r>
+          </a:p>
+          <a:p>
+            <a:pPr lvl="1"/>
+            <a:endParaRPr lang="da-DK" sz="1800" dirty="0">
+              <a:solidFill>
+                <a:schemeClr val="tx1"/>
+              </a:solidFill>
+            </a:endParaRPr>
+          </a:p>
+          <a:p>
+            <a:pPr lvl="1"/>
+            <a:r>
+              <a:rPr lang="da-DK" sz="1800" dirty="0">
+                <a:solidFill>
+                  <a:schemeClr val="tx1"/>
+                </a:solidFill>
+              </a:rPr>
+              <a:t>Den empiriske sammenhæng mellem den maximale dagpenge sats og løn. </a:t>
+            </a:r>
+          </a:p>
+          <a:p>
+            <a:pPr lvl="1"/>
+            <a:endParaRPr lang="da-DK" dirty="0"/>
+          </a:p>
+          <a:p>
+            <a:pPr lvl="1"/>
+            <a:endParaRPr lang="da-DK" dirty="0"/>
+          </a:p>
+        </p:txBody>
+      </p:sp>
+      <p:sp>
+        <p:nvSpPr>
+          <p:cNvPr id="8" name="Pladsholder til tekst 7">
+            <a:extLst>
+              <a:ext uri="{FF2B5EF4-FFF2-40B4-BE49-F238E27FC236}">
+                <a16:creationId xmlns:a16="http://schemas.microsoft.com/office/drawing/2014/main" id="{67199286-2F4B-CF05-213F-A00B34FA582B}"/>
+              </a:ext>
+            </a:extLst>
+          </p:cNvPr>
+          <p:cNvSpPr>
+            <a:spLocks noGrp="1"/>
+          </p:cNvSpPr>
+          <p:nvPr>
+            <p:ph type="body" sz="quarter" idx="3"/>
+          </p:nvPr>
+        </p:nvSpPr>
+        <p:spPr/>
+        <p:txBody>
+          <a:bodyPr/>
+          <a:lstStyle/>
+          <a:p>
+            <a:r>
+              <a:rPr lang="da-DK" dirty="0"/>
+              <a:t>Mulige løsninger </a:t>
+            </a:r>
+            <a:endParaRPr lang="en-US" dirty="0"/>
+          </a:p>
+        </p:txBody>
+      </p:sp>
+      <p:sp>
+        <p:nvSpPr>
+          <p:cNvPr id="9" name="Pladsholder til indhold 8">
+            <a:extLst>
+              <a:ext uri="{FF2B5EF4-FFF2-40B4-BE49-F238E27FC236}">
+                <a16:creationId xmlns:a16="http://schemas.microsoft.com/office/drawing/2014/main" id="{D747B677-5338-7BEA-00DD-9ADC1E7B3A6A}"/>
+              </a:ext>
+            </a:extLst>
+          </p:cNvPr>
+          <p:cNvSpPr>
+            <a:spLocks noGrp="1"/>
+          </p:cNvSpPr>
+          <p:nvPr>
+            <p:ph sz="quarter" idx="4"/>
+          </p:nvPr>
+        </p:nvSpPr>
+        <p:spPr/>
+        <p:txBody>
+          <a:bodyPr/>
+          <a:lstStyle/>
+          <a:p>
+            <a:r>
+              <a:rPr lang="da-DK" dirty="0" err="1">
+                <a:solidFill>
+                  <a:schemeClr val="tx1"/>
+                </a:solidFill>
+              </a:rPr>
+              <a:t>Forecastning</a:t>
+            </a:r>
+            <a:r>
+              <a:rPr lang="da-DK" dirty="0">
+                <a:solidFill>
+                  <a:schemeClr val="tx1"/>
+                </a:solidFill>
+              </a:rPr>
+              <a:t> af modellen frem til 2025, derved kan den fulde effekt af tiltaget evalueres. </a:t>
+            </a:r>
+          </a:p>
+          <a:p>
+            <a:endParaRPr lang="da-DK" dirty="0">
+              <a:solidFill>
+                <a:schemeClr val="tx1"/>
+              </a:solidFill>
+            </a:endParaRPr>
+          </a:p>
+          <a:p>
+            <a:endParaRPr lang="da-DK" dirty="0">
+              <a:solidFill>
+                <a:schemeClr val="tx1"/>
+              </a:solidFill>
+            </a:endParaRPr>
+          </a:p>
+          <a:p>
+            <a:r>
+              <a:rPr lang="en-US" dirty="0" err="1">
+                <a:solidFill>
+                  <a:schemeClr val="tx1"/>
+                </a:solidFill>
+              </a:rPr>
+              <a:t>Estimering</a:t>
+            </a:r>
+            <a:r>
+              <a:rPr lang="en-US" dirty="0">
+                <a:solidFill>
+                  <a:schemeClr val="tx1"/>
+                </a:solidFill>
+              </a:rPr>
+              <a:t> </a:t>
+            </a:r>
+            <a:r>
+              <a:rPr lang="en-US" dirty="0" err="1">
+                <a:solidFill>
+                  <a:schemeClr val="tx1"/>
+                </a:solidFill>
+              </a:rPr>
+              <a:t>ved</a:t>
+            </a:r>
+            <a:r>
+              <a:rPr lang="en-US" dirty="0">
+                <a:solidFill>
+                  <a:schemeClr val="tx1"/>
+                </a:solidFill>
+              </a:rPr>
+              <a:t> </a:t>
+            </a:r>
+            <a:r>
+              <a:rPr lang="en-US" dirty="0" err="1">
+                <a:solidFill>
+                  <a:schemeClr val="tx1"/>
+                </a:solidFill>
+              </a:rPr>
+              <a:t>brug</a:t>
+            </a:r>
+            <a:r>
+              <a:rPr lang="en-US" dirty="0">
+                <a:solidFill>
+                  <a:schemeClr val="tx1"/>
+                </a:solidFill>
+              </a:rPr>
+              <a:t> </a:t>
+            </a:r>
+            <a:r>
+              <a:rPr lang="en-US" dirty="0" err="1">
+                <a:solidFill>
+                  <a:schemeClr val="tx1"/>
+                </a:solidFill>
+              </a:rPr>
+              <a:t>af</a:t>
+            </a:r>
+            <a:r>
+              <a:rPr lang="en-US" dirty="0">
+                <a:solidFill>
+                  <a:schemeClr val="tx1"/>
+                </a:solidFill>
+              </a:rPr>
+              <a:t> </a:t>
+            </a:r>
+            <a:r>
+              <a:rPr lang="en-US" dirty="0" err="1">
+                <a:solidFill>
+                  <a:schemeClr val="tx1"/>
+                </a:solidFill>
+              </a:rPr>
+              <a:t>kausale</a:t>
+            </a:r>
+            <a:r>
+              <a:rPr lang="en-US" dirty="0">
+                <a:solidFill>
+                  <a:schemeClr val="tx1"/>
+                </a:solidFill>
+              </a:rPr>
+              <a:t> </a:t>
+            </a:r>
+            <a:r>
+              <a:rPr lang="en-US" dirty="0" err="1">
+                <a:solidFill>
+                  <a:schemeClr val="tx1"/>
+                </a:solidFill>
+              </a:rPr>
+              <a:t>effekter</a:t>
+            </a:r>
+            <a:r>
+              <a:rPr lang="en-US" dirty="0">
+                <a:solidFill>
+                  <a:schemeClr val="tx1"/>
+                </a:solidFill>
+              </a:rPr>
+              <a:t>, </a:t>
+            </a:r>
+            <a:r>
+              <a:rPr lang="en-US" dirty="0" err="1">
+                <a:solidFill>
+                  <a:schemeClr val="tx1"/>
+                </a:solidFill>
+              </a:rPr>
+              <a:t>muligvis</a:t>
+            </a:r>
+            <a:r>
+              <a:rPr lang="en-US" dirty="0">
+                <a:solidFill>
+                  <a:schemeClr val="tx1"/>
+                </a:solidFill>
+              </a:rPr>
+              <a:t> same </a:t>
+            </a:r>
+            <a:r>
+              <a:rPr lang="en-US" dirty="0" err="1">
+                <a:solidFill>
+                  <a:schemeClr val="tx1"/>
+                </a:solidFill>
+              </a:rPr>
+              <a:t>fremgangsmetode</a:t>
+            </a:r>
+            <a:r>
+              <a:rPr lang="en-US" dirty="0">
+                <a:solidFill>
+                  <a:schemeClr val="tx1"/>
+                </a:solidFill>
+              </a:rPr>
+              <a:t> </a:t>
+            </a:r>
+            <a:r>
+              <a:rPr lang="en-US" dirty="0" err="1">
+                <a:solidFill>
+                  <a:schemeClr val="tx1"/>
+                </a:solidFill>
+              </a:rPr>
+              <a:t>som</a:t>
+            </a:r>
+            <a:r>
+              <a:rPr lang="en-US" dirty="0">
+                <a:solidFill>
+                  <a:schemeClr val="tx1"/>
+                </a:solidFill>
+              </a:rPr>
+              <a:t> </a:t>
+            </a:r>
+            <a:r>
+              <a:rPr lang="en-US" sz="1800" dirty="0">
+                <a:solidFill>
+                  <a:schemeClr val="tx1"/>
+                </a:solidFill>
+                <a:effectLst/>
+                <a:ea typeface="Calibri" panose="020F0502020204030204" pitchFamily="34" charset="0"/>
+              </a:rPr>
+              <a:t>Fredriksson &amp; </a:t>
+            </a:r>
+            <a:r>
+              <a:rPr lang="en-US" sz="1800" dirty="0" err="1">
+                <a:solidFill>
+                  <a:schemeClr val="tx1"/>
+                </a:solidFill>
+                <a:effectLst/>
+                <a:ea typeface="Calibri" panose="020F0502020204030204" pitchFamily="34" charset="0"/>
+              </a:rPr>
+              <a:t>Söderström</a:t>
+            </a:r>
+            <a:r>
+              <a:rPr lang="en-US" sz="1800" dirty="0">
+                <a:solidFill>
+                  <a:schemeClr val="tx1"/>
+                </a:solidFill>
+                <a:effectLst/>
+                <a:ea typeface="Calibri" panose="020F0502020204030204" pitchFamily="34" charset="0"/>
+              </a:rPr>
+              <a:t> (2020)</a:t>
+            </a:r>
+            <a:r>
+              <a:rPr lang="en-US" dirty="0">
+                <a:solidFill>
+                  <a:schemeClr val="tx1"/>
+                </a:solidFill>
+              </a:rPr>
+              <a:t> . </a:t>
+            </a:r>
+          </a:p>
+        </p:txBody>
+      </p:sp>
+      <p:sp>
+        <p:nvSpPr>
+          <p:cNvPr id="5" name="Pladsholder til sidefod 4">
+            <a:extLst>
+              <a:ext uri="{FF2B5EF4-FFF2-40B4-BE49-F238E27FC236}">
+                <a16:creationId xmlns:a16="http://schemas.microsoft.com/office/drawing/2014/main" id="{8697695B-2EAD-31D5-08DD-39210884AC5F}"/>
+              </a:ext>
+            </a:extLst>
+          </p:cNvPr>
+          <p:cNvSpPr>
+            <a:spLocks noGrp="1"/>
+          </p:cNvSpPr>
+          <p:nvPr>
+            <p:ph type="ftr" sz="quarter" idx="11"/>
+          </p:nvPr>
+        </p:nvSpPr>
+        <p:spPr/>
+        <p:txBody>
+          <a:bodyPr/>
+          <a:lstStyle/>
+          <a:p>
+            <a:endParaRPr lang="da-DK"/>
+          </a:p>
+        </p:txBody>
+      </p:sp>
+      <p:sp>
+        <p:nvSpPr>
+          <p:cNvPr id="6" name="Pladsholder til slidenummer 5">
+            <a:extLst>
+              <a:ext uri="{FF2B5EF4-FFF2-40B4-BE49-F238E27FC236}">
+                <a16:creationId xmlns:a16="http://schemas.microsoft.com/office/drawing/2014/main" id="{477EA8CD-96CC-B473-71E2-218BA3929F51}"/>
+              </a:ext>
+            </a:extLst>
+          </p:cNvPr>
+          <p:cNvSpPr>
+            <a:spLocks noGrp="1"/>
+          </p:cNvSpPr>
+          <p:nvPr>
+            <p:ph type="sldNum" sz="quarter" idx="12"/>
+          </p:nvPr>
+        </p:nvSpPr>
+        <p:spPr/>
+        <p:txBody>
+          <a:bodyPr/>
+          <a:lstStyle/>
+          <a:p>
+            <a:fld id="{7D821011-DD97-40DE-9870-3870B0BF8BC7}" type="slidenum">
+              <a:rPr lang="da-DK" smtClean="0"/>
+              <a:t>10</a:t>
+            </a:fld>
+            <a:endParaRPr lang="da-DK"/>
+          </a:p>
+        </p:txBody>
+      </p:sp>
+    </p:spTree>
+    <p:extLst>
+      <p:ext uri="{BB962C8B-B14F-4D97-AF65-F5344CB8AC3E}">
+        <p14:creationId xmlns:p14="http://schemas.microsoft.com/office/powerpoint/2010/main" val="1506612743"/>
+      </p:ext>
+    </p:extLst>
+  </p:cSld>
+  <p:clrMapOvr>
+    <a:masterClrMapping/>
+  </p:clrMapOvr>
+</p:sld>
+</file>
+
+<file path=ppt/slides/slide11.xml><?xml version="1.0" encoding="utf-8"?>
+<p:sld xmlns:a="http://schemas.openxmlformats.org/drawingml/2006/main" xmlns:r="http://schemas.openxmlformats.org/officeDocument/2006/relationships" xmlns:p="http://schemas.openxmlformats.org/presentationml/2006/main">
+  <p:cSld>
+    <p:spTree>
+      <p:nvGrpSpPr>
+        <p:cNvPr id="1" name=""/>
+        <p:cNvGrpSpPr/>
+        <p:nvPr/>
+      </p:nvGrpSpPr>
+      <p:grpSpPr>
+        <a:xfrm>
+          <a:off x="0" y="0"/>
+          <a:ext cx="0" cy="0"/>
+          <a:chOff x="0" y="0"/>
+          <a:chExt cx="0" cy="0"/>
+        </a:xfrm>
+      </p:grpSpPr>
       <p:pic>
         <p:nvPicPr>
           <p:cNvPr id="32" name="Pladsholder til billede 31" descr="klappen i hænderne">
@@ -15175,7 +15757,7 @@
             <a:fld id="{19B51A1E-902D-48AF-9020-955120F399B6}" type="slidenum">
               <a:rPr lang="da-DK" smtClean="0"/>
               <a:pPr rtl="0"/>
-              <a:t>10</a:t>
+              <a:t>11</a:t>
             </a:fld>
             <a:endParaRPr lang="da-DK"/>
           </a:p>
@@ -16112,17 +16694,230 @@
           <a:p>
             <a:r>
               <a:rPr lang="da-DK" sz="2400" dirty="0"/>
-              <a:t>Et nærmere kig på løn-kanalen </a:t>
-            </a:r>
+              <a:t>Mekanismer bag løn-kanalen</a:t>
+            </a:r>
+          </a:p>
+        </p:txBody>
+      </p:sp>
+      <p:sp>
+        <p:nvSpPr>
+          <p:cNvPr id="3" name="Pladsholder til tekst 2">
+            <a:extLst>
+              <a:ext uri="{FF2B5EF4-FFF2-40B4-BE49-F238E27FC236}">
+                <a16:creationId xmlns:a16="http://schemas.microsoft.com/office/drawing/2014/main" id="{AE122F52-49A6-4CB0-92A1-F18A35BF616F}"/>
+              </a:ext>
+            </a:extLst>
+          </p:cNvPr>
+          <p:cNvSpPr>
+            <a:spLocks noGrp="1"/>
+          </p:cNvSpPr>
+          <p:nvPr>
+            <p:ph type="body" sz="half" idx="2"/>
+          </p:nvPr>
+        </p:nvSpPr>
+        <p:spPr>
+          <a:xfrm>
+            <a:off x="839789" y="2057400"/>
+            <a:ext cx="3543026" cy="3811588"/>
+          </a:xfrm>
+        </p:spPr>
+        <p:txBody>
+          <a:bodyPr/>
+          <a:lstStyle/>
+          <a:p>
+            <a:endParaRPr lang="da-DK" dirty="0">
+              <a:solidFill>
+                <a:schemeClr val="accent1"/>
+              </a:solidFill>
+            </a:endParaRPr>
+          </a:p>
+          <a:p>
+            <a:endParaRPr lang="da-DK" dirty="0">
+              <a:solidFill>
+                <a:schemeClr val="accent1"/>
+              </a:solidFill>
+            </a:endParaRPr>
+          </a:p>
+          <a:p>
+            <a:pPr marL="285750" indent="-285750">
+              <a:buFont typeface="Arial" panose="020B0604020202020204" pitchFamily="34" charset="0"/>
+              <a:buChar char="•"/>
+            </a:pPr>
+            <a:r>
+              <a:rPr lang="da-DK" dirty="0">
+                <a:solidFill>
+                  <a:schemeClr val="tx1"/>
+                </a:solidFill>
+              </a:rPr>
+              <a:t>Hvorfor holder vi os ikke over de 42% når det er målet?</a:t>
+            </a:r>
+          </a:p>
+          <a:p>
+            <a:pPr marL="285750" indent="-285750">
+              <a:buFont typeface="Arial" panose="020B0604020202020204" pitchFamily="34" charset="0"/>
+              <a:buChar char="•"/>
+            </a:pPr>
+            <a:endParaRPr lang="da-DK" dirty="0">
+              <a:solidFill>
+                <a:schemeClr val="tx1"/>
+              </a:solidFill>
+            </a:endParaRPr>
+          </a:p>
+          <a:p>
+            <a:pPr marL="285750" indent="-285750">
+              <a:buFont typeface="Arial" panose="020B0604020202020204" pitchFamily="34" charset="0"/>
+              <a:buChar char="•"/>
+            </a:pPr>
+            <a:r>
+              <a:rPr lang="da-DK" dirty="0">
+                <a:solidFill>
+                  <a:schemeClr val="tx1"/>
+                </a:solidFill>
+              </a:rPr>
+              <a:t>Hvorfor ender vi med et lavere løn-</a:t>
+            </a:r>
+            <a:r>
+              <a:rPr lang="da-DK" dirty="0" err="1">
+                <a:solidFill>
+                  <a:schemeClr val="tx1"/>
+                </a:solidFill>
+              </a:rPr>
+              <a:t>gap</a:t>
+            </a:r>
+            <a:r>
+              <a:rPr lang="da-DK" dirty="0">
+                <a:solidFill>
+                  <a:schemeClr val="tx1"/>
+                </a:solidFill>
+              </a:rPr>
+              <a:t> end når vi inkludere løn kanalen?</a:t>
+            </a:r>
+          </a:p>
+          <a:p>
+            <a:pPr marL="285750" indent="-285750">
+              <a:buFont typeface="Arial" panose="020B0604020202020204" pitchFamily="34" charset="0"/>
+              <a:buChar char="•"/>
+            </a:pPr>
+            <a:endParaRPr lang="da-DK" dirty="0">
+              <a:solidFill>
+                <a:schemeClr val="tx1"/>
+              </a:solidFill>
+            </a:endParaRPr>
+          </a:p>
+          <a:p>
+            <a:pPr marL="285750" indent="-285750">
+              <a:buFont typeface="Arial" panose="020B0604020202020204" pitchFamily="34" charset="0"/>
+              <a:buChar char="•"/>
+            </a:pPr>
+            <a:r>
+              <a:rPr lang="da-DK" dirty="0">
+                <a:solidFill>
+                  <a:schemeClr val="tx1"/>
+                </a:solidFill>
+              </a:rPr>
+              <a:t>Hvordan påvirker dette </a:t>
+            </a:r>
+            <a:r>
+              <a:rPr lang="da-DK" dirty="0" err="1">
+                <a:solidFill>
+                  <a:schemeClr val="tx1"/>
+                </a:solidFill>
+              </a:rPr>
+              <a:t>targeted</a:t>
+            </a:r>
+            <a:r>
+              <a:rPr lang="da-DK" dirty="0">
+                <a:solidFill>
+                  <a:schemeClr val="tx1"/>
+                </a:solidFill>
+              </a:rPr>
+              <a:t> </a:t>
+            </a:r>
+            <a:r>
+              <a:rPr lang="da-DK" dirty="0" err="1">
+                <a:solidFill>
+                  <a:schemeClr val="tx1"/>
+                </a:solidFill>
+              </a:rPr>
+              <a:t>wage</a:t>
+            </a:r>
+            <a:r>
+              <a:rPr lang="da-DK" dirty="0">
+                <a:solidFill>
+                  <a:schemeClr val="tx1"/>
+                </a:solidFill>
+              </a:rPr>
+              <a:t>? –Se næste slide. </a:t>
+            </a:r>
+          </a:p>
+        </p:txBody>
+      </p:sp>
+      <p:sp>
+        <p:nvSpPr>
+          <p:cNvPr id="6" name="Pladsholder til sidefod 5">
+            <a:extLst>
+              <a:ext uri="{FF2B5EF4-FFF2-40B4-BE49-F238E27FC236}">
+                <a16:creationId xmlns:a16="http://schemas.microsoft.com/office/drawing/2014/main" id="{EA8A04F0-32BF-4CC2-BA7F-546C9CA5A8A7}"/>
+              </a:ext>
+            </a:extLst>
+          </p:cNvPr>
+          <p:cNvSpPr>
+            <a:spLocks noGrp="1"/>
+          </p:cNvSpPr>
+          <p:nvPr>
+            <p:ph type="ftr" sz="quarter" idx="11"/>
+          </p:nvPr>
+        </p:nvSpPr>
+        <p:spPr/>
+        <p:txBody>
+          <a:bodyPr/>
+          <a:lstStyle/>
+          <a:p>
+            <a:pPr rtl="0"/>
+            <a:r>
+              <a:rPr lang="da-DK" noProof="0"/>
+              <a:t>Tilføj en sidefod</a:t>
+            </a:r>
+          </a:p>
+        </p:txBody>
+      </p:sp>
+      <p:sp>
+        <p:nvSpPr>
+          <p:cNvPr id="7" name="Pladsholder til slidenummer 6">
+            <a:extLst>
+              <a:ext uri="{FF2B5EF4-FFF2-40B4-BE49-F238E27FC236}">
+                <a16:creationId xmlns:a16="http://schemas.microsoft.com/office/drawing/2014/main" id="{20C54D55-A2E2-4BD0-BC97-4EFB698B1674}"/>
+              </a:ext>
+            </a:extLst>
+          </p:cNvPr>
+          <p:cNvSpPr>
+            <a:spLocks noGrp="1"/>
+          </p:cNvSpPr>
+          <p:nvPr>
+            <p:ph type="sldNum" sz="quarter" idx="12"/>
+          </p:nvPr>
+        </p:nvSpPr>
+        <p:spPr/>
+        <p:txBody>
+          <a:bodyPr/>
+          <a:lstStyle/>
+          <a:p>
+            <a:pPr rtl="0"/>
+            <a:fld id="{19B51A1E-902D-48AF-9020-955120F399B6}" type="slidenum">
+              <a:rPr lang="da-DK" noProof="0" smtClean="0"/>
+              <a:pPr rtl="0"/>
+              <a:t>4</a:t>
+            </a:fld>
+            <a:endParaRPr lang="da-DK" noProof="0"/>
           </a:p>
         </p:txBody>
       </p:sp>
       <p:pic>
         <p:nvPicPr>
-          <p:cNvPr id="8" name="Pladsholder til indhold 7">
-            <a:extLst>
-              <a:ext uri="{FF2B5EF4-FFF2-40B4-BE49-F238E27FC236}">
-                <a16:creationId xmlns:a16="http://schemas.microsoft.com/office/drawing/2014/main" id="{F4B80FBD-5FFF-104B-557B-B4F04C75E818}"/>
+          <p:cNvPr id="9" name="Pladsholder til indhold 8">
+            <a:extLst>
+              <a:ext uri="{FF2B5EF4-FFF2-40B4-BE49-F238E27FC236}">
+                <a16:creationId xmlns:a16="http://schemas.microsoft.com/office/drawing/2014/main" id="{0EE0B0ED-BB13-CF1C-A04F-2F03F55508A7}"/>
               </a:ext>
             </a:extLst>
           </p:cNvPr>
@@ -16141,108 +16936,44 @@
         </p:blipFill>
         <p:spPr>
           <a:xfrm>
-            <a:off x="4772025" y="1519673"/>
-            <a:ext cx="6583363" cy="4176934"/>
+            <a:off x="4635062" y="457200"/>
+            <a:ext cx="7124938" cy="4230414"/>
           </a:xfrm>
           <a:prstGeom prst="rect">
             <a:avLst/>
           </a:prstGeom>
         </p:spPr>
       </p:pic>
-      <p:sp>
-        <p:nvSpPr>
-          <p:cNvPr id="3" name="Pladsholder til tekst 2">
-            <a:extLst>
-              <a:ext uri="{FF2B5EF4-FFF2-40B4-BE49-F238E27FC236}">
-                <a16:creationId xmlns:a16="http://schemas.microsoft.com/office/drawing/2014/main" id="{AE122F52-49A6-4CB0-92A1-F18A35BF616F}"/>
-              </a:ext>
-            </a:extLst>
-          </p:cNvPr>
-          <p:cNvSpPr>
-            <a:spLocks noGrp="1"/>
-          </p:cNvSpPr>
-          <p:nvPr>
-            <p:ph type="body" sz="half" idx="2"/>
-          </p:nvPr>
-        </p:nvSpPr>
+      <p:pic>
+        <p:nvPicPr>
+          <p:cNvPr id="11" name="Billede 10">
+            <a:extLst>
+              <a:ext uri="{FF2B5EF4-FFF2-40B4-BE49-F238E27FC236}">
+                <a16:creationId xmlns:a16="http://schemas.microsoft.com/office/drawing/2014/main" id="{D35A556A-AEE9-38A9-91F5-5B92FF82357E}"/>
+              </a:ext>
+            </a:extLst>
+          </p:cNvPr>
+          <p:cNvPicPr>
+            <a:picLocks noChangeAspect="1"/>
+          </p:cNvPicPr>
+          <p:nvPr/>
+        </p:nvPicPr>
+        <p:blipFill>
+          <a:blip r:embed="rId3"/>
+          <a:stretch>
+            <a:fillRect/>
+          </a:stretch>
+        </p:blipFill>
         <p:spPr>
           <a:xfrm>
-            <a:off x="839789" y="2057400"/>
-            <a:ext cx="3543026" cy="3811588"/>
+            <a:off x="6096000" y="4687614"/>
+            <a:ext cx="3924300" cy="685800"/>
           </a:xfrm>
+          <a:prstGeom prst="rect">
+            <a:avLst/>
+          </a:prstGeom>
         </p:spPr>
-        <p:txBody>
-          <a:bodyPr/>
-          <a:lstStyle/>
-          <a:p>
-            <a:endParaRPr lang="da-DK" dirty="0">
-              <a:solidFill>
-                <a:schemeClr val="accent1"/>
-              </a:solidFill>
-            </a:endParaRPr>
-          </a:p>
-        </p:txBody>
-      </p:sp>
-      <p:sp>
-        <p:nvSpPr>
-          <p:cNvPr id="6" name="Pladsholder til sidefod 5">
-            <a:extLst>
-              <a:ext uri="{FF2B5EF4-FFF2-40B4-BE49-F238E27FC236}">
-                <a16:creationId xmlns:a16="http://schemas.microsoft.com/office/drawing/2014/main" id="{EA8A04F0-32BF-4CC2-BA7F-546C9CA5A8A7}"/>
-              </a:ext>
-            </a:extLst>
-          </p:cNvPr>
-          <p:cNvSpPr>
-            <a:spLocks noGrp="1"/>
-          </p:cNvSpPr>
-          <p:nvPr>
-            <p:ph type="ftr" sz="quarter" idx="11"/>
-          </p:nvPr>
-        </p:nvSpPr>
-        <p:spPr/>
-        <p:txBody>
-          <a:bodyPr/>
-          <a:lstStyle/>
-          <a:p>
-            <a:pPr rtl="0"/>
-            <a:r>
-              <a:rPr lang="da-DK" noProof="0"/>
-              <a:t>Tilføj en sidefod</a:t>
-            </a:r>
-          </a:p>
-        </p:txBody>
-      </p:sp>
-      <p:sp>
-        <p:nvSpPr>
-          <p:cNvPr id="7" name="Pladsholder til slidenummer 6">
-            <a:extLst>
-              <a:ext uri="{FF2B5EF4-FFF2-40B4-BE49-F238E27FC236}">
-                <a16:creationId xmlns:a16="http://schemas.microsoft.com/office/drawing/2014/main" id="{20C54D55-A2E2-4BD0-BC97-4EFB698B1674}"/>
-              </a:ext>
-            </a:extLst>
-          </p:cNvPr>
-          <p:cNvSpPr>
-            <a:spLocks noGrp="1"/>
-          </p:cNvSpPr>
-          <p:nvPr>
-            <p:ph type="sldNum" sz="quarter" idx="12"/>
-          </p:nvPr>
-        </p:nvSpPr>
-        <p:spPr/>
-        <p:txBody>
-          <a:bodyPr/>
-          <a:lstStyle/>
-          <a:p>
-            <a:pPr rtl="0"/>
-            <a:fld id="{19B51A1E-902D-48AF-9020-955120F399B6}" type="slidenum">
-              <a:rPr lang="da-DK" noProof="0" smtClean="0"/>
-              <a:pPr rtl="0"/>
-              <a:t>4</a:t>
-            </a:fld>
-            <a:endParaRPr lang="da-DK" noProof="0"/>
-          </a:p>
-        </p:txBody>
-      </p:sp>
+      </p:pic>
     </p:spTree>
     <p:extLst>
       <p:ext uri="{BB962C8B-B14F-4D97-AF65-F5344CB8AC3E}">
@@ -16278,6 +17009,263 @@
           <p:cNvPr id="2" name="Titel 1">
             <a:extLst>
               <a:ext uri="{FF2B5EF4-FFF2-40B4-BE49-F238E27FC236}">
+                <a16:creationId xmlns:a16="http://schemas.microsoft.com/office/drawing/2014/main" id="{753CA54B-298C-B9A3-B832-22B4DFD10D93}"/>
+              </a:ext>
+            </a:extLst>
+          </p:cNvPr>
+          <p:cNvSpPr>
+            <a:spLocks noGrp="1"/>
+          </p:cNvSpPr>
+          <p:nvPr>
+            <p:ph type="title"/>
+          </p:nvPr>
+        </p:nvSpPr>
+        <p:spPr/>
+        <p:txBody>
+          <a:bodyPr/>
+          <a:lstStyle/>
+          <a:p>
+            <a:r>
+              <a:rPr lang="da-DK" dirty="0"/>
+              <a:t>Mekanismer bag løn-kanalen</a:t>
+            </a:r>
+            <a:endParaRPr lang="en-US" dirty="0"/>
+          </a:p>
+        </p:txBody>
+      </p:sp>
+      <p:pic>
+        <p:nvPicPr>
+          <p:cNvPr id="8" name="Pladsholder til indhold 7">
+            <a:extLst>
+              <a:ext uri="{FF2B5EF4-FFF2-40B4-BE49-F238E27FC236}">
+                <a16:creationId xmlns:a16="http://schemas.microsoft.com/office/drawing/2014/main" id="{A20CCDC7-B4AF-15CF-F969-3228A14192A7}"/>
+              </a:ext>
+            </a:extLst>
+          </p:cNvPr>
+          <p:cNvPicPr>
+            <a:picLocks noGrp="1" noChangeAspect="1"/>
+          </p:cNvPicPr>
+          <p:nvPr>
+            <p:ph idx="1"/>
+          </p:nvPr>
+        </p:nvPicPr>
+        <p:blipFill>
+          <a:blip r:embed="rId3"/>
+          <a:stretch>
+            <a:fillRect/>
+          </a:stretch>
+        </p:blipFill>
+        <p:spPr>
+          <a:xfrm>
+            <a:off x="4929051" y="742971"/>
+            <a:ext cx="6830949" cy="5205884"/>
+          </a:xfrm>
+          <a:prstGeom prst="rect">
+            <a:avLst/>
+          </a:prstGeom>
+        </p:spPr>
+      </p:pic>
+      <p:sp>
+        <p:nvSpPr>
+          <p:cNvPr id="4" name="Pladsholder til tekst 3">
+            <a:extLst>
+              <a:ext uri="{FF2B5EF4-FFF2-40B4-BE49-F238E27FC236}">
+                <a16:creationId xmlns:a16="http://schemas.microsoft.com/office/drawing/2014/main" id="{F806D2EC-F5F8-6728-7739-D325AD1461F9}"/>
+              </a:ext>
+            </a:extLst>
+          </p:cNvPr>
+          <p:cNvSpPr>
+            <a:spLocks noGrp="1"/>
+          </p:cNvSpPr>
+          <p:nvPr>
+            <p:ph type="body" sz="half" idx="2"/>
+          </p:nvPr>
+        </p:nvSpPr>
+        <p:spPr/>
+        <p:txBody>
+          <a:bodyPr/>
+          <a:lstStyle/>
+          <a:p>
+            <a:pPr marL="285750" indent="-285750">
+              <a:buFont typeface="Arial" panose="020B0604020202020204" pitchFamily="34" charset="0"/>
+              <a:buChar char="•"/>
+            </a:pPr>
+            <a:r>
+              <a:rPr lang="da-DK" dirty="0">
+                <a:solidFill>
+                  <a:schemeClr val="tx1"/>
+                </a:solidFill>
+              </a:rPr>
+              <a:t>Vi kan se nedenstående </a:t>
+            </a:r>
+            <a:r>
+              <a:rPr lang="da-DK" dirty="0" err="1">
+                <a:solidFill>
+                  <a:schemeClr val="tx1"/>
+                </a:solidFill>
+              </a:rPr>
+              <a:t>if-else</a:t>
+            </a:r>
+            <a:r>
+              <a:rPr lang="da-DK" dirty="0">
+                <a:solidFill>
+                  <a:schemeClr val="tx1"/>
+                </a:solidFill>
+              </a:rPr>
+              <a:t> funktion virker som den skal. </a:t>
+            </a:r>
+          </a:p>
+          <a:p>
+            <a:pPr marL="285750" indent="-285750">
+              <a:buFont typeface="Arial" panose="020B0604020202020204" pitchFamily="34" charset="0"/>
+              <a:buChar char="•"/>
+            </a:pPr>
+            <a:endParaRPr lang="da-DK" dirty="0">
+              <a:solidFill>
+                <a:schemeClr val="tx1"/>
+              </a:solidFill>
+            </a:endParaRPr>
+          </a:p>
+          <a:p>
+            <a:pPr marL="285750" indent="-285750">
+              <a:buFont typeface="Arial" panose="020B0604020202020204" pitchFamily="34" charset="0"/>
+              <a:buChar char="•"/>
+            </a:pPr>
+            <a:r>
+              <a:rPr lang="da-DK" dirty="0">
+                <a:solidFill>
+                  <a:schemeClr val="tx1"/>
+                </a:solidFill>
+              </a:rPr>
+              <a:t>Sammenlign med udviklingen på næste slide. </a:t>
+            </a:r>
+            <a:endParaRPr lang="en-US" dirty="0">
+              <a:solidFill>
+                <a:schemeClr val="tx1"/>
+              </a:solidFill>
+            </a:endParaRPr>
+          </a:p>
+        </p:txBody>
+      </p:sp>
+      <p:sp>
+        <p:nvSpPr>
+          <p:cNvPr id="5" name="Pladsholder til sidefod 4">
+            <a:extLst>
+              <a:ext uri="{FF2B5EF4-FFF2-40B4-BE49-F238E27FC236}">
+                <a16:creationId xmlns:a16="http://schemas.microsoft.com/office/drawing/2014/main" id="{A47C5884-E9B5-36C7-73E5-DC64666091C3}"/>
+              </a:ext>
+            </a:extLst>
+          </p:cNvPr>
+          <p:cNvSpPr>
+            <a:spLocks noGrp="1"/>
+          </p:cNvSpPr>
+          <p:nvPr>
+            <p:ph type="ftr" sz="quarter" idx="11"/>
+          </p:nvPr>
+        </p:nvSpPr>
+        <p:spPr/>
+        <p:txBody>
+          <a:bodyPr/>
+          <a:lstStyle/>
+          <a:p>
+            <a:endParaRPr lang="da-DK"/>
+          </a:p>
+        </p:txBody>
+      </p:sp>
+      <p:sp>
+        <p:nvSpPr>
+          <p:cNvPr id="6" name="Pladsholder til slidenummer 5">
+            <a:extLst>
+              <a:ext uri="{FF2B5EF4-FFF2-40B4-BE49-F238E27FC236}">
+                <a16:creationId xmlns:a16="http://schemas.microsoft.com/office/drawing/2014/main" id="{D0CEB170-6A58-7362-60D0-9E17A8166B18}"/>
+              </a:ext>
+            </a:extLst>
+          </p:cNvPr>
+          <p:cNvSpPr>
+            <a:spLocks noGrp="1"/>
+          </p:cNvSpPr>
+          <p:nvPr>
+            <p:ph type="sldNum" sz="quarter" idx="12"/>
+          </p:nvPr>
+        </p:nvSpPr>
+        <p:spPr/>
+        <p:txBody>
+          <a:bodyPr/>
+          <a:lstStyle/>
+          <a:p>
+            <a:fld id="{7D821011-DD97-40DE-9870-3870B0BF8BC7}" type="slidenum">
+              <a:rPr lang="da-DK" smtClean="0"/>
+              <a:t>5</a:t>
+            </a:fld>
+            <a:endParaRPr lang="da-DK"/>
+          </a:p>
+        </p:txBody>
+      </p:sp>
+      <p:pic>
+        <p:nvPicPr>
+          <p:cNvPr id="7" name="Billede 6">
+            <a:extLst>
+              <a:ext uri="{FF2B5EF4-FFF2-40B4-BE49-F238E27FC236}">
+                <a16:creationId xmlns:a16="http://schemas.microsoft.com/office/drawing/2014/main" id="{E2489A98-6C2E-27E2-7B8C-86A5F1EBFA7B}"/>
+              </a:ext>
+            </a:extLst>
+          </p:cNvPr>
+          <p:cNvPicPr>
+            <a:picLocks noChangeAspect="1"/>
+          </p:cNvPicPr>
+          <p:nvPr/>
+        </p:nvPicPr>
+        <p:blipFill>
+          <a:blip r:embed="rId4"/>
+          <a:stretch>
+            <a:fillRect/>
+          </a:stretch>
+        </p:blipFill>
+        <p:spPr>
+          <a:xfrm>
+            <a:off x="1191418" y="3891041"/>
+            <a:ext cx="3228975" cy="2466975"/>
+          </a:xfrm>
+          <a:prstGeom prst="rect">
+            <a:avLst/>
+          </a:prstGeom>
+        </p:spPr>
+      </p:pic>
+    </p:spTree>
+    <p:extLst>
+      <p:ext uri="{BB962C8B-B14F-4D97-AF65-F5344CB8AC3E}">
+        <p14:creationId xmlns:p14="http://schemas.microsoft.com/office/powerpoint/2010/main" val="3430234296"/>
+      </p:ext>
+    </p:extLst>
+  </p:cSld>
+  <p:clrMapOvr>
+    <a:masterClrMapping/>
+  </p:clrMapOvr>
+</p:sld>
+</file>
+
+<file path=ppt/slides/slide6.xml><?xml version="1.0" encoding="utf-8"?>
+<p:sld xmlns:a="http://schemas.openxmlformats.org/drawingml/2006/main" xmlns:r="http://schemas.openxmlformats.org/officeDocument/2006/relationships" xmlns:p="http://schemas.openxmlformats.org/presentationml/2006/main">
+  <p:cSld>
+    <p:spTree>
+      <p:nvGrpSpPr>
+        <p:cNvPr id="1" name=""/>
+        <p:cNvGrpSpPr/>
+        <p:nvPr/>
+      </p:nvGrpSpPr>
+      <p:grpSpPr>
+        <a:xfrm>
+          <a:off x="0" y="0"/>
+          <a:ext cx="0" cy="0"/>
+          <a:chOff x="0" y="0"/>
+          <a:chExt cx="0" cy="0"/>
+        </a:xfrm>
+      </p:grpSpPr>
+      <p:sp>
+        <p:nvSpPr>
+          <p:cNvPr id="2" name="Titel 1">
+            <a:extLst>
+              <a:ext uri="{FF2B5EF4-FFF2-40B4-BE49-F238E27FC236}">
                 <a16:creationId xmlns:a16="http://schemas.microsoft.com/office/drawing/2014/main" id="{0D3CFA10-5BF1-830F-3ED0-1B3E4E2316CC}"/>
               </a:ext>
             </a:extLst>
@@ -16294,6 +17282,10 @@
           <a:bodyPr/>
           <a:lstStyle/>
           <a:p>
+            <a:r>
+              <a:rPr lang="da-DK" dirty="0"/>
+              <a:t>Mekanismer bag løn-kanalen</a:t>
+            </a:r>
             <a:endParaRPr lang="en-US" dirty="0"/>
           </a:p>
         </p:txBody>
@@ -16351,10 +17343,92 @@
           <a:bodyPr/>
           <a:lstStyle/>
           <a:p>
+            <a:pPr marL="285750" indent="-285750">
+              <a:buFont typeface="Arial" panose="020B0604020202020204" pitchFamily="34" charset="0"/>
+              <a:buChar char="•"/>
+            </a:pPr>
+            <a:endParaRPr lang="da-DK" dirty="0"/>
+          </a:p>
+          <a:p>
+            <a:pPr marL="285750" indent="-285750">
+              <a:buFont typeface="Arial" panose="020B0604020202020204" pitchFamily="34" charset="0"/>
+              <a:buChar char="•"/>
+            </a:pPr>
             <a:r>
               <a:rPr lang="da-DK" dirty="0"/>
-              <a:t>Vi kan se at vi ikke får den sidste effekt med </a:t>
-            </a:r>
+              <a:t>Vi kan se udviklingen i løn følger </a:t>
+            </a:r>
+            <a:r>
+              <a:rPr lang="da-DK" dirty="0" err="1"/>
+              <a:t>targeted</a:t>
+            </a:r>
+            <a:r>
+              <a:rPr lang="da-DK" dirty="0"/>
+              <a:t> </a:t>
+            </a:r>
+            <a:r>
+              <a:rPr lang="da-DK" dirty="0" err="1"/>
+              <a:t>wage</a:t>
+            </a:r>
+            <a:r>
+              <a:rPr lang="da-DK" dirty="0"/>
+              <a:t>.</a:t>
+            </a:r>
+          </a:p>
+          <a:p>
+            <a:pPr marL="285750" indent="-285750">
+              <a:buFont typeface="Arial" panose="020B0604020202020204" pitchFamily="34" charset="0"/>
+              <a:buChar char="•"/>
+            </a:pPr>
+            <a:endParaRPr lang="da-DK" dirty="0"/>
+          </a:p>
+          <a:p>
+            <a:pPr marL="285750" indent="-285750">
+              <a:buFont typeface="Arial" panose="020B0604020202020204" pitchFamily="34" charset="0"/>
+              <a:buChar char="•"/>
+            </a:pPr>
+            <a:r>
+              <a:rPr lang="da-DK" dirty="0"/>
+              <a:t>Men hvorfor kommer det sidste </a:t>
+            </a:r>
+            <a:r>
+              <a:rPr lang="da-DK" dirty="0" err="1"/>
+              <a:t>spike</a:t>
+            </a:r>
+            <a:r>
+              <a:rPr lang="da-DK" dirty="0"/>
+              <a:t> ikke med?</a:t>
+            </a:r>
+          </a:p>
+          <a:p>
+            <a:pPr marL="285750" indent="-285750">
+              <a:buFont typeface="Arial" panose="020B0604020202020204" pitchFamily="34" charset="0"/>
+              <a:buChar char="•"/>
+            </a:pPr>
+            <a:endParaRPr lang="da-DK" dirty="0"/>
+          </a:p>
+          <a:p>
+            <a:pPr marL="285750" indent="-285750">
+              <a:buFont typeface="Arial" panose="020B0604020202020204" pitchFamily="34" charset="0"/>
+              <a:buChar char="•"/>
+            </a:pPr>
+            <a:r>
+              <a:rPr lang="da-DK" dirty="0"/>
+              <a:t>Lad os ændre lidt på antagelserne i det næste slide. </a:t>
+            </a:r>
+          </a:p>
+          <a:p>
+            <a:pPr marL="285750" indent="-285750">
+              <a:buFont typeface="Arial" panose="020B0604020202020204" pitchFamily="34" charset="0"/>
+              <a:buChar char="•"/>
+            </a:pPr>
+            <a:endParaRPr lang="da-DK" dirty="0"/>
+          </a:p>
+          <a:p>
+            <a:pPr marL="285750" indent="-285750">
+              <a:buFont typeface="Arial" panose="020B0604020202020204" pitchFamily="34" charset="0"/>
+              <a:buChar char="•"/>
+            </a:pPr>
             <a:endParaRPr lang="en-US" dirty="0"/>
           </a:p>
         </p:txBody>
@@ -16407,7 +17481,7 @@
           <a:p>
             <a:fld id="{7D821011-DD97-40DE-9870-3870B0BF8BC7}" type="slidenum">
               <a:rPr lang="da-DK" smtClean="0"/>
-              <a:t>5</a:t>
+              <a:t>6</a:t>
             </a:fld>
             <a:endParaRPr lang="da-DK"/>
           </a:p>
@@ -16456,7 +17530,7 @@
 </p:sld>
 </file>
 
-<file path=ppt/slides/slide6.xml><?xml version="1.0" encoding="utf-8"?>
+<file path=ppt/slides/slide7.xml><?xml version="1.0" encoding="utf-8"?>
 <p:sld xmlns:a="http://schemas.openxmlformats.org/drawingml/2006/main" xmlns:r="http://schemas.openxmlformats.org/officeDocument/2006/relationships" xmlns:p="http://schemas.openxmlformats.org/presentationml/2006/main">
   <p:cSld>
     <p:spTree>
@@ -16494,6 +17568,10 @@
           <a:bodyPr/>
           <a:lstStyle/>
           <a:p>
+            <a:r>
+              <a:rPr lang="da-DK" dirty="0"/>
+              <a:t>Mekanismerne bag løn-kanalen</a:t>
+            </a:r>
             <a:endParaRPr lang="en-US" dirty="0"/>
           </a:p>
         </p:txBody>
@@ -16551,9 +17629,30 @@
           <a:bodyPr/>
           <a:lstStyle/>
           <a:p>
+            <a:pPr marL="285750" indent="-285750">
+              <a:buFont typeface="Arial" panose="020B0604020202020204" pitchFamily="34" charset="0"/>
+              <a:buChar char="•"/>
+            </a:pPr>
             <a:r>
               <a:rPr lang="da-DK" dirty="0"/>
-              <a:t>Vi kan nu se hvad der sker når vi tillader fagforeningerne at forhandle lønnen et kvartal før. (Kun i den sidste periode)</a:t>
+              <a:t>Der er nu tilføjet en dummy variable i foregående ligning, der gør at lønforhandlingerne sker i 2019Q4 i stedet for 2020Q1, derved når effekten at påvirke lønnen. </a:t>
+            </a:r>
+          </a:p>
+          <a:p>
+            <a:pPr marL="285750" indent="-285750">
+              <a:buFont typeface="Arial" panose="020B0604020202020204" pitchFamily="34" charset="0"/>
+              <a:buChar char="•"/>
+            </a:pPr>
+            <a:endParaRPr lang="da-DK" dirty="0"/>
+          </a:p>
+          <a:p>
+            <a:pPr marL="285750" indent="-285750">
+              <a:buFont typeface="Arial" panose="020B0604020202020204" pitchFamily="34" charset="0"/>
+              <a:buChar char="•"/>
+            </a:pPr>
+            <a:r>
+              <a:rPr lang="da-DK" dirty="0"/>
+              <a:t>Vi kan dog se at effekten ikke bliver lige så stor. </a:t>
             </a:r>
             <a:endParaRPr lang="en-US" dirty="0"/>
           </a:p>
@@ -16590,172 +17689,6 @@
             <a:extLst>
               <a:ext uri="{FF2B5EF4-FFF2-40B4-BE49-F238E27FC236}">
                 <a16:creationId xmlns:a16="http://schemas.microsoft.com/office/drawing/2014/main" id="{CB098C29-2C84-5229-A462-57F8F4137B78}"/>
-              </a:ext>
-            </a:extLst>
-          </p:cNvPr>
-          <p:cNvSpPr>
-            <a:spLocks noGrp="1"/>
-          </p:cNvSpPr>
-          <p:nvPr>
-            <p:ph type="sldNum" sz="quarter" idx="12"/>
-          </p:nvPr>
-        </p:nvSpPr>
-        <p:spPr/>
-        <p:txBody>
-          <a:bodyPr/>
-          <a:lstStyle/>
-          <a:p>
-            <a:fld id="{7D821011-DD97-40DE-9870-3870B0BF8BC7}" type="slidenum">
-              <a:rPr lang="da-DK" smtClean="0"/>
-              <a:t>6</a:t>
-            </a:fld>
-            <a:endParaRPr lang="da-DK"/>
-          </a:p>
-        </p:txBody>
-      </p:sp>
-    </p:spTree>
-    <p:extLst>
-      <p:ext uri="{BB962C8B-B14F-4D97-AF65-F5344CB8AC3E}">
-        <p14:creationId xmlns:p14="http://schemas.microsoft.com/office/powerpoint/2010/main" val="1637596567"/>
-      </p:ext>
-    </p:extLst>
-  </p:cSld>
-  <p:clrMapOvr>
-    <a:masterClrMapping/>
-  </p:clrMapOvr>
-</p:sld>
-</file>
-
-<file path=ppt/slides/slide7.xml><?xml version="1.0" encoding="utf-8"?>
-<p:sld xmlns:a="http://schemas.openxmlformats.org/drawingml/2006/main" xmlns:r="http://schemas.openxmlformats.org/officeDocument/2006/relationships" xmlns:p="http://schemas.openxmlformats.org/presentationml/2006/main">
-  <p:cSld>
-    <p:spTree>
-      <p:nvGrpSpPr>
-        <p:cNvPr id="1" name=""/>
-        <p:cNvGrpSpPr/>
-        <p:nvPr/>
-      </p:nvGrpSpPr>
-      <p:grpSpPr>
-        <a:xfrm>
-          <a:off x="0" y="0"/>
-          <a:ext cx="0" cy="0"/>
-          <a:chOff x="0" y="0"/>
-          <a:chExt cx="0" cy="0"/>
-        </a:xfrm>
-      </p:grpSpPr>
-      <p:sp>
-        <p:nvSpPr>
-          <p:cNvPr id="2" name="Titel 1">
-            <a:extLst>
-              <a:ext uri="{FF2B5EF4-FFF2-40B4-BE49-F238E27FC236}">
-                <a16:creationId xmlns:a16="http://schemas.microsoft.com/office/drawing/2014/main" id="{24BFB1EA-3745-C52D-3D5C-743DE3BDE808}"/>
-              </a:ext>
-            </a:extLst>
-          </p:cNvPr>
-          <p:cNvSpPr>
-            <a:spLocks noGrp="1"/>
-          </p:cNvSpPr>
-          <p:nvPr>
-            <p:ph type="title"/>
-          </p:nvPr>
-        </p:nvSpPr>
-        <p:spPr/>
-        <p:txBody>
-          <a:bodyPr/>
-          <a:lstStyle/>
-          <a:p>
-            <a:endParaRPr lang="en-US"/>
-          </a:p>
-        </p:txBody>
-      </p:sp>
-      <p:pic>
-        <p:nvPicPr>
-          <p:cNvPr id="7" name="Pladsholder til indhold 6">
-            <a:extLst>
-              <a:ext uri="{FF2B5EF4-FFF2-40B4-BE49-F238E27FC236}">
-                <a16:creationId xmlns:a16="http://schemas.microsoft.com/office/drawing/2014/main" id="{17B1F6D4-5F12-0580-C090-94481F06ACA4}"/>
-              </a:ext>
-            </a:extLst>
-          </p:cNvPr>
-          <p:cNvPicPr>
-            <a:picLocks noGrp="1" noChangeAspect="1"/>
-          </p:cNvPicPr>
-          <p:nvPr>
-            <p:ph idx="1"/>
-          </p:nvPr>
-        </p:nvPicPr>
-        <p:blipFill>
-          <a:blip r:embed="rId2"/>
-          <a:stretch>
-            <a:fillRect/>
-          </a:stretch>
-        </p:blipFill>
-        <p:spPr>
-          <a:xfrm>
-            <a:off x="5832475" y="447457"/>
-            <a:ext cx="5413594" cy="5413594"/>
-          </a:xfrm>
-          <a:prstGeom prst="rect">
-            <a:avLst/>
-          </a:prstGeom>
-        </p:spPr>
-      </p:pic>
-      <p:sp>
-        <p:nvSpPr>
-          <p:cNvPr id="4" name="Pladsholder til tekst 3">
-            <a:extLst>
-              <a:ext uri="{FF2B5EF4-FFF2-40B4-BE49-F238E27FC236}">
-                <a16:creationId xmlns:a16="http://schemas.microsoft.com/office/drawing/2014/main" id="{F5B89D92-1151-B352-7EC6-EDDDE6D6FE92}"/>
-              </a:ext>
-            </a:extLst>
-          </p:cNvPr>
-          <p:cNvSpPr>
-            <a:spLocks noGrp="1"/>
-          </p:cNvSpPr>
-          <p:nvPr>
-            <p:ph type="body" sz="half" idx="2"/>
-          </p:nvPr>
-        </p:nvSpPr>
-        <p:spPr/>
-        <p:txBody>
-          <a:bodyPr/>
-          <a:lstStyle/>
-          <a:p>
-            <a:endParaRPr lang="en-US"/>
-          </a:p>
-        </p:txBody>
-      </p:sp>
-      <p:sp>
-        <p:nvSpPr>
-          <p:cNvPr id="5" name="Pladsholder til sidefod 4">
-            <a:extLst>
-              <a:ext uri="{FF2B5EF4-FFF2-40B4-BE49-F238E27FC236}">
-                <a16:creationId xmlns:a16="http://schemas.microsoft.com/office/drawing/2014/main" id="{7469E643-7544-AF9F-B305-5C5F06550C5E}"/>
-              </a:ext>
-            </a:extLst>
-          </p:cNvPr>
-          <p:cNvSpPr>
-            <a:spLocks noGrp="1"/>
-          </p:cNvSpPr>
-          <p:nvPr>
-            <p:ph type="ftr" sz="quarter" idx="11"/>
-          </p:nvPr>
-        </p:nvSpPr>
-        <p:spPr/>
-        <p:txBody>
-          <a:bodyPr/>
-          <a:lstStyle/>
-          <a:p>
-            <a:endParaRPr lang="da-DK"/>
-          </a:p>
-        </p:txBody>
-      </p:sp>
-      <p:sp>
-        <p:nvSpPr>
-          <p:cNvPr id="6" name="Pladsholder til slidenummer 5">
-            <a:extLst>
-              <a:ext uri="{FF2B5EF4-FFF2-40B4-BE49-F238E27FC236}">
-                <a16:creationId xmlns:a16="http://schemas.microsoft.com/office/drawing/2014/main" id="{1E2A2329-5062-A18E-F129-6CBACB2E6D3C}"/>
               </a:ext>
             </a:extLst>
           </p:cNvPr>
@@ -16782,7 +17715,7 @@
     </p:spTree>
     <p:extLst>
       <p:ext uri="{BB962C8B-B14F-4D97-AF65-F5344CB8AC3E}">
-        <p14:creationId xmlns:p14="http://schemas.microsoft.com/office/powerpoint/2010/main" val="1855822566"/>
+        <p14:creationId xmlns:p14="http://schemas.microsoft.com/office/powerpoint/2010/main" val="1637596567"/>
       </p:ext>
     </p:extLst>
   </p:cSld>
@@ -16814,7 +17747,7 @@
           <p:cNvPr id="2" name="Titel 1">
             <a:extLst>
               <a:ext uri="{FF2B5EF4-FFF2-40B4-BE49-F238E27FC236}">
-                <a16:creationId xmlns:a16="http://schemas.microsoft.com/office/drawing/2014/main" id="{436A32E8-BF36-D0BF-C71B-13D0C2FCFBCE}"/>
+                <a16:creationId xmlns:a16="http://schemas.microsoft.com/office/drawing/2014/main" id="{24BFB1EA-3745-C52D-3D5C-743DE3BDE808}"/>
               </a:ext>
             </a:extLst>
           </p:cNvPr>
@@ -16830,95 +17763,20 @@
           <a:bodyPr/>
           <a:lstStyle/>
           <a:p>
+            <a:r>
+              <a:rPr lang="da-DK" dirty="0"/>
+              <a:t>Mekanismerne bag løn-kanalen</a:t>
+            </a:r>
             <a:endParaRPr lang="en-US" dirty="0"/>
-          </a:p>
-        </p:txBody>
-      </p:sp>
-      <p:sp>
-        <p:nvSpPr>
-          <p:cNvPr id="4" name="Pladsholder til tekst 3">
-            <a:extLst>
-              <a:ext uri="{FF2B5EF4-FFF2-40B4-BE49-F238E27FC236}">
-                <a16:creationId xmlns:a16="http://schemas.microsoft.com/office/drawing/2014/main" id="{33DB0675-B5BE-EF19-CD17-C588F65C4665}"/>
-              </a:ext>
-            </a:extLst>
-          </p:cNvPr>
-          <p:cNvSpPr>
-            <a:spLocks noGrp="1"/>
-          </p:cNvSpPr>
-          <p:nvPr>
-            <p:ph type="body" sz="half" idx="2"/>
-          </p:nvPr>
-        </p:nvSpPr>
-        <p:spPr/>
-        <p:txBody>
-          <a:bodyPr/>
-          <a:lstStyle/>
-          <a:p>
-            <a:endParaRPr lang="en-US" dirty="0"/>
-          </a:p>
-        </p:txBody>
-      </p:sp>
-      <p:sp>
-        <p:nvSpPr>
-          <p:cNvPr id="5" name="Pladsholder til sidefod 4">
-            <a:extLst>
-              <a:ext uri="{FF2B5EF4-FFF2-40B4-BE49-F238E27FC236}">
-                <a16:creationId xmlns:a16="http://schemas.microsoft.com/office/drawing/2014/main" id="{ECC094D0-654D-4DB0-98B8-5648C65B43A0}"/>
-              </a:ext>
-            </a:extLst>
-          </p:cNvPr>
-          <p:cNvSpPr>
-            <a:spLocks noGrp="1"/>
-          </p:cNvSpPr>
-          <p:nvPr>
-            <p:ph type="ftr" sz="quarter" idx="11"/>
-          </p:nvPr>
-        </p:nvSpPr>
-        <p:spPr/>
-        <p:txBody>
-          <a:bodyPr/>
-          <a:lstStyle/>
-          <a:p>
-            <a:endParaRPr lang="da-DK"/>
-          </a:p>
-        </p:txBody>
-      </p:sp>
-      <p:sp>
-        <p:nvSpPr>
-          <p:cNvPr id="6" name="Pladsholder til slidenummer 5">
-            <a:extLst>
-              <a:ext uri="{FF2B5EF4-FFF2-40B4-BE49-F238E27FC236}">
-                <a16:creationId xmlns:a16="http://schemas.microsoft.com/office/drawing/2014/main" id="{A59A25C0-AE36-E396-F97A-63B4714A2C86}"/>
-              </a:ext>
-            </a:extLst>
-          </p:cNvPr>
-          <p:cNvSpPr>
-            <a:spLocks noGrp="1"/>
-          </p:cNvSpPr>
-          <p:nvPr>
-            <p:ph type="sldNum" sz="quarter" idx="12"/>
-          </p:nvPr>
-        </p:nvSpPr>
-        <p:spPr/>
-        <p:txBody>
-          <a:bodyPr/>
-          <a:lstStyle/>
-          <a:p>
-            <a:fld id="{7D821011-DD97-40DE-9870-3870B0BF8BC7}" type="slidenum">
-              <a:rPr lang="da-DK" smtClean="0"/>
-              <a:t>8</a:t>
-            </a:fld>
-            <a:endParaRPr lang="da-DK"/>
           </a:p>
         </p:txBody>
       </p:sp>
       <p:pic>
         <p:nvPicPr>
-          <p:cNvPr id="10" name="Pladsholder til indhold 9">
-            <a:extLst>
-              <a:ext uri="{FF2B5EF4-FFF2-40B4-BE49-F238E27FC236}">
-                <a16:creationId xmlns:a16="http://schemas.microsoft.com/office/drawing/2014/main" id="{04750019-20AE-7E74-CF12-02B652EFC35D}"/>
+          <p:cNvPr id="7" name="Pladsholder til indhold 6">
+            <a:extLst>
+              <a:ext uri="{FF2B5EF4-FFF2-40B4-BE49-F238E27FC236}">
+                <a16:creationId xmlns:a16="http://schemas.microsoft.com/office/drawing/2014/main" id="{17B1F6D4-5F12-0580-C090-94481F06ACA4}"/>
               </a:ext>
             </a:extLst>
           </p:cNvPr>
@@ -16937,8 +17795,195 @@
         </p:blipFill>
         <p:spPr>
           <a:xfrm>
-            <a:off x="5183188" y="1519673"/>
-            <a:ext cx="6172200" cy="3809129"/>
+            <a:off x="5832475" y="447457"/>
+            <a:ext cx="5413594" cy="5413594"/>
+          </a:xfrm>
+          <a:prstGeom prst="rect">
+            <a:avLst/>
+          </a:prstGeom>
+        </p:spPr>
+      </p:pic>
+      <p:sp>
+        <p:nvSpPr>
+          <p:cNvPr id="4" name="Pladsholder til tekst 3">
+            <a:extLst>
+              <a:ext uri="{FF2B5EF4-FFF2-40B4-BE49-F238E27FC236}">
+                <a16:creationId xmlns:a16="http://schemas.microsoft.com/office/drawing/2014/main" id="{F5B89D92-1151-B352-7EC6-EDDDE6D6FE92}"/>
+              </a:ext>
+            </a:extLst>
+          </p:cNvPr>
+          <p:cNvSpPr>
+            <a:spLocks noGrp="1"/>
+          </p:cNvSpPr>
+          <p:nvPr>
+            <p:ph type="body" sz="half" idx="2"/>
+          </p:nvPr>
+        </p:nvSpPr>
+        <p:spPr/>
+        <p:txBody>
+          <a:bodyPr/>
+          <a:lstStyle/>
+          <a:p>
+            <a:pPr marL="285750" indent="-285750">
+              <a:buFont typeface="Arial" panose="020B0604020202020204" pitchFamily="34" charset="0"/>
+              <a:buChar char="•"/>
+            </a:pPr>
+            <a:endParaRPr lang="da-DK" dirty="0"/>
+          </a:p>
+          <a:p>
+            <a:pPr marL="285750" indent="-285750">
+              <a:buFont typeface="Arial" panose="020B0604020202020204" pitchFamily="34" charset="0"/>
+              <a:buChar char="•"/>
+            </a:pPr>
+            <a:endParaRPr lang="da-DK" dirty="0"/>
+          </a:p>
+          <a:p>
+            <a:pPr marL="285750" indent="-285750">
+              <a:buFont typeface="Arial" panose="020B0604020202020204" pitchFamily="34" charset="0"/>
+              <a:buChar char="•"/>
+            </a:pPr>
+            <a:r>
+              <a:rPr lang="da-DK" dirty="0"/>
+              <a:t>Vi kan nu se effekten på de andre kanaler.</a:t>
+            </a:r>
+          </a:p>
+          <a:p>
+            <a:endParaRPr lang="da-DK" dirty="0"/>
+          </a:p>
+          <a:p>
+            <a:pPr marL="285750" indent="-285750">
+              <a:buFont typeface="Arial" panose="020B0604020202020204" pitchFamily="34" charset="0"/>
+              <a:buChar char="•"/>
+            </a:pPr>
+            <a:r>
+              <a:rPr lang="da-DK" dirty="0"/>
+              <a:t>Vi kan dog se en uforventet effekt på investeringer. Eller er det?</a:t>
+            </a:r>
+          </a:p>
+          <a:p>
+            <a:pPr marL="285750" indent="-285750">
+              <a:buFont typeface="Arial" panose="020B0604020202020204" pitchFamily="34" charset="0"/>
+              <a:buChar char="•"/>
+            </a:pPr>
+            <a:endParaRPr lang="da-DK" dirty="0"/>
+          </a:p>
+          <a:p>
+            <a:pPr marL="285750" indent="-285750">
+              <a:buFont typeface="Arial" panose="020B0604020202020204" pitchFamily="34" charset="0"/>
+              <a:buChar char="•"/>
+            </a:pPr>
+            <a:endParaRPr lang="en-US" dirty="0"/>
+          </a:p>
+        </p:txBody>
+      </p:sp>
+      <p:sp>
+        <p:nvSpPr>
+          <p:cNvPr id="5" name="Pladsholder til sidefod 4">
+            <a:extLst>
+              <a:ext uri="{FF2B5EF4-FFF2-40B4-BE49-F238E27FC236}">
+                <a16:creationId xmlns:a16="http://schemas.microsoft.com/office/drawing/2014/main" id="{7469E643-7544-AF9F-B305-5C5F06550C5E}"/>
+              </a:ext>
+            </a:extLst>
+          </p:cNvPr>
+          <p:cNvSpPr>
+            <a:spLocks noGrp="1"/>
+          </p:cNvSpPr>
+          <p:nvPr>
+            <p:ph type="ftr" sz="quarter" idx="11"/>
+          </p:nvPr>
+        </p:nvSpPr>
+        <p:spPr/>
+        <p:txBody>
+          <a:bodyPr/>
+          <a:lstStyle/>
+          <a:p>
+            <a:endParaRPr lang="da-DK"/>
+          </a:p>
+        </p:txBody>
+      </p:sp>
+      <p:sp>
+        <p:nvSpPr>
+          <p:cNvPr id="6" name="Pladsholder til slidenummer 5">
+            <a:extLst>
+              <a:ext uri="{FF2B5EF4-FFF2-40B4-BE49-F238E27FC236}">
+                <a16:creationId xmlns:a16="http://schemas.microsoft.com/office/drawing/2014/main" id="{1E2A2329-5062-A18E-F129-6CBACB2E6D3C}"/>
+              </a:ext>
+            </a:extLst>
+          </p:cNvPr>
+          <p:cNvSpPr>
+            <a:spLocks noGrp="1"/>
+          </p:cNvSpPr>
+          <p:nvPr>
+            <p:ph type="sldNum" sz="quarter" idx="12"/>
+          </p:nvPr>
+        </p:nvSpPr>
+        <p:spPr/>
+        <p:txBody>
+          <a:bodyPr/>
+          <a:lstStyle/>
+          <a:p>
+            <a:fld id="{7D821011-DD97-40DE-9870-3870B0BF8BC7}" type="slidenum">
+              <a:rPr lang="da-DK" smtClean="0"/>
+              <a:t>8</a:t>
+            </a:fld>
+            <a:endParaRPr lang="da-DK"/>
+          </a:p>
+        </p:txBody>
+      </p:sp>
+      <p:pic>
+        <p:nvPicPr>
+          <p:cNvPr id="8" name="Billede 7">
+            <a:extLst>
+              <a:ext uri="{FF2B5EF4-FFF2-40B4-BE49-F238E27FC236}">
+                <a16:creationId xmlns:a16="http://schemas.microsoft.com/office/drawing/2014/main" id="{CE71C901-2296-B74B-7A23-7ED86F3FF213}"/>
+              </a:ext>
+            </a:extLst>
+          </p:cNvPr>
+          <p:cNvPicPr>
+            <a:picLocks noChangeAspect="1"/>
+          </p:cNvPicPr>
+          <p:nvPr/>
+        </p:nvPicPr>
+        <p:blipFill>
+          <a:blip r:embed="rId3"/>
+          <a:stretch>
+            <a:fillRect/>
+          </a:stretch>
+        </p:blipFill>
+        <p:spPr>
+          <a:xfrm>
+            <a:off x="432000" y="4070579"/>
+            <a:ext cx="5171090" cy="1166518"/>
+          </a:xfrm>
+          <a:prstGeom prst="rect">
+            <a:avLst/>
+          </a:prstGeom>
+        </p:spPr>
+      </p:pic>
+      <p:pic>
+        <p:nvPicPr>
+          <p:cNvPr id="10" name="Billede 9">
+            <a:extLst>
+              <a:ext uri="{FF2B5EF4-FFF2-40B4-BE49-F238E27FC236}">
+                <a16:creationId xmlns:a16="http://schemas.microsoft.com/office/drawing/2014/main" id="{5A711D07-3C7C-58E5-FDB4-E5860AB99954}"/>
+              </a:ext>
+            </a:extLst>
+          </p:cNvPr>
+          <p:cNvPicPr>
+            <a:picLocks noChangeAspect="1"/>
+          </p:cNvPicPr>
+          <p:nvPr/>
+        </p:nvPicPr>
+        <p:blipFill>
+          <a:blip r:embed="rId4"/>
+          <a:stretch>
+            <a:fillRect/>
+          </a:stretch>
+        </p:blipFill>
+        <p:spPr>
+          <a:xfrm>
+            <a:off x="418881" y="5237097"/>
+            <a:ext cx="5413594" cy="959371"/>
           </a:xfrm>
           <a:prstGeom prst="rect">
             <a:avLst/>
@@ -16948,7 +17993,7 @@
     </p:spTree>
     <p:extLst>
       <p:ext uri="{BB962C8B-B14F-4D97-AF65-F5344CB8AC3E}">
-        <p14:creationId xmlns:p14="http://schemas.microsoft.com/office/powerpoint/2010/main" val="218711814"/>
+        <p14:creationId xmlns:p14="http://schemas.microsoft.com/office/powerpoint/2010/main" val="1855822566"/>
       </p:ext>
     </p:extLst>
   </p:cSld>
@@ -16980,7 +18025,7 @@
           <p:cNvPr id="2" name="Titel 1">
             <a:extLst>
               <a:ext uri="{FF2B5EF4-FFF2-40B4-BE49-F238E27FC236}">
-                <a16:creationId xmlns:a16="http://schemas.microsoft.com/office/drawing/2014/main" id="{D67FDFD1-8005-5640-1E6F-3EEE783D9D83}"/>
+                <a16:creationId xmlns:a16="http://schemas.microsoft.com/office/drawing/2014/main" id="{436A32E8-BF36-D0BF-C71B-13D0C2FCFBCE}"/>
               </a:ext>
             </a:extLst>
           </p:cNvPr>
@@ -16998,7 +18043,7 @@
           <a:p>
             <a:r>
               <a:rPr lang="da-DK" dirty="0"/>
-              <a:t>Videre arbejde med dette projekt: </a:t>
+              <a:t>Mekanismerne bag løn-kanalen</a:t>
             </a:r>
             <a:endParaRPr lang="en-US" dirty="0"/>
           </a:p>
@@ -17006,18 +18051,18 @@
       </p:sp>
       <p:sp>
         <p:nvSpPr>
-          <p:cNvPr id="3" name="Pladsholder til indhold 2">
-            <a:extLst>
-              <a:ext uri="{FF2B5EF4-FFF2-40B4-BE49-F238E27FC236}">
-                <a16:creationId xmlns:a16="http://schemas.microsoft.com/office/drawing/2014/main" id="{45553659-7AFE-B050-CE0F-D2A2F36A3762}"/>
-              </a:ext>
-            </a:extLst>
-          </p:cNvPr>
-          <p:cNvSpPr>
-            <a:spLocks noGrp="1"/>
-          </p:cNvSpPr>
-          <p:nvPr>
-            <p:ph idx="1"/>
+          <p:cNvPr id="4" name="Pladsholder til tekst 3">
+            <a:extLst>
+              <a:ext uri="{FF2B5EF4-FFF2-40B4-BE49-F238E27FC236}">
+                <a16:creationId xmlns:a16="http://schemas.microsoft.com/office/drawing/2014/main" id="{33DB0675-B5BE-EF19-CD17-C588F65C4665}"/>
+              </a:ext>
+            </a:extLst>
+          </p:cNvPr>
+          <p:cNvSpPr>
+            <a:spLocks noGrp="1"/>
+          </p:cNvSpPr>
+          <p:nvPr>
+            <p:ph type="body" sz="half" idx="2"/>
           </p:nvPr>
         </p:nvSpPr>
         <p:spPr/>
@@ -17025,24 +18070,56 @@
           <a:bodyPr/>
           <a:lstStyle/>
           <a:p>
-            <a:endParaRPr lang="en-US"/>
-          </a:p>
-        </p:txBody>
-      </p:sp>
-      <p:sp>
-        <p:nvSpPr>
-          <p:cNvPr id="4" name="Pladsholder til tekst 3">
-            <a:extLst>
-              <a:ext uri="{FF2B5EF4-FFF2-40B4-BE49-F238E27FC236}">
-                <a16:creationId xmlns:a16="http://schemas.microsoft.com/office/drawing/2014/main" id="{FC43D50F-E96B-D266-C532-CFA41B29E340}"/>
-              </a:ext>
-            </a:extLst>
-          </p:cNvPr>
-          <p:cNvSpPr>
-            <a:spLocks noGrp="1"/>
-          </p:cNvSpPr>
-          <p:nvPr>
-            <p:ph type="body" sz="half" idx="2"/>
+            <a:endParaRPr lang="da-DK" dirty="0"/>
+          </a:p>
+          <a:p>
+            <a:pPr marL="285750" indent="-285750">
+              <a:buFont typeface="Arial" panose="020B0604020202020204" pitchFamily="34" charset="0"/>
+              <a:buChar char="•"/>
+            </a:pPr>
+            <a:r>
+              <a:rPr lang="da-DK" dirty="0"/>
+              <a:t>Vi ser kun en lille ændring I </a:t>
+            </a:r>
+            <a:r>
+              <a:rPr lang="da-DK" dirty="0" err="1"/>
+              <a:t>unemployment</a:t>
+            </a:r>
+            <a:r>
+              <a:rPr lang="da-DK" dirty="0"/>
+              <a:t> som falder grundet den højere økonomiske aktivitet. </a:t>
+            </a:r>
+          </a:p>
+          <a:p>
+            <a:pPr marL="285750" indent="-285750">
+              <a:buFont typeface="Arial" panose="020B0604020202020204" pitchFamily="34" charset="0"/>
+              <a:buChar char="•"/>
+            </a:pPr>
+            <a:endParaRPr lang="en-US" dirty="0"/>
+          </a:p>
+          <a:p>
+            <a:pPr marL="285750" indent="-285750">
+              <a:buFont typeface="Arial" panose="020B0604020202020204" pitchFamily="34" charset="0"/>
+              <a:buChar char="•"/>
+            </a:pPr>
+            <a:endParaRPr lang="en-US" dirty="0"/>
+          </a:p>
+        </p:txBody>
+      </p:sp>
+      <p:sp>
+        <p:nvSpPr>
+          <p:cNvPr id="5" name="Pladsholder til sidefod 4">
+            <a:extLst>
+              <a:ext uri="{FF2B5EF4-FFF2-40B4-BE49-F238E27FC236}">
+                <a16:creationId xmlns:a16="http://schemas.microsoft.com/office/drawing/2014/main" id="{ECC094D0-654D-4DB0-98B8-5648C65B43A0}"/>
+              </a:ext>
+            </a:extLst>
+          </p:cNvPr>
+          <p:cNvSpPr>
+            <a:spLocks noGrp="1"/>
+          </p:cNvSpPr>
+          <p:nvPr>
+            <p:ph type="ftr" sz="quarter" idx="11"/>
           </p:nvPr>
         </p:nvSpPr>
         <p:spPr/>
@@ -17050,31 +18127,6 @@
           <a:bodyPr/>
           <a:lstStyle/>
           <a:p>
-            <a:endParaRPr lang="en-US"/>
-          </a:p>
-        </p:txBody>
-      </p:sp>
-      <p:sp>
-        <p:nvSpPr>
-          <p:cNvPr id="5" name="Pladsholder til sidefod 4">
-            <a:extLst>
-              <a:ext uri="{FF2B5EF4-FFF2-40B4-BE49-F238E27FC236}">
-                <a16:creationId xmlns:a16="http://schemas.microsoft.com/office/drawing/2014/main" id="{8697695B-2EAD-31D5-08DD-39210884AC5F}"/>
-              </a:ext>
-            </a:extLst>
-          </p:cNvPr>
-          <p:cNvSpPr>
-            <a:spLocks noGrp="1"/>
-          </p:cNvSpPr>
-          <p:nvPr>
-            <p:ph type="ftr" sz="quarter" idx="11"/>
-          </p:nvPr>
-        </p:nvSpPr>
-        <p:spPr/>
-        <p:txBody>
-          <a:bodyPr/>
-          <a:lstStyle/>
-          <a:p>
             <a:endParaRPr lang="da-DK"/>
           </a:p>
         </p:txBody>
@@ -17084,7 +18136,7 @@
           <p:cNvPr id="6" name="Pladsholder til slidenummer 5">
             <a:extLst>
               <a:ext uri="{FF2B5EF4-FFF2-40B4-BE49-F238E27FC236}">
-                <a16:creationId xmlns:a16="http://schemas.microsoft.com/office/drawing/2014/main" id="{477EA8CD-96CC-B473-71E2-218BA3929F51}"/>
+                <a16:creationId xmlns:a16="http://schemas.microsoft.com/office/drawing/2014/main" id="{A59A25C0-AE36-E396-F97A-63B4714A2C86}"/>
               </a:ext>
             </a:extLst>
           </p:cNvPr>
@@ -17108,10 +18160,42 @@
           </a:p>
         </p:txBody>
       </p:sp>
+      <p:pic>
+        <p:nvPicPr>
+          <p:cNvPr id="10" name="Pladsholder til indhold 9">
+            <a:extLst>
+              <a:ext uri="{FF2B5EF4-FFF2-40B4-BE49-F238E27FC236}">
+                <a16:creationId xmlns:a16="http://schemas.microsoft.com/office/drawing/2014/main" id="{04750019-20AE-7E74-CF12-02B652EFC35D}"/>
+              </a:ext>
+            </a:extLst>
+          </p:cNvPr>
+          <p:cNvPicPr>
+            <a:picLocks noGrp="1" noChangeAspect="1"/>
+          </p:cNvPicPr>
+          <p:nvPr>
+            <p:ph idx="1"/>
+          </p:nvPr>
+        </p:nvPicPr>
+        <p:blipFill>
+          <a:blip r:embed="rId2"/>
+          <a:stretch>
+            <a:fillRect/>
+          </a:stretch>
+        </p:blipFill>
+        <p:spPr>
+          <a:xfrm>
+            <a:off x="5183188" y="1519673"/>
+            <a:ext cx="6172200" cy="3809129"/>
+          </a:xfrm>
+          <a:prstGeom prst="rect">
+            <a:avLst/>
+          </a:prstGeom>
+        </p:spPr>
+      </p:pic>
     </p:spTree>
     <p:extLst>
       <p:ext uri="{BB962C8B-B14F-4D97-AF65-F5344CB8AC3E}">
-        <p14:creationId xmlns:p14="http://schemas.microsoft.com/office/powerpoint/2010/main" val="1506612743"/>
+        <p14:creationId xmlns:p14="http://schemas.microsoft.com/office/powerpoint/2010/main" val="218711814"/>
       </p:ext>
     </p:extLst>
   </p:cSld>
@@ -18533,6 +19617,15 @@
 </file>
 
 <file path=customXml/item1.xml><?xml version="1.0" encoding="utf-8"?>
+<p:properties xmlns:p="http://schemas.microsoft.com/office/2006/metadata/properties" xmlns:xsi="http://www.w3.org/2001/XMLSchema-instance" xmlns:pc="http://schemas.microsoft.com/office/infopath/2007/PartnerControls">
+  <documentManagement>
+    <_ip_UnifiedCompliancePolicyUIAction xmlns="http://schemas.microsoft.com/sharepoint/v3" xsi:nil="true"/>
+    <_ip_UnifiedCompliancePolicyProperties xmlns="http://schemas.microsoft.com/sharepoint/v3" xsi:nil="true"/>
+  </documentManagement>
+</p:properties>
+</file>
+
+<file path=customXml/item2.xml><?xml version="1.0" encoding="utf-8"?>
 <ct:contentTypeSchema xmlns:ct="http://schemas.microsoft.com/office/2006/metadata/contentType" xmlns:ma="http://schemas.microsoft.com/office/2006/metadata/properties/metaAttributes" ct:_="" ma:_="" ma:contentTypeName="Document" ma:contentTypeID="0x010100DEEA25CC0A0AC24199CDC46C25B8B0BC" ma:contentTypeVersion="9" ma:contentTypeDescription="Create a new document." ma:contentTypeScope="" ma:versionID="76e25e1730b4532ab1d5e5b131a96a5a">
   <xsd:schema xmlns:xsd="http://www.w3.org/2001/XMLSchema" xmlns:xs="http://www.w3.org/2001/XMLSchema" xmlns:p="http://schemas.microsoft.com/office/2006/metadata/properties" xmlns:ns1="http://schemas.microsoft.com/sharepoint/v3" xmlns:ns2="6dc4bcd6-49db-4c07-9060-8acfc67cef9f" xmlns:ns3="fb0879af-3eba-417a-a55a-ffe6dcd6ca77" targetNamespace="http://schemas.microsoft.com/office/2006/metadata/properties" ma:root="true" ma:fieldsID="ad1e9281a84c4949647088091c718de3" ns1:_="" ns2:_="" ns3:_="">
     <xsd:import namespace="http://schemas.microsoft.com/sharepoint/v3"/>
@@ -18734,16 +19827,25 @@
 </ct:contentTypeSchema>
 </file>
 
-<file path=customXml/item2.xml><?xml version="1.0" encoding="utf-8"?>
-<p:properties xmlns:p="http://schemas.microsoft.com/office/2006/metadata/properties" xmlns:xsi="http://www.w3.org/2001/XMLSchema-instance" xmlns:pc="http://schemas.microsoft.com/office/infopath/2007/PartnerControls">
-  <documentManagement>
-    <_ip_UnifiedCompliancePolicyUIAction xmlns="http://schemas.microsoft.com/sharepoint/v3" xsi:nil="true"/>
-    <_ip_UnifiedCompliancePolicyProperties xmlns="http://schemas.microsoft.com/sharepoint/v3" xsi:nil="true"/>
-  </documentManagement>
-</p:properties>
+<file path=customXml/itemProps1.xml><?xml version="1.0" encoding="utf-8"?>
+<ds:datastoreItem xmlns:ds="http://schemas.openxmlformats.org/officeDocument/2006/customXml" ds:itemID="{EB2218FC-8412-44B9-9E82-D51F1F531141}">
+  <ds:schemaRefs>
+    <ds:schemaRef ds:uri="6dc4bcd6-49db-4c07-9060-8acfc67cef9f"/>
+    <ds:schemaRef ds:uri="fb0879af-3eba-417a-a55a-ffe6dcd6ca77"/>
+    <ds:schemaRef ds:uri="http://purl.org/dc/dcmitype/"/>
+    <ds:schemaRef ds:uri="http://purl.org/dc/elements/1.1/"/>
+    <ds:schemaRef ds:uri="http://purl.org/dc/terms/"/>
+    <ds:schemaRef ds:uri="http://schemas.microsoft.com/office/2006/documentManagement/types"/>
+    <ds:schemaRef ds:uri="http://schemas.microsoft.com/office/2006/metadata/properties"/>
+    <ds:schemaRef ds:uri="http://schemas.microsoft.com/office/infopath/2007/PartnerControls"/>
+    <ds:schemaRef ds:uri="http://schemas.microsoft.com/sharepoint/v3"/>
+    <ds:schemaRef ds:uri="http://schemas.openxmlformats.org/package/2006/metadata/core-properties"/>
+    <ds:schemaRef ds:uri="http://www.w3.org/XML/1998/namespace"/>
+  </ds:schemaRefs>
+</ds:datastoreItem>
 </file>
 
-<file path=customXml/itemProps1.xml><?xml version="1.0" encoding="utf-8"?>
+<file path=customXml/itemProps2.xml><?xml version="1.0" encoding="utf-8"?>
 <ds:datastoreItem xmlns:ds="http://schemas.openxmlformats.org/officeDocument/2006/customXml" ds:itemID="{B64A4C9D-F801-4923-BC6D-E0006F512331}">
   <ds:schemaRefs>
     <ds:schemaRef ds:uri="6dc4bcd6-49db-4c07-9060-8acfc67cef9f"/>
@@ -18761,22 +19863,4 @@
     <ds:schemaRef ds:uri="http://www.w3.org/2001/XMLSchema"/>
   </ds:schemaRefs>
 </ds:datastoreItem>
-</file>
-
-<file path=customXml/itemProps2.xml><?xml version="1.0" encoding="utf-8"?>
-<ds:datastoreItem xmlns:ds="http://schemas.openxmlformats.org/officeDocument/2006/customXml" ds:itemID="{EB2218FC-8412-44B9-9E82-D51F1F531141}">
-  <ds:schemaRefs>
-    <ds:schemaRef ds:uri="6dc4bcd6-49db-4c07-9060-8acfc67cef9f"/>
-    <ds:schemaRef ds:uri="fb0879af-3eba-417a-a55a-ffe6dcd6ca77"/>
-    <ds:schemaRef ds:uri="http://purl.org/dc/dcmitype/"/>
-    <ds:schemaRef ds:uri="http://purl.org/dc/elements/1.1/"/>
-    <ds:schemaRef ds:uri="http://purl.org/dc/terms/"/>
-    <ds:schemaRef ds:uri="http://schemas.microsoft.com/office/2006/documentManagement/types"/>
-    <ds:schemaRef ds:uri="http://schemas.microsoft.com/office/2006/metadata/properties"/>
-    <ds:schemaRef ds:uri="http://schemas.microsoft.com/office/infopath/2007/PartnerControls"/>
-    <ds:schemaRef ds:uri="http://schemas.microsoft.com/sharepoint/v3"/>
-    <ds:schemaRef ds:uri="http://schemas.openxmlformats.org/package/2006/metadata/core-properties"/>
-    <ds:schemaRef ds:uri="http://www.w3.org/XML/1998/namespace"/>
-  </ds:schemaRefs>
-</ds:datastoreItem>
 </file>
--- a/PP-Eksamen.pptx
+++ b/PP-Eksamen.pptx
@@ -235,7 +235,7 @@
             <a:pPr rtl="0"/>
             <a:fld id="{55E61672-F5C5-4779-82D0-2CB512266C83}" type="datetime1">
               <a:rPr lang="da-DK" smtClean="0"/>
-              <a:t>09-12-2022</a:t>
+              <a:t>12-12-2022</a:t>
             </a:fld>
             <a:endParaRPr lang="da-DK"/>
           </a:p>
@@ -417,7 +417,7 @@
             <a:pPr rtl="0"/>
             <a:fld id="{3BF2FAAE-175D-4D44-9F42-88DCE56028D1}" type="datetime1">
               <a:rPr lang="da-DK" noProof="0" smtClean="0"/>
-              <a:t>09-12-2022</a:t>
+              <a:t>12-12-2022</a:t>
             </a:fld>
             <a:endParaRPr lang="da-DK" noProof="0"/>
           </a:p>
@@ -773,6 +773,91 @@
 </p:notes>
 </file>
 
+<file path=ppt/notesSlides/notesSlide10.xml><?xml version="1.0" encoding="utf-8"?>
+<p:notes xmlns:a="http://schemas.openxmlformats.org/drawingml/2006/main" xmlns:r="http://schemas.openxmlformats.org/officeDocument/2006/relationships" xmlns:p="http://schemas.openxmlformats.org/presentationml/2006/main">
+  <p:cSld>
+    <p:spTree>
+      <p:nvGrpSpPr>
+        <p:cNvPr id="1" name=""/>
+        <p:cNvGrpSpPr/>
+        <p:nvPr/>
+      </p:nvGrpSpPr>
+      <p:grpSpPr>
+        <a:xfrm>
+          <a:off x="0" y="0"/>
+          <a:ext cx="0" cy="0"/>
+          <a:chOff x="0" y="0"/>
+          <a:chExt cx="0" cy="0"/>
+        </a:xfrm>
+      </p:grpSpPr>
+      <p:sp>
+        <p:nvSpPr>
+          <p:cNvPr id="2" name="Pladsholder til slidebillede 1"/>
+          <p:cNvSpPr>
+            <a:spLocks noGrp="1" noRot="1" noChangeAspect="1"/>
+          </p:cNvSpPr>
+          <p:nvPr>
+            <p:ph type="sldImg"/>
+          </p:nvPr>
+        </p:nvSpPr>
+        <p:spPr/>
+      </p:sp>
+      <p:sp>
+        <p:nvSpPr>
+          <p:cNvPr id="3" name="Pladsholder til noter 2"/>
+          <p:cNvSpPr>
+            <a:spLocks noGrp="1"/>
+          </p:cNvSpPr>
+          <p:nvPr>
+            <p:ph type="body" idx="1"/>
+          </p:nvPr>
+        </p:nvSpPr>
+        <p:spPr/>
+        <p:txBody>
+          <a:bodyPr/>
+          <a:lstStyle/>
+          <a:p>
+            <a:endParaRPr lang="da-DK"/>
+          </a:p>
+        </p:txBody>
+      </p:sp>
+      <p:sp>
+        <p:nvSpPr>
+          <p:cNvPr id="4" name="Pladsholder til slidenummer 3"/>
+          <p:cNvSpPr>
+            <a:spLocks noGrp="1"/>
+          </p:cNvSpPr>
+          <p:nvPr>
+            <p:ph type="sldNum" sz="quarter" idx="10"/>
+          </p:nvPr>
+        </p:nvSpPr>
+        <p:spPr/>
+        <p:txBody>
+          <a:bodyPr/>
+          <a:lstStyle/>
+          <a:p>
+            <a:pPr rtl="0"/>
+            <a:fld id="{8530193B-564F-4854-8A52-728F3FB19C85}" type="slidenum">
+              <a:rPr lang="da-DK" smtClean="0"/>
+              <a:t>11</a:t>
+            </a:fld>
+            <a:endParaRPr lang="da-DK"/>
+          </a:p>
+        </p:txBody>
+      </p:sp>
+    </p:spTree>
+    <p:extLst>
+      <p:ext uri="{BB962C8B-B14F-4D97-AF65-F5344CB8AC3E}">
+        <p14:creationId xmlns:p14="http://schemas.microsoft.com/office/powerpoint/2010/main" val="1257640850"/>
+      </p:ext>
+    </p:extLst>
+  </p:cSld>
+  <p:clrMapOvr>
+    <a:masterClrMapping/>
+  </p:clrMapOvr>
+</p:notes>
+</file>
+
 <file path=ppt/notesSlides/notesSlide2.xml><?xml version="1.0" encoding="utf-8"?>
 <p:notes xmlns:a="http://schemas.openxmlformats.org/drawingml/2006/main" xmlns:r="http://schemas.openxmlformats.org/officeDocument/2006/relationships" xmlns:p="http://schemas.openxmlformats.org/presentationml/2006/main">
   <p:cSld>
@@ -902,7 +987,10 @@
           <a:bodyPr/>
           <a:lstStyle/>
           <a:p>
-            <a:endParaRPr lang="da-DK" dirty="0"/>
+            <a:r>
+              <a:rPr lang="da-DK" dirty="0"/>
+              <a:t>1. Kort forklare hvordan maximal dagpenge sats er regnet, hvor jeg bruger lønudviklingen fra data der går i modellen. </a:t>
+            </a:r>
           </a:p>
         </p:txBody>
       </p:sp>
@@ -987,6 +1075,136 @@
           <a:bodyPr/>
           <a:lstStyle/>
           <a:p>
+            <a:pPr marL="228600" indent="-228600">
+              <a:buAutoNum type="arabicPeriod"/>
+            </a:pPr>
+            <a:r>
+              <a:rPr lang="da-DK" dirty="0"/>
+              <a:t>Forklar </a:t>
+            </a:r>
+            <a:r>
+              <a:rPr lang="da-DK" dirty="0" err="1"/>
+              <a:t>if-else</a:t>
+            </a:r>
+            <a:r>
+              <a:rPr lang="da-DK" dirty="0"/>
+              <a:t> funktion </a:t>
+            </a:r>
+          </a:p>
+          <a:p>
+            <a:pPr marL="228600" indent="-228600">
+              <a:buAutoNum type="arabicPeriod"/>
+            </a:pPr>
+            <a:endParaRPr lang="da-DK" dirty="0"/>
+          </a:p>
+          <a:p>
+            <a:pPr marL="228600" indent="-228600">
+              <a:buAutoNum type="arabicPeriod"/>
+            </a:pPr>
+            <a:r>
+              <a:rPr lang="da-DK" dirty="0"/>
+              <a:t>Vis at i baseline virker den som den skal, når </a:t>
+            </a:r>
+            <a:r>
+              <a:rPr lang="da-DK" dirty="0" err="1"/>
+              <a:t>wage_gap</a:t>
+            </a:r>
+            <a:r>
+              <a:rPr lang="da-DK" dirty="0"/>
+              <a:t> (t-1) er under </a:t>
+            </a:r>
+            <a:r>
+              <a:rPr lang="da-DK" dirty="0" err="1"/>
+              <a:t>min_gap</a:t>
+            </a:r>
+            <a:r>
+              <a:rPr lang="da-DK" dirty="0"/>
+              <a:t> sættes </a:t>
+            </a:r>
+            <a:r>
+              <a:rPr lang="da-DK" dirty="0" err="1"/>
+              <a:t>wagegap</a:t>
+            </a:r>
+            <a:r>
+              <a:rPr lang="da-DK" dirty="0"/>
+              <a:t> </a:t>
+            </a:r>
+            <a:r>
+              <a:rPr lang="da-DK" dirty="0" err="1"/>
+              <a:t>ligmed</a:t>
+            </a:r>
+            <a:r>
+              <a:rPr lang="da-DK" dirty="0"/>
+              <a:t> de 42% Som er udledt af (</a:t>
+            </a:r>
+            <a:r>
+              <a:rPr lang="da-DK" dirty="0" err="1"/>
+              <a:t>wage_dst-max_dp</a:t>
+            </a:r>
+            <a:r>
+              <a:rPr lang="da-DK" dirty="0"/>
+              <a:t>)/</a:t>
+            </a:r>
+            <a:r>
+              <a:rPr lang="da-DK" dirty="0" err="1"/>
+              <a:t>wage_dst</a:t>
+            </a:r>
+            <a:r>
+              <a:rPr lang="da-DK" dirty="0"/>
+              <a:t> = </a:t>
+            </a:r>
+            <a:r>
+              <a:rPr lang="da-DK" dirty="0" err="1"/>
+              <a:t>min_gap</a:t>
+            </a:r>
+            <a:endParaRPr lang="da-DK" dirty="0"/>
+          </a:p>
+          <a:p>
+            <a:pPr marL="228600" indent="-228600">
+              <a:buAutoNum type="arabicPeriod"/>
+            </a:pPr>
+            <a:endParaRPr lang="da-DK" dirty="0"/>
+          </a:p>
+          <a:p>
+            <a:pPr marL="228600" indent="-228600">
+              <a:buAutoNum type="arabicPeriod"/>
+            </a:pPr>
+            <a:r>
+              <a:rPr lang="da-DK" dirty="0"/>
+              <a:t>Vis at i </a:t>
+            </a:r>
+            <a:r>
+              <a:rPr lang="da-DK" dirty="0" err="1"/>
+              <a:t>shock</a:t>
+            </a:r>
+            <a:r>
+              <a:rPr lang="da-DK" dirty="0"/>
+              <a:t> er det samme udvikling frem til 2016, hvorefter </a:t>
+            </a:r>
+            <a:r>
+              <a:rPr lang="da-DK" dirty="0" err="1"/>
+              <a:t>løn-gab</a:t>
+            </a:r>
+            <a:r>
+              <a:rPr lang="da-DK" dirty="0"/>
+              <a:t> falder grundet højere </a:t>
+            </a:r>
+            <a:r>
+              <a:rPr lang="da-DK" dirty="0" err="1"/>
+              <a:t>max_dp</a:t>
+            </a:r>
+            <a:r>
+              <a:rPr lang="da-DK" dirty="0"/>
+              <a:t>, men lønnen hæves nu tilsvarende for at beholde </a:t>
+            </a:r>
+            <a:r>
+              <a:rPr lang="da-DK" dirty="0" err="1"/>
+              <a:t>løn_gap</a:t>
+            </a:r>
+            <a:r>
+              <a:rPr lang="da-DK" dirty="0"/>
+              <a:t> på 42%</a:t>
+            </a:r>
             <a:endParaRPr lang="en-US" dirty="0"/>
           </a:p>
         </p:txBody>
@@ -1094,7 +1312,7 @@
             <a:pPr rtl="0"/>
             <a:fld id="{8530193B-564F-4854-8A52-728F3FB19C85}" type="slidenum">
               <a:rPr lang="da-DK" noProof="0" smtClean="0"/>
-              <a:t>7</a:t>
+              <a:t>6</a:t>
             </a:fld>
             <a:endParaRPr lang="da-DK" noProof="0"/>
           </a:p>
@@ -1103,7 +1321,7 @@
     </p:spTree>
     <p:extLst>
       <p:ext uri="{BB962C8B-B14F-4D97-AF65-F5344CB8AC3E}">
-        <p14:creationId xmlns:p14="http://schemas.microsoft.com/office/powerpoint/2010/main" val="2509657659"/>
+        <p14:creationId xmlns:p14="http://schemas.microsoft.com/office/powerpoint/2010/main" val="1793290637"/>
       </p:ext>
     </p:extLst>
   </p:cSld>
@@ -1157,7 +1375,7 @@
           <a:bodyPr/>
           <a:lstStyle/>
           <a:p>
-            <a:endParaRPr lang="da-DK"/>
+            <a:endParaRPr lang="en-US" dirty="0"/>
           </a:p>
         </p:txBody>
       </p:sp>
@@ -1168,7 +1386,7 @@
             <a:spLocks noGrp="1"/>
           </p:cNvSpPr>
           <p:nvPr>
-            <p:ph type="sldNum" sz="quarter" idx="10"/>
+            <p:ph type="sldNum" sz="quarter" idx="5"/>
           </p:nvPr>
         </p:nvSpPr>
         <p:spPr/>
@@ -1178,17 +1396,342 @@
           <a:p>
             <a:pPr rtl="0"/>
             <a:fld id="{8530193B-564F-4854-8A52-728F3FB19C85}" type="slidenum">
-              <a:rPr lang="da-DK" smtClean="0"/>
-              <a:t>11</a:t>
+              <a:rPr lang="da-DK" noProof="0" smtClean="0"/>
+              <a:t>7</a:t>
             </a:fld>
-            <a:endParaRPr lang="da-DK"/>
+            <a:endParaRPr lang="da-DK" noProof="0"/>
           </a:p>
         </p:txBody>
       </p:sp>
     </p:spTree>
     <p:extLst>
       <p:ext uri="{BB962C8B-B14F-4D97-AF65-F5344CB8AC3E}">
-        <p14:creationId xmlns:p14="http://schemas.microsoft.com/office/powerpoint/2010/main" val="1257640850"/>
+        <p14:creationId xmlns:p14="http://schemas.microsoft.com/office/powerpoint/2010/main" val="2509657659"/>
+      </p:ext>
+    </p:extLst>
+  </p:cSld>
+  <p:clrMapOvr>
+    <a:masterClrMapping/>
+  </p:clrMapOvr>
+</p:notes>
+</file>
+
+<file path=ppt/notesSlides/notesSlide7.xml><?xml version="1.0" encoding="utf-8"?>
+<p:notes xmlns:a="http://schemas.openxmlformats.org/drawingml/2006/main" xmlns:r="http://schemas.openxmlformats.org/officeDocument/2006/relationships" xmlns:p="http://schemas.openxmlformats.org/presentationml/2006/main">
+  <p:cSld>
+    <p:spTree>
+      <p:nvGrpSpPr>
+        <p:cNvPr id="1" name=""/>
+        <p:cNvGrpSpPr/>
+        <p:nvPr/>
+      </p:nvGrpSpPr>
+      <p:grpSpPr>
+        <a:xfrm>
+          <a:off x="0" y="0"/>
+          <a:ext cx="0" cy="0"/>
+          <a:chOff x="0" y="0"/>
+          <a:chExt cx="0" cy="0"/>
+        </a:xfrm>
+      </p:grpSpPr>
+      <p:sp>
+        <p:nvSpPr>
+          <p:cNvPr id="2" name="Pladsholder til slidebillede 1"/>
+          <p:cNvSpPr>
+            <a:spLocks noGrp="1" noRot="1" noChangeAspect="1"/>
+          </p:cNvSpPr>
+          <p:nvPr>
+            <p:ph type="sldImg"/>
+          </p:nvPr>
+        </p:nvSpPr>
+        <p:spPr/>
+      </p:sp>
+      <p:sp>
+        <p:nvSpPr>
+          <p:cNvPr id="3" name="Pladsholder til noter 2"/>
+          <p:cNvSpPr>
+            <a:spLocks noGrp="1"/>
+          </p:cNvSpPr>
+          <p:nvPr>
+            <p:ph type="body" idx="1"/>
+          </p:nvPr>
+        </p:nvSpPr>
+        <p:spPr/>
+        <p:txBody>
+          <a:bodyPr/>
+          <a:lstStyle/>
+          <a:p>
+            <a:pPr marL="228600" indent="-228600">
+              <a:buAutoNum type="arabicPeriod"/>
+            </a:pPr>
+            <a:r>
+              <a:rPr lang="da-DK" dirty="0"/>
+              <a:t>Vi kan se effekten på </a:t>
+            </a:r>
+            <a:r>
+              <a:rPr lang="da-DK" dirty="0" err="1"/>
+              <a:t>consumption</a:t>
+            </a:r>
+            <a:r>
+              <a:rPr lang="da-DK" dirty="0"/>
+              <a:t> og net eksport er forventet, men investeringerne stiger nu mere, skyldes at der ikke når at ske nogen korrektion på lang sigt. Derfor er det kun det kortsigtede estimat der når at påvirke investeringerne positivt. </a:t>
+            </a:r>
+          </a:p>
+          <a:p>
+            <a:pPr marL="228600" indent="-228600">
+              <a:buAutoNum type="arabicPeriod"/>
+            </a:pPr>
+            <a:endParaRPr lang="da-DK" dirty="0"/>
+          </a:p>
+          <a:p>
+            <a:pPr marL="228600" indent="-228600">
+              <a:buAutoNum type="arabicPeriod"/>
+            </a:pPr>
+            <a:r>
+              <a:rPr lang="da-DK" dirty="0"/>
+              <a:t>Derved ser vi faktisk en positiv effekt på GDP i forhold til baseline for den sidste del. </a:t>
+            </a:r>
+            <a:endParaRPr lang="en-US" dirty="0"/>
+          </a:p>
+        </p:txBody>
+      </p:sp>
+      <p:sp>
+        <p:nvSpPr>
+          <p:cNvPr id="4" name="Pladsholder til slidenummer 3"/>
+          <p:cNvSpPr>
+            <a:spLocks noGrp="1"/>
+          </p:cNvSpPr>
+          <p:nvPr>
+            <p:ph type="sldNum" sz="quarter" idx="5"/>
+          </p:nvPr>
+        </p:nvSpPr>
+        <p:spPr/>
+        <p:txBody>
+          <a:bodyPr/>
+          <a:lstStyle/>
+          <a:p>
+            <a:pPr rtl="0"/>
+            <a:fld id="{8530193B-564F-4854-8A52-728F3FB19C85}" type="slidenum">
+              <a:rPr lang="da-DK" noProof="0" smtClean="0"/>
+              <a:t>8</a:t>
+            </a:fld>
+            <a:endParaRPr lang="da-DK" noProof="0"/>
+          </a:p>
+        </p:txBody>
+      </p:sp>
+    </p:spTree>
+    <p:extLst>
+      <p:ext uri="{BB962C8B-B14F-4D97-AF65-F5344CB8AC3E}">
+        <p14:creationId xmlns:p14="http://schemas.microsoft.com/office/powerpoint/2010/main" val="676143939"/>
+      </p:ext>
+    </p:extLst>
+  </p:cSld>
+  <p:clrMapOvr>
+    <a:masterClrMapping/>
+  </p:clrMapOvr>
+</p:notes>
+</file>
+
+<file path=ppt/notesSlides/notesSlide8.xml><?xml version="1.0" encoding="utf-8"?>
+<p:notes xmlns:a="http://schemas.openxmlformats.org/drawingml/2006/main" xmlns:r="http://schemas.openxmlformats.org/officeDocument/2006/relationships" xmlns:p="http://schemas.openxmlformats.org/presentationml/2006/main">
+  <p:cSld>
+    <p:spTree>
+      <p:nvGrpSpPr>
+        <p:cNvPr id="1" name=""/>
+        <p:cNvGrpSpPr/>
+        <p:nvPr/>
+      </p:nvGrpSpPr>
+      <p:grpSpPr>
+        <a:xfrm>
+          <a:off x="0" y="0"/>
+          <a:ext cx="0" cy="0"/>
+          <a:chOff x="0" y="0"/>
+          <a:chExt cx="0" cy="0"/>
+        </a:xfrm>
+      </p:grpSpPr>
+      <p:sp>
+        <p:nvSpPr>
+          <p:cNvPr id="2" name="Pladsholder til slidebillede 1"/>
+          <p:cNvSpPr>
+            <a:spLocks noGrp="1" noRot="1" noChangeAspect="1"/>
+          </p:cNvSpPr>
+          <p:nvPr>
+            <p:ph type="sldImg"/>
+          </p:nvPr>
+        </p:nvSpPr>
+        <p:spPr/>
+      </p:sp>
+      <p:sp>
+        <p:nvSpPr>
+          <p:cNvPr id="3" name="Pladsholder til noter 2"/>
+          <p:cNvSpPr>
+            <a:spLocks noGrp="1"/>
+          </p:cNvSpPr>
+          <p:nvPr>
+            <p:ph type="body" idx="1"/>
+          </p:nvPr>
+        </p:nvSpPr>
+        <p:spPr/>
+        <p:txBody>
+          <a:bodyPr/>
+          <a:lstStyle/>
+          <a:p>
+            <a:r>
+              <a:rPr lang="da-DK" dirty="0"/>
+              <a:t>Vi kan se effekten ikke er særlig stor, og denne ændre heller ikke på </a:t>
+            </a:r>
+            <a:r>
+              <a:rPr lang="da-DK" dirty="0" err="1"/>
+              <a:t>konklutioner</a:t>
+            </a:r>
+            <a:r>
+              <a:rPr lang="da-DK" dirty="0"/>
+              <a:t>. </a:t>
+            </a:r>
+            <a:endParaRPr lang="en-US" dirty="0"/>
+          </a:p>
+        </p:txBody>
+      </p:sp>
+      <p:sp>
+        <p:nvSpPr>
+          <p:cNvPr id="4" name="Pladsholder til slidenummer 3"/>
+          <p:cNvSpPr>
+            <a:spLocks noGrp="1"/>
+          </p:cNvSpPr>
+          <p:nvPr>
+            <p:ph type="sldNum" sz="quarter" idx="5"/>
+          </p:nvPr>
+        </p:nvSpPr>
+        <p:spPr/>
+        <p:txBody>
+          <a:bodyPr/>
+          <a:lstStyle/>
+          <a:p>
+            <a:pPr rtl="0"/>
+            <a:fld id="{8530193B-564F-4854-8A52-728F3FB19C85}" type="slidenum">
+              <a:rPr lang="da-DK" noProof="0" smtClean="0"/>
+              <a:t>9</a:t>
+            </a:fld>
+            <a:endParaRPr lang="da-DK" noProof="0"/>
+          </a:p>
+        </p:txBody>
+      </p:sp>
+    </p:spTree>
+    <p:extLst>
+      <p:ext uri="{BB962C8B-B14F-4D97-AF65-F5344CB8AC3E}">
+        <p14:creationId xmlns:p14="http://schemas.microsoft.com/office/powerpoint/2010/main" val="4009138753"/>
+      </p:ext>
+    </p:extLst>
+  </p:cSld>
+  <p:clrMapOvr>
+    <a:masterClrMapping/>
+  </p:clrMapOvr>
+</p:notes>
+</file>
+
+<file path=ppt/notesSlides/notesSlide9.xml><?xml version="1.0" encoding="utf-8"?>
+<p:notes xmlns:a="http://schemas.openxmlformats.org/drawingml/2006/main" xmlns:r="http://schemas.openxmlformats.org/officeDocument/2006/relationships" xmlns:p="http://schemas.openxmlformats.org/presentationml/2006/main">
+  <p:cSld>
+    <p:spTree>
+      <p:nvGrpSpPr>
+        <p:cNvPr id="1" name=""/>
+        <p:cNvGrpSpPr/>
+        <p:nvPr/>
+      </p:nvGrpSpPr>
+      <p:grpSpPr>
+        <a:xfrm>
+          <a:off x="0" y="0"/>
+          <a:ext cx="0" cy="0"/>
+          <a:chOff x="0" y="0"/>
+          <a:chExt cx="0" cy="0"/>
+        </a:xfrm>
+      </p:grpSpPr>
+      <p:sp>
+        <p:nvSpPr>
+          <p:cNvPr id="2" name="Pladsholder til slidebillede 1"/>
+          <p:cNvSpPr>
+            <a:spLocks noGrp="1" noRot="1" noChangeAspect="1"/>
+          </p:cNvSpPr>
+          <p:nvPr>
+            <p:ph type="sldImg"/>
+          </p:nvPr>
+        </p:nvSpPr>
+        <p:spPr/>
+      </p:sp>
+      <p:sp>
+        <p:nvSpPr>
+          <p:cNvPr id="3" name="Pladsholder til noter 2"/>
+          <p:cNvSpPr>
+            <a:spLocks noGrp="1"/>
+          </p:cNvSpPr>
+          <p:nvPr>
+            <p:ph type="body" idx="1"/>
+          </p:nvPr>
+        </p:nvSpPr>
+        <p:spPr/>
+        <p:txBody>
+          <a:bodyPr/>
+          <a:lstStyle/>
+          <a:p>
+            <a:r>
+              <a:rPr lang="da-DK" dirty="0"/>
+              <a:t>1. Vi kan se speed of </a:t>
+            </a:r>
+            <a:r>
+              <a:rPr lang="da-DK" dirty="0" err="1"/>
+              <a:t>adjustment</a:t>
+            </a:r>
+            <a:r>
+              <a:rPr lang="da-DK" dirty="0"/>
+              <a:t> for </a:t>
+            </a:r>
+            <a:r>
+              <a:rPr lang="da-DK" dirty="0" err="1"/>
+              <a:t>wages</a:t>
+            </a:r>
+            <a:r>
+              <a:rPr lang="da-DK" dirty="0"/>
+              <a:t> er rimelig høj, så tilpasningen skulle gerne ske over to år </a:t>
+            </a:r>
+            <a:r>
+              <a:rPr lang="da-DK" dirty="0" err="1"/>
+              <a:t>ligsom</a:t>
+            </a:r>
+            <a:r>
+              <a:rPr lang="da-DK" dirty="0"/>
+              <a:t> ved mikro effekten. </a:t>
+            </a:r>
+            <a:endParaRPr lang="en-US" dirty="0"/>
+          </a:p>
+        </p:txBody>
+      </p:sp>
+      <p:sp>
+        <p:nvSpPr>
+          <p:cNvPr id="4" name="Pladsholder til slidenummer 3"/>
+          <p:cNvSpPr>
+            <a:spLocks noGrp="1"/>
+          </p:cNvSpPr>
+          <p:nvPr>
+            <p:ph type="sldNum" sz="quarter" idx="5"/>
+          </p:nvPr>
+        </p:nvSpPr>
+        <p:spPr/>
+        <p:txBody>
+          <a:bodyPr/>
+          <a:lstStyle/>
+          <a:p>
+            <a:pPr rtl="0"/>
+            <a:fld id="{8530193B-564F-4854-8A52-728F3FB19C85}" type="slidenum">
+              <a:rPr lang="da-DK" noProof="0" smtClean="0"/>
+              <a:t>10</a:t>
+            </a:fld>
+            <a:endParaRPr lang="da-DK" noProof="0"/>
+          </a:p>
+        </p:txBody>
+      </p:sp>
+    </p:spTree>
+    <p:extLst>
+      <p:ext uri="{BB962C8B-B14F-4D97-AF65-F5344CB8AC3E}">
+        <p14:creationId xmlns:p14="http://schemas.microsoft.com/office/powerpoint/2010/main" val="2527577633"/>
       </p:ext>
     </p:extLst>
   </p:cSld>
@@ -3631,7 +4174,7 @@
           <a:p>
             <a:fld id="{B79F5130-E299-47EE-B5CD-1B1CED0DAEB2}" type="datetimeFigureOut">
               <a:rPr lang="da-DK" smtClean="0"/>
-              <a:t>09-12-2022</a:t>
+              <a:t>12-12-2022</a:t>
             </a:fld>
             <a:endParaRPr lang="da-DK"/>
           </a:p>
@@ -3942,7 +4485,7 @@
           <a:p>
             <a:fld id="{B79F5130-E299-47EE-B5CD-1B1CED0DAEB2}" type="datetimeFigureOut">
               <a:rPr lang="da-DK" smtClean="0"/>
-              <a:t>09-12-2022</a:t>
+              <a:t>12-12-2022</a:t>
             </a:fld>
             <a:endParaRPr lang="da-DK"/>
           </a:p>
@@ -4162,7 +4705,7 @@
           <a:p>
             <a:fld id="{B79F5130-E299-47EE-B5CD-1B1CED0DAEB2}" type="datetimeFigureOut">
               <a:rPr lang="da-DK" smtClean="0"/>
-              <a:t>09-12-2022</a:t>
+              <a:t>12-12-2022</a:t>
             </a:fld>
             <a:endParaRPr lang="da-DK"/>
           </a:p>
@@ -4360,7 +4903,7 @@
           <a:p>
             <a:fld id="{B79F5130-E299-47EE-B5CD-1B1CED0DAEB2}" type="datetimeFigureOut">
               <a:rPr lang="da-DK" smtClean="0"/>
-              <a:t>09-12-2022</a:t>
+              <a:t>12-12-2022</a:t>
             </a:fld>
             <a:endParaRPr lang="da-DK"/>
           </a:p>
@@ -4635,7 +5178,7 @@
           <a:p>
             <a:fld id="{B79F5130-E299-47EE-B5CD-1B1CED0DAEB2}" type="datetimeFigureOut">
               <a:rPr lang="da-DK" smtClean="0"/>
-              <a:t>09-12-2022</a:t>
+              <a:t>12-12-2022</a:t>
             </a:fld>
             <a:endParaRPr lang="da-DK"/>
           </a:p>
@@ -5384,7 +5927,7 @@
           <a:p>
             <a:fld id="{B79F5130-E299-47EE-B5CD-1B1CED0DAEB2}" type="datetimeFigureOut">
               <a:rPr lang="da-DK" smtClean="0"/>
-              <a:t>09-12-2022</a:t>
+              <a:t>12-12-2022</a:t>
             </a:fld>
             <a:endParaRPr lang="da-DK"/>
           </a:p>
@@ -5796,7 +6339,7 @@
           <a:p>
             <a:fld id="{B79F5130-E299-47EE-B5CD-1B1CED0DAEB2}" type="datetimeFigureOut">
               <a:rPr lang="da-DK" smtClean="0"/>
-              <a:t>09-12-2022</a:t>
+              <a:t>12-12-2022</a:t>
             </a:fld>
             <a:endParaRPr lang="da-DK"/>
           </a:p>
@@ -5937,7 +6480,7 @@
           <a:p>
             <a:fld id="{B79F5130-E299-47EE-B5CD-1B1CED0DAEB2}" type="datetimeFigureOut">
               <a:rPr lang="da-DK" smtClean="0"/>
-              <a:t>09-12-2022</a:t>
+              <a:t>12-12-2022</a:t>
             </a:fld>
             <a:endParaRPr lang="da-DK"/>
           </a:p>
@@ -6050,7 +6593,7 @@
           <a:p>
             <a:fld id="{B79F5130-E299-47EE-B5CD-1B1CED0DAEB2}" type="datetimeFigureOut">
               <a:rPr lang="da-DK" smtClean="0"/>
-              <a:t>09-12-2022</a:t>
+              <a:t>12-12-2022</a:t>
             </a:fld>
             <a:endParaRPr lang="da-DK"/>
           </a:p>
@@ -6361,7 +6904,7 @@
           <a:p>
             <a:fld id="{B79F5130-E299-47EE-B5CD-1B1CED0DAEB2}" type="datetimeFigureOut">
               <a:rPr lang="da-DK" smtClean="0"/>
-              <a:t>09-12-2022</a:t>
+              <a:t>12-12-2022</a:t>
             </a:fld>
             <a:endParaRPr lang="da-DK"/>
           </a:p>
@@ -6649,7 +7192,7 @@
           <a:p>
             <a:fld id="{B79F5130-E299-47EE-B5CD-1B1CED0DAEB2}" type="datetimeFigureOut">
               <a:rPr lang="da-DK" smtClean="0"/>
-              <a:t>09-12-2022</a:t>
+              <a:t>12-12-2022</a:t>
             </a:fld>
             <a:endParaRPr lang="da-DK"/>
           </a:p>
@@ -6847,7 +7390,7 @@
           <a:p>
             <a:fld id="{B79F5130-E299-47EE-B5CD-1B1CED0DAEB2}" type="datetimeFigureOut">
               <a:rPr lang="da-DK" smtClean="0"/>
-              <a:t>09-12-2022</a:t>
+              <a:t>12-12-2022</a:t>
             </a:fld>
             <a:endParaRPr lang="da-DK"/>
           </a:p>
@@ -7055,7 +7598,7 @@
           <a:p>
             <a:fld id="{B79F5130-E299-47EE-B5CD-1B1CED0DAEB2}" type="datetimeFigureOut">
               <a:rPr lang="da-DK" smtClean="0"/>
-              <a:t>09-12-2022</a:t>
+              <a:t>12-12-2022</a:t>
             </a:fld>
             <a:endParaRPr lang="da-DK"/>
           </a:p>
@@ -7275,7 +7818,7 @@
           <a:p>
             <a:fld id="{39FCEA7D-B48D-4FF3-A040-A2BD89B31D64}" type="datetimeFigureOut">
               <a:rPr lang="da-DK" smtClean="0"/>
-              <a:t>09-12-2022</a:t>
+              <a:t>12-12-2022</a:t>
             </a:fld>
             <a:endParaRPr lang="da-DK"/>
           </a:p>
@@ -7473,7 +8016,7 @@
           <a:p>
             <a:fld id="{39FCEA7D-B48D-4FF3-A040-A2BD89B31D64}" type="datetimeFigureOut">
               <a:rPr lang="da-DK" smtClean="0"/>
-              <a:t>09-12-2022</a:t>
+              <a:t>12-12-2022</a:t>
             </a:fld>
             <a:endParaRPr lang="da-DK"/>
           </a:p>
@@ -8242,7 +8785,7 @@
           <a:p>
             <a:fld id="{39FCEA7D-B48D-4FF3-A040-A2BD89B31D64}" type="datetimeFigureOut">
               <a:rPr lang="da-DK" smtClean="0"/>
-              <a:t>09-12-2022</a:t>
+              <a:t>12-12-2022</a:t>
             </a:fld>
             <a:endParaRPr lang="da-DK"/>
           </a:p>
@@ -8507,7 +9050,7 @@
           <a:p>
             <a:fld id="{39FCEA7D-B48D-4FF3-A040-A2BD89B31D64}" type="datetimeFigureOut">
               <a:rPr lang="da-DK" smtClean="0"/>
-              <a:t>09-12-2022</a:t>
+              <a:t>12-12-2022</a:t>
             </a:fld>
             <a:endParaRPr lang="da-DK"/>
           </a:p>
@@ -8919,7 +9462,7 @@
           <a:p>
             <a:fld id="{39FCEA7D-B48D-4FF3-A040-A2BD89B31D64}" type="datetimeFigureOut">
               <a:rPr lang="da-DK" smtClean="0"/>
-              <a:t>09-12-2022</a:t>
+              <a:t>12-12-2022</a:t>
             </a:fld>
             <a:endParaRPr lang="da-DK"/>
           </a:p>
@@ -9060,7 +9603,7 @@
           <a:p>
             <a:fld id="{39FCEA7D-B48D-4FF3-A040-A2BD89B31D64}" type="datetimeFigureOut">
               <a:rPr lang="da-DK" smtClean="0"/>
-              <a:t>09-12-2022</a:t>
+              <a:t>12-12-2022</a:t>
             </a:fld>
             <a:endParaRPr lang="da-DK"/>
           </a:p>
@@ -9173,7 +9716,7 @@
           <a:p>
             <a:fld id="{39FCEA7D-B48D-4FF3-A040-A2BD89B31D64}" type="datetimeFigureOut">
               <a:rPr lang="da-DK" smtClean="0"/>
-              <a:t>09-12-2022</a:t>
+              <a:t>12-12-2022</a:t>
             </a:fld>
             <a:endParaRPr lang="da-DK"/>
           </a:p>
@@ -9484,7 +10027,7 @@
           <a:p>
             <a:fld id="{39FCEA7D-B48D-4FF3-A040-A2BD89B31D64}" type="datetimeFigureOut">
               <a:rPr lang="da-DK" smtClean="0"/>
-              <a:t>09-12-2022</a:t>
+              <a:t>12-12-2022</a:t>
             </a:fld>
             <a:endParaRPr lang="da-DK"/>
           </a:p>
@@ -9772,7 +10315,7 @@
           <a:p>
             <a:fld id="{39FCEA7D-B48D-4FF3-A040-A2BD89B31D64}" type="datetimeFigureOut">
               <a:rPr lang="da-DK" smtClean="0"/>
-              <a:t>09-12-2022</a:t>
+              <a:t>12-12-2022</a:t>
             </a:fld>
             <a:endParaRPr lang="da-DK"/>
           </a:p>
@@ -9970,7 +10513,7 @@
           <a:p>
             <a:fld id="{39FCEA7D-B48D-4FF3-A040-A2BD89B31D64}" type="datetimeFigureOut">
               <a:rPr lang="da-DK" smtClean="0"/>
-              <a:t>09-12-2022</a:t>
+              <a:t>12-12-2022</a:t>
             </a:fld>
             <a:endParaRPr lang="da-DK"/>
           </a:p>
@@ -10178,7 +10721,7 @@
           <a:p>
             <a:fld id="{39FCEA7D-B48D-4FF3-A040-A2BD89B31D64}" type="datetimeFigureOut">
               <a:rPr lang="da-DK" smtClean="0"/>
-              <a:t>09-12-2022</a:t>
+              <a:t>12-12-2022</a:t>
             </a:fld>
             <a:endParaRPr lang="da-DK"/>
           </a:p>
@@ -13883,7 +14426,7 @@
           <a:p>
             <a:fld id="{B79F5130-E299-47EE-B5CD-1B1CED0DAEB2}" type="datetimeFigureOut">
               <a:rPr lang="da-DK" smtClean="0"/>
-              <a:t>09-12-2022</a:t>
+              <a:t>12-12-2022</a:t>
             </a:fld>
             <a:endParaRPr lang="da-DK"/>
           </a:p>
@@ -14451,7 +14994,7 @@
           <a:p>
             <a:fld id="{39FCEA7D-B48D-4FF3-A040-A2BD89B31D64}" type="datetimeFigureOut">
               <a:rPr lang="da-DK" smtClean="0"/>
-              <a:t>09-12-2022</a:t>
+              <a:t>12-12-2022</a:t>
             </a:fld>
             <a:endParaRPr lang="da-DK"/>
           </a:p>
@@ -15587,8 +16130,8 @@
           <a:p>
             <a:pPr rtl="0"/>
             <a:r>
-              <a:rPr lang="da-DK" sz="1800"/>
-              <a:t>Andreas Methling  </a:t>
+              <a:rPr lang="da-DK" sz="1800" dirty="0"/>
+              <a:t>Simon Fløj Thomsen</a:t>
             </a:r>
           </a:p>
         </p:txBody>
@@ -15634,106 +16177,6 @@
       </p:pic>
       <p:sp>
         <p:nvSpPr>
-          <p:cNvPr id="5" name="Pladsholder til tekst 4">
-            <a:extLst>
-              <a:ext uri="{FF2B5EF4-FFF2-40B4-BE49-F238E27FC236}">
-                <a16:creationId xmlns:a16="http://schemas.microsoft.com/office/drawing/2014/main" id="{11265965-2271-4C1C-BD0A-6F85F80FF9A6}"/>
-              </a:ext>
-            </a:extLst>
-          </p:cNvPr>
-          <p:cNvSpPr>
-            <a:spLocks noGrp="1"/>
-          </p:cNvSpPr>
-          <p:nvPr>
-            <p:ph type="body" sz="quarter" idx="16"/>
-          </p:nvPr>
-        </p:nvSpPr>
-        <p:spPr>
-          <a:xfrm>
-            <a:off x="8458200" y="4306722"/>
-            <a:ext cx="2910342" cy="316800"/>
-          </a:xfrm>
-        </p:spPr>
-        <p:txBody>
-          <a:bodyPr rtlCol="0"/>
-          <a:lstStyle/>
-          <a:p>
-            <a:pPr rtl="0"/>
-            <a:r>
-              <a:rPr lang="da-DK" sz="1800"/>
-              <a:t>Kristoffer </a:t>
-            </a:r>
-            <a:r>
-              <a:rPr lang="da-DK" sz="1800" err="1"/>
-              <a:t>Herrig</a:t>
-            </a:r>
-            <a:r>
-              <a:rPr lang="da-DK" sz="1800"/>
-              <a:t> Thorndal</a:t>
-            </a:r>
-          </a:p>
-        </p:txBody>
-      </p:sp>
-      <p:sp>
-        <p:nvSpPr>
-          <p:cNvPr id="6" name="Pladsholder til tekst 5">
-            <a:extLst>
-              <a:ext uri="{FF2B5EF4-FFF2-40B4-BE49-F238E27FC236}">
-                <a16:creationId xmlns:a16="http://schemas.microsoft.com/office/drawing/2014/main" id="{50A3BCC3-A277-4C0B-9EBA-EB53990D8EBD}"/>
-              </a:ext>
-            </a:extLst>
-          </p:cNvPr>
-          <p:cNvSpPr>
-            <a:spLocks noGrp="1"/>
-          </p:cNvSpPr>
-          <p:nvPr>
-            <p:ph type="body" sz="quarter" idx="17"/>
-          </p:nvPr>
-        </p:nvSpPr>
-        <p:spPr/>
-        <p:txBody>
-          <a:bodyPr rtlCol="0"/>
-          <a:lstStyle/>
-          <a:p>
-            <a:pPr rtl="0"/>
-            <a:r>
-              <a:rPr lang="da-DK" sz="1800"/>
-              <a:t>Mikkel Bak Lyngø</a:t>
-            </a:r>
-          </a:p>
-        </p:txBody>
-      </p:sp>
-      <p:sp>
-        <p:nvSpPr>
-          <p:cNvPr id="16" name="Pladsholder til tekst 15">
-            <a:extLst>
-              <a:ext uri="{FF2B5EF4-FFF2-40B4-BE49-F238E27FC236}">
-                <a16:creationId xmlns:a16="http://schemas.microsoft.com/office/drawing/2014/main" id="{FD8A1232-50A8-4535-AAF9-7F4180EAA0DD}"/>
-              </a:ext>
-            </a:extLst>
-          </p:cNvPr>
-          <p:cNvSpPr>
-            <a:spLocks noGrp="1"/>
-          </p:cNvSpPr>
-          <p:nvPr>
-            <p:ph type="body" sz="quarter" idx="18"/>
-          </p:nvPr>
-        </p:nvSpPr>
-        <p:spPr/>
-        <p:txBody>
-          <a:bodyPr rtlCol="0"/>
-          <a:lstStyle/>
-          <a:p>
-            <a:pPr rtl="0"/>
-            <a:r>
-              <a:rPr lang="da-DK" sz="1800"/>
-              <a:t>Simon Fløj Thomsen </a:t>
-            </a:r>
-          </a:p>
-        </p:txBody>
-      </p:sp>
-      <p:sp>
-        <p:nvSpPr>
           <p:cNvPr id="12" name="Pladsholder til slidenummer 11">
             <a:extLst>
               <a:ext uri="{FF2B5EF4-FFF2-40B4-BE49-F238E27FC236}">
@@ -15763,123 +16206,6 @@
           </a:p>
         </p:txBody>
       </p:sp>
-      <p:pic>
-        <p:nvPicPr>
-          <p:cNvPr id="17" name="Grafik 16" descr="Bruger" title="Ikon – oplægsholderens navn">
-            <a:extLst>
-              <a:ext uri="{FF2B5EF4-FFF2-40B4-BE49-F238E27FC236}">
-                <a16:creationId xmlns:a16="http://schemas.microsoft.com/office/drawing/2014/main" id="{127C2FF1-3480-4B4D-A3F9-E1207DBFD1A2}"/>
-              </a:ext>
-            </a:extLst>
-          </p:cNvPr>
-          <p:cNvPicPr>
-            <a:picLocks noChangeAspect="1"/>
-          </p:cNvPicPr>
-          <p:nvPr/>
-        </p:nvPicPr>
-        <p:blipFill>
-          <a:blip r:embed="rId4" cstate="screen">
-            <a:extLst>
-              <a:ext uri="{28A0092B-C50C-407E-A947-70E740481C1C}">
-                <a14:useLocalDpi xmlns:a14="http://schemas.microsoft.com/office/drawing/2010/main"/>
-              </a:ext>
-              <a:ext uri="{96DAC541-7B7A-43D3-8B79-37D633B846F1}">
-                <asvg:svgBlip xmlns:asvg="http://schemas.microsoft.com/office/drawing/2016/SVG/main" r:embed="rId5"/>
-              </a:ext>
-            </a:extLst>
-          </a:blip>
-          <a:stretch>
-            <a:fillRect/>
-          </a:stretch>
-        </p:blipFill>
-        <p:spPr>
-          <a:xfrm>
-            <a:off x="11485495" y="4355672"/>
-            <a:ext cx="218900" cy="218900"/>
-          </a:xfrm>
-          <a:prstGeom prst="rect">
-            <a:avLst/>
-          </a:prstGeom>
-        </p:spPr>
-      </p:pic>
-      <p:pic>
-        <p:nvPicPr>
-          <p:cNvPr id="18" name="Grafik 17" descr="Bruger" title="Ikon – oplægsholderens navn">
-            <a:extLst>
-              <a:ext uri="{FF2B5EF4-FFF2-40B4-BE49-F238E27FC236}">
-                <a16:creationId xmlns:a16="http://schemas.microsoft.com/office/drawing/2014/main" id="{DDCF13DF-9582-4D23-9522-4F058AC83331}"/>
-              </a:ext>
-            </a:extLst>
-          </p:cNvPr>
-          <p:cNvPicPr>
-            <a:picLocks noChangeAspect="1"/>
-          </p:cNvPicPr>
-          <p:nvPr/>
-        </p:nvPicPr>
-        <p:blipFill>
-          <a:blip r:embed="rId4" cstate="screen">
-            <a:extLst>
-              <a:ext uri="{28A0092B-C50C-407E-A947-70E740481C1C}">
-                <a14:useLocalDpi xmlns:a14="http://schemas.microsoft.com/office/drawing/2010/main"/>
-              </a:ext>
-              <a:ext uri="{96DAC541-7B7A-43D3-8B79-37D633B846F1}">
-                <asvg:svgBlip xmlns:asvg="http://schemas.microsoft.com/office/drawing/2016/SVG/main" r:embed="rId5"/>
-              </a:ext>
-            </a:extLst>
-          </a:blip>
-          <a:stretch>
-            <a:fillRect/>
-          </a:stretch>
-        </p:blipFill>
-        <p:spPr>
-          <a:xfrm>
-            <a:off x="11485495" y="4704689"/>
-            <a:ext cx="218900" cy="218900"/>
-          </a:xfrm>
-          <a:prstGeom prst="rect">
-            <a:avLst/>
-          </a:prstGeom>
-        </p:spPr>
-      </p:pic>
-      <p:pic>
-        <p:nvPicPr>
-          <p:cNvPr id="19" name="Grafik 18" descr="Bruger" title="Ikon – oplægsholderens navn">
-            <a:extLst>
-              <a:ext uri="{FF2B5EF4-FFF2-40B4-BE49-F238E27FC236}">
-                <a16:creationId xmlns:a16="http://schemas.microsoft.com/office/drawing/2014/main" id="{5021FC7A-6BA8-4D72-95CD-0AEECA3420E1}"/>
-              </a:ext>
-            </a:extLst>
-          </p:cNvPr>
-          <p:cNvPicPr>
-            <a:picLocks noChangeAspect="1"/>
-          </p:cNvPicPr>
-          <p:nvPr/>
-        </p:nvPicPr>
-        <p:blipFill>
-          <a:blip r:embed="rId4" cstate="screen">
-            <a:extLst>
-              <a:ext uri="{28A0092B-C50C-407E-A947-70E740481C1C}">
-                <a14:useLocalDpi xmlns:a14="http://schemas.microsoft.com/office/drawing/2010/main"/>
-              </a:ext>
-              <a:ext uri="{96DAC541-7B7A-43D3-8B79-37D633B846F1}">
-                <asvg:svgBlip xmlns:asvg="http://schemas.microsoft.com/office/drawing/2016/SVG/main" r:embed="rId5"/>
-              </a:ext>
-            </a:extLst>
-          </a:blip>
-          <a:stretch>
-            <a:fillRect/>
-          </a:stretch>
-        </p:blipFill>
-        <p:spPr>
-          <a:xfrm>
-            <a:off x="11485495" y="5053706"/>
-            <a:ext cx="218900" cy="218900"/>
-          </a:xfrm>
-          <a:prstGeom prst="rect">
-            <a:avLst/>
-          </a:prstGeom>
-        </p:spPr>
-      </p:pic>
     </p:spTree>
     <p:extLst>
       <p:ext uri="{BB962C8B-B14F-4D97-AF65-F5344CB8AC3E}">
@@ -16032,37 +16358,13 @@
               <a:rPr lang="da-DK" sz="2400" dirty="0">
                 <a:sym typeface="Wingdings" panose="05000000000000000000" pitchFamily="2" charset="2"/>
               </a:rPr>
-              <a:t>Bidrag</a:t>
-            </a:r>
-          </a:p>
-          <a:p>
-            <a:r>
-              <a:rPr lang="en-US" sz="2400" dirty="0"/>
-              <a:t>Et </a:t>
-            </a:r>
+              <a:t>Projektets bidrag</a:t>
+            </a:r>
+          </a:p>
+          <a:p>
             <a:r>
               <a:rPr lang="da-DK" sz="2400" dirty="0"/>
-              <a:t>nærmere</a:t>
-            </a:r>
-            <a:r>
-              <a:rPr lang="en-US" sz="2400" dirty="0"/>
-              <a:t> </a:t>
-            </a:r>
-            <a:r>
-              <a:rPr lang="da-DK" sz="2400" dirty="0"/>
-              <a:t>kig</a:t>
-            </a:r>
-            <a:r>
-              <a:rPr lang="en-US" sz="2400" dirty="0"/>
-              <a:t> </a:t>
-            </a:r>
-            <a:r>
-              <a:rPr lang="en-US" sz="2400" dirty="0" err="1"/>
-              <a:t>på</a:t>
-            </a:r>
-            <a:r>
-              <a:rPr lang="en-US" sz="2400" dirty="0"/>
-              <a:t> </a:t>
+              <a:t>Mekanismerne bag </a:t>
             </a:r>
             <a:r>
               <a:rPr lang="en-US" sz="2400" dirty="0" err="1"/>
@@ -16174,7 +16476,15 @@
           <a:p>
             <a:r>
               <a:rPr lang="en-US" dirty="0" err="1"/>
-              <a:t>Bidrag</a:t>
+              <a:t>Projektets</a:t>
+            </a:r>
+            <a:r>
+              <a:rPr lang="en-US" dirty="0"/>
+              <a:t> </a:t>
+            </a:r>
+            <a:r>
+              <a:rPr lang="en-US" dirty="0" err="1"/>
+              <a:t>bidrag</a:t>
             </a:r>
             <a:endParaRPr lang="en-US" dirty="0"/>
           </a:p>
@@ -16341,9 +16651,16 @@
               <a:buFont typeface="+mj-lt"/>
               <a:buAutoNum type="arabicPeriod"/>
             </a:pPr>
+            <a:endParaRPr lang="da-DK" dirty="0"/>
+          </a:p>
+          <a:p>
+            <a:pPr marL="342900" indent="-342900">
+              <a:buFont typeface="+mj-lt"/>
+              <a:buAutoNum type="arabicPeriod"/>
+            </a:pPr>
             <a:r>
               <a:rPr lang="da-DK" dirty="0"/>
-              <a:t>Inkludering af det danske dagpenge program I en empirisk SFC-model for Danmark. </a:t>
+              <a:t>Inkludering af det danske dagpenge program i en empirisk SFC-model for Danmark. </a:t>
             </a:r>
           </a:p>
           <a:p>
@@ -16385,7 +16702,7 @@
             </a:r>
             <a:r>
               <a:rPr lang="da-DK" dirty="0"/>
-              <a:t> faktisk analyse af det politiske tiltag fra skattereformen 2012, der resulterede I et fradrag I stats regulerings procenten, der gør det muligt at evaluere denne beslutning. (Hoved spørgsmål)</a:t>
+              <a:t> faktisk analyse der gør det muligt at evaluere beslutningen om at lave et fradrag i stats regulerings procenten. (Hoved spørgsmål)</a:t>
             </a:r>
           </a:p>
           <a:p>
@@ -16458,20 +16775,16 @@
               <a:buAutoNum type="arabicPeriod"/>
             </a:pPr>
             <a:r>
+              <a:rPr lang="da-DK" sz="1600" dirty="0"/>
+              <a:t>Baseret på den danske SFC-model på kvartal data udviklet af Byrialsen et al. (2022) introduceres dagpenge systemet. </a:t>
+            </a:r>
+          </a:p>
+          <a:p>
+            <a:pPr marL="619125" lvl="1" indent="-342900"/>
+            <a:r>
               <a:rPr lang="da-DK" sz="1400" dirty="0"/>
-              <a:t>Baseret på den danske SFC-model på kvartal data udviklet af Byrialsen et al. (2022) introduceres dagpenge systemet. </a:t>
-            </a:r>
-          </a:p>
-          <a:p>
-            <a:pPr marL="619125" lvl="1" indent="-342900"/>
-            <a:r>
-              <a:rPr lang="da-DK" sz="1200" dirty="0"/>
-              <a:t>Kausalitet fra Maximale dagpenge sats for bedst at fange effekten af reguleringen. </a:t>
-            </a:r>
-          </a:p>
-          <a:p>
-            <a:pPr marL="619125" lvl="1" indent="-342900"/>
-            <a:endParaRPr lang="da-DK" sz="1400" dirty="0"/>
+              <a:t>Med udgangspunkt i den Maximale dagpenge sats for bedst at fange effekten af reguleringen. </a:t>
+            </a:r>
           </a:p>
           <a:p>
             <a:pPr marL="342900" indent="-342900">
@@ -16479,27 +16792,23 @@
               <a:buAutoNum type="arabicPeriod"/>
             </a:pPr>
             <a:r>
+              <a:rPr lang="da-DK" sz="1600" dirty="0"/>
+              <a:t>Her finder vi en mikro elasticitet på 0.51 og en makro elasticitet på 0.87.</a:t>
+            </a:r>
+          </a:p>
+          <a:p>
+            <a:pPr marL="619125" lvl="1" indent="-342900"/>
+            <a:r>
               <a:rPr lang="da-DK" sz="1400" dirty="0"/>
-              <a:t>Her finder vi en mikro elasticitet på 0.51 og en makro elasticitet på 0.87.</a:t>
+              <a:t>Mikro elasticitet baseret på: Dagpenge modellen, samt nyere litteratur.</a:t>
             </a:r>
           </a:p>
           <a:p>
             <a:pPr marL="619125" lvl="1" indent="-342900"/>
             <a:r>
-              <a:rPr lang="da-DK" sz="1200" dirty="0"/>
-              <a:t>Mikro elasticitet baseret på: Dagpenge modellen, samt nyere litteratur.</a:t>
-            </a:r>
-          </a:p>
-          <a:p>
-            <a:pPr marL="619125" lvl="1" indent="-342900"/>
-            <a:r>
-              <a:rPr lang="da-DK" sz="1200" dirty="0"/>
+              <a:rPr lang="da-DK" sz="1400" dirty="0"/>
               <a:t>Makro elasticitet baseret på: SFC-model anvendt i dette projekt + Mikro elasticitet. </a:t>
             </a:r>
-          </a:p>
-          <a:p>
-            <a:pPr marL="619125" lvl="1" indent="-342900"/>
-            <a:endParaRPr lang="da-DK" dirty="0"/>
           </a:p>
           <a:p>
             <a:pPr marL="342900" indent="-342900">
@@ -16507,44 +16816,44 @@
               <a:buAutoNum type="arabicPeriod"/>
             </a:pPr>
             <a:r>
+              <a:rPr lang="da-DK" sz="1600" dirty="0"/>
+              <a:t>Her burger vi </a:t>
+            </a:r>
+            <a:r>
+              <a:rPr lang="da-DK" sz="1600" dirty="0" err="1"/>
+              <a:t>Baily-Chetty</a:t>
+            </a:r>
+            <a:r>
+              <a:rPr lang="da-DK" sz="1600" dirty="0"/>
+              <a:t> funktionen til at evaluere 3 cases: </a:t>
+            </a:r>
+          </a:p>
+          <a:p>
+            <a:pPr marL="619125" lvl="1" indent="-342900"/>
+            <a:r>
               <a:rPr lang="da-DK" sz="1400" dirty="0"/>
-              <a:t>Her burger vi </a:t>
+              <a:t>Case 1: Set fra </a:t>
             </a:r>
             <a:r>
               <a:rPr lang="da-DK" sz="1400" dirty="0" err="1"/>
-              <a:t>Baily-Chetty</a:t>
+              <a:t>fag-foreningernes</a:t>
             </a:r>
             <a:r>
               <a:rPr lang="da-DK" sz="1400" dirty="0"/>
-              <a:t> funktionen til at evaluere 3 cases: </a:t>
+              <a:t> synspunkt	</a:t>
             </a:r>
           </a:p>
           <a:p>
             <a:pPr marL="619125" lvl="1" indent="-342900"/>
             <a:r>
-              <a:rPr lang="da-DK" sz="1200" dirty="0"/>
-              <a:t>Case 1: Set fra </a:t>
-            </a:r>
-            <a:r>
-              <a:rPr lang="da-DK" sz="1200" dirty="0" err="1"/>
-              <a:t>fag-foreningernes</a:t>
-            </a:r>
-            <a:r>
-              <a:rPr lang="da-DK" sz="1200" dirty="0"/>
-              <a:t> synspunkt	</a:t>
+              <a:rPr lang="da-DK" sz="1400" dirty="0"/>
+              <a:t>Case2: Set fra dagpenge kommissionens synspunkt</a:t>
             </a:r>
           </a:p>
           <a:p>
             <a:pPr marL="619125" lvl="1" indent="-342900"/>
             <a:r>
-              <a:rPr lang="da-DK" sz="1200" dirty="0"/>
-              <a:t>Case2: Set fra dagpenge kommissionens synspunkt</a:t>
-            </a:r>
-          </a:p>
-          <a:p>
-            <a:pPr marL="619125" lvl="1" indent="-342900"/>
-            <a:r>
-              <a:rPr lang="da-DK" sz="1200" dirty="0"/>
+              <a:rPr lang="da-DK" sz="1400" dirty="0"/>
               <a:t>Case3: Set fra dette projekts synspunkt</a:t>
             </a:r>
           </a:p>
@@ -16847,7 +17156,7 @@
                   <a:schemeClr val="tx1"/>
                 </a:solidFill>
               </a:rPr>
-              <a:t>? –Se næste slide. </a:t>
+              <a:t>? –Kommer, men først et bevis på at begrænsningen virker!</a:t>
             </a:r>
           </a:p>
         </p:txBody>
@@ -17307,7 +17616,7 @@
           </p:nvPr>
         </p:nvPicPr>
         <p:blipFill>
-          <a:blip r:embed="rId2"/>
+          <a:blip r:embed="rId3"/>
           <a:stretch>
             <a:fillRect/>
           </a:stretch>
@@ -17502,7 +17811,7 @@
           <p:nvPr/>
         </p:nvPicPr>
         <p:blipFill>
-          <a:blip r:embed="rId3"/>
+          <a:blip r:embed="rId4"/>
           <a:stretch>
             <a:fillRect/>
           </a:stretch>
@@ -17788,7 +18097,7 @@
           </p:nvPr>
         </p:nvPicPr>
         <p:blipFill>
-          <a:blip r:embed="rId2"/>
+          <a:blip r:embed="rId3"/>
           <a:stretch>
             <a:fillRect/>
           </a:stretch>
@@ -17945,7 +18254,7 @@
           <p:nvPr/>
         </p:nvPicPr>
         <p:blipFill>
-          <a:blip r:embed="rId3"/>
+          <a:blip r:embed="rId4"/>
           <a:stretch>
             <a:fillRect/>
           </a:stretch>
@@ -17975,7 +18284,7 @@
           <p:nvPr/>
         </p:nvPicPr>
         <p:blipFill>
-          <a:blip r:embed="rId4"/>
+          <a:blip r:embed="rId5"/>
           <a:stretch>
             <a:fillRect/>
           </a:stretch>
@@ -18177,7 +18486,7 @@
           </p:nvPr>
         </p:nvPicPr>
         <p:blipFill>
-          <a:blip r:embed="rId2"/>
+          <a:blip r:embed="rId3"/>
           <a:stretch>
             <a:fillRect/>
           </a:stretch>
@@ -19617,15 +19926,6 @@
 </file>
 
 <file path=customXml/item1.xml><?xml version="1.0" encoding="utf-8"?>
-<p:properties xmlns:p="http://schemas.microsoft.com/office/2006/metadata/properties" xmlns:xsi="http://www.w3.org/2001/XMLSchema-instance" xmlns:pc="http://schemas.microsoft.com/office/infopath/2007/PartnerControls">
-  <documentManagement>
-    <_ip_UnifiedCompliancePolicyUIAction xmlns="http://schemas.microsoft.com/sharepoint/v3" xsi:nil="true"/>
-    <_ip_UnifiedCompliancePolicyProperties xmlns="http://schemas.microsoft.com/sharepoint/v3" xsi:nil="true"/>
-  </documentManagement>
-</p:properties>
-</file>
-
-<file path=customXml/item2.xml><?xml version="1.0" encoding="utf-8"?>
 <ct:contentTypeSchema xmlns:ct="http://schemas.microsoft.com/office/2006/metadata/contentType" xmlns:ma="http://schemas.microsoft.com/office/2006/metadata/properties/metaAttributes" ct:_="" ma:_="" ma:contentTypeName="Document" ma:contentTypeID="0x010100DEEA25CC0A0AC24199CDC46C25B8B0BC" ma:contentTypeVersion="9" ma:contentTypeDescription="Create a new document." ma:contentTypeScope="" ma:versionID="76e25e1730b4532ab1d5e5b131a96a5a">
   <xsd:schema xmlns:xsd="http://www.w3.org/2001/XMLSchema" xmlns:xs="http://www.w3.org/2001/XMLSchema" xmlns:p="http://schemas.microsoft.com/office/2006/metadata/properties" xmlns:ns1="http://schemas.microsoft.com/sharepoint/v3" xmlns:ns2="6dc4bcd6-49db-4c07-9060-8acfc67cef9f" xmlns:ns3="fb0879af-3eba-417a-a55a-ffe6dcd6ca77" targetNamespace="http://schemas.microsoft.com/office/2006/metadata/properties" ma:root="true" ma:fieldsID="ad1e9281a84c4949647088091c718de3" ns1:_="" ns2:_="" ns3:_="">
     <xsd:import namespace="http://schemas.microsoft.com/sharepoint/v3"/>
@@ -19827,25 +20127,16 @@
 </ct:contentTypeSchema>
 </file>
 
-<file path=customXml/itemProps1.xml><?xml version="1.0" encoding="utf-8"?>
-<ds:datastoreItem xmlns:ds="http://schemas.openxmlformats.org/officeDocument/2006/customXml" ds:itemID="{EB2218FC-8412-44B9-9E82-D51F1F531141}">
-  <ds:schemaRefs>
-    <ds:schemaRef ds:uri="6dc4bcd6-49db-4c07-9060-8acfc67cef9f"/>
-    <ds:schemaRef ds:uri="fb0879af-3eba-417a-a55a-ffe6dcd6ca77"/>
-    <ds:schemaRef ds:uri="http://purl.org/dc/dcmitype/"/>
-    <ds:schemaRef ds:uri="http://purl.org/dc/elements/1.1/"/>
-    <ds:schemaRef ds:uri="http://purl.org/dc/terms/"/>
-    <ds:schemaRef ds:uri="http://schemas.microsoft.com/office/2006/documentManagement/types"/>
-    <ds:schemaRef ds:uri="http://schemas.microsoft.com/office/2006/metadata/properties"/>
-    <ds:schemaRef ds:uri="http://schemas.microsoft.com/office/infopath/2007/PartnerControls"/>
-    <ds:schemaRef ds:uri="http://schemas.microsoft.com/sharepoint/v3"/>
-    <ds:schemaRef ds:uri="http://schemas.openxmlformats.org/package/2006/metadata/core-properties"/>
-    <ds:schemaRef ds:uri="http://www.w3.org/XML/1998/namespace"/>
-  </ds:schemaRefs>
-</ds:datastoreItem>
+<file path=customXml/item2.xml><?xml version="1.0" encoding="utf-8"?>
+<p:properties xmlns:p="http://schemas.microsoft.com/office/2006/metadata/properties" xmlns:xsi="http://www.w3.org/2001/XMLSchema-instance" xmlns:pc="http://schemas.microsoft.com/office/infopath/2007/PartnerControls">
+  <documentManagement>
+    <_ip_UnifiedCompliancePolicyUIAction xmlns="http://schemas.microsoft.com/sharepoint/v3" xsi:nil="true"/>
+    <_ip_UnifiedCompliancePolicyProperties xmlns="http://schemas.microsoft.com/sharepoint/v3" xsi:nil="true"/>
+  </documentManagement>
+</p:properties>
 </file>
 
-<file path=customXml/itemProps2.xml><?xml version="1.0" encoding="utf-8"?>
+<file path=customXml/itemProps1.xml><?xml version="1.0" encoding="utf-8"?>
 <ds:datastoreItem xmlns:ds="http://schemas.openxmlformats.org/officeDocument/2006/customXml" ds:itemID="{B64A4C9D-F801-4923-BC6D-E0006F512331}">
   <ds:schemaRefs>
     <ds:schemaRef ds:uri="6dc4bcd6-49db-4c07-9060-8acfc67cef9f"/>
@@ -19863,4 +20154,22 @@
     <ds:schemaRef ds:uri="http://www.w3.org/2001/XMLSchema"/>
   </ds:schemaRefs>
 </ds:datastoreItem>
+</file>
+
+<file path=customXml/itemProps2.xml><?xml version="1.0" encoding="utf-8"?>
+<ds:datastoreItem xmlns:ds="http://schemas.openxmlformats.org/officeDocument/2006/customXml" ds:itemID="{EB2218FC-8412-44B9-9E82-D51F1F531141}">
+  <ds:schemaRefs>
+    <ds:schemaRef ds:uri="6dc4bcd6-49db-4c07-9060-8acfc67cef9f"/>
+    <ds:schemaRef ds:uri="fb0879af-3eba-417a-a55a-ffe6dcd6ca77"/>
+    <ds:schemaRef ds:uri="http://purl.org/dc/dcmitype/"/>
+    <ds:schemaRef ds:uri="http://purl.org/dc/elements/1.1/"/>
+    <ds:schemaRef ds:uri="http://purl.org/dc/terms/"/>
+    <ds:schemaRef ds:uri="http://schemas.microsoft.com/office/2006/documentManagement/types"/>
+    <ds:schemaRef ds:uri="http://schemas.microsoft.com/office/2006/metadata/properties"/>
+    <ds:schemaRef ds:uri="http://schemas.microsoft.com/office/infopath/2007/PartnerControls"/>
+    <ds:schemaRef ds:uri="http://schemas.microsoft.com/sharepoint/v3"/>
+    <ds:schemaRef ds:uri="http://schemas.openxmlformats.org/package/2006/metadata/core-properties"/>
+    <ds:schemaRef ds:uri="http://www.w3.org/XML/1998/namespace"/>
+  </ds:schemaRefs>
+</ds:datastoreItem>
 </file>
--- a/PP-Eksamen.pptx
+++ b/PP-Eksamen.pptx
@@ -817,6 +817,119 @@
           <a:bodyPr/>
           <a:lstStyle/>
           <a:p>
+            <a:r>
+              <a:rPr lang="da-DK" dirty="0"/>
+              <a:t>1. Vi kan se speed of </a:t>
+            </a:r>
+            <a:r>
+              <a:rPr lang="da-DK" dirty="0" err="1"/>
+              <a:t>adjustment</a:t>
+            </a:r>
+            <a:r>
+              <a:rPr lang="da-DK" dirty="0"/>
+              <a:t> for </a:t>
+            </a:r>
+            <a:r>
+              <a:rPr lang="da-DK" dirty="0" err="1"/>
+              <a:t>wages</a:t>
+            </a:r>
+            <a:r>
+              <a:rPr lang="da-DK" dirty="0"/>
+              <a:t> er rimelig høj, så tilpasningen skulle gerne ske over to år </a:t>
+            </a:r>
+            <a:r>
+              <a:rPr lang="da-DK" dirty="0" err="1"/>
+              <a:t>ligsom</a:t>
+            </a:r>
+            <a:r>
+              <a:rPr lang="da-DK" dirty="0"/>
+              <a:t> ved mikro effekten. </a:t>
+            </a:r>
+            <a:endParaRPr lang="en-US" dirty="0"/>
+          </a:p>
+        </p:txBody>
+      </p:sp>
+      <p:sp>
+        <p:nvSpPr>
+          <p:cNvPr id="4" name="Pladsholder til slidenummer 3"/>
+          <p:cNvSpPr>
+            <a:spLocks noGrp="1"/>
+          </p:cNvSpPr>
+          <p:nvPr>
+            <p:ph type="sldNum" sz="quarter" idx="5"/>
+          </p:nvPr>
+        </p:nvSpPr>
+        <p:spPr/>
+        <p:txBody>
+          <a:bodyPr/>
+          <a:lstStyle/>
+          <a:p>
+            <a:pPr rtl="0"/>
+            <a:fld id="{8530193B-564F-4854-8A52-728F3FB19C85}" type="slidenum">
+              <a:rPr lang="da-DK" noProof="0" smtClean="0"/>
+              <a:t>10</a:t>
+            </a:fld>
+            <a:endParaRPr lang="da-DK" noProof="0"/>
+          </a:p>
+        </p:txBody>
+      </p:sp>
+    </p:spTree>
+    <p:extLst>
+      <p:ext uri="{BB962C8B-B14F-4D97-AF65-F5344CB8AC3E}">
+        <p14:creationId xmlns:p14="http://schemas.microsoft.com/office/powerpoint/2010/main" val="2527577633"/>
+      </p:ext>
+    </p:extLst>
+  </p:cSld>
+  <p:clrMapOvr>
+    <a:masterClrMapping/>
+  </p:clrMapOvr>
+</p:notes>
+</file>
+
+<file path=ppt/notesSlides/notesSlide11.xml><?xml version="1.0" encoding="utf-8"?>
+<p:notes xmlns:a="http://schemas.openxmlformats.org/drawingml/2006/main" xmlns:r="http://schemas.openxmlformats.org/officeDocument/2006/relationships" xmlns:p="http://schemas.openxmlformats.org/presentationml/2006/main">
+  <p:cSld>
+    <p:spTree>
+      <p:nvGrpSpPr>
+        <p:cNvPr id="1" name=""/>
+        <p:cNvGrpSpPr/>
+        <p:nvPr/>
+      </p:nvGrpSpPr>
+      <p:grpSpPr>
+        <a:xfrm>
+          <a:off x="0" y="0"/>
+          <a:ext cx="0" cy="0"/>
+          <a:chOff x="0" y="0"/>
+          <a:chExt cx="0" cy="0"/>
+        </a:xfrm>
+      </p:grpSpPr>
+      <p:sp>
+        <p:nvSpPr>
+          <p:cNvPr id="2" name="Pladsholder til slidebillede 1"/>
+          <p:cNvSpPr>
+            <a:spLocks noGrp="1" noRot="1" noChangeAspect="1"/>
+          </p:cNvSpPr>
+          <p:nvPr>
+            <p:ph type="sldImg"/>
+          </p:nvPr>
+        </p:nvSpPr>
+        <p:spPr/>
+      </p:sp>
+      <p:sp>
+        <p:nvSpPr>
+          <p:cNvPr id="3" name="Pladsholder til noter 2"/>
+          <p:cNvSpPr>
+            <a:spLocks noGrp="1"/>
+          </p:cNvSpPr>
+          <p:nvPr>
+            <p:ph type="body" idx="1"/>
+          </p:nvPr>
+        </p:nvSpPr>
+        <p:spPr/>
+        <p:txBody>
+          <a:bodyPr/>
+          <a:lstStyle/>
+          <a:p>
             <a:endParaRPr lang="da-DK"/>
           </a:p>
         </p:txBody>
@@ -1080,15 +1193,39 @@
             </a:pPr>
             <a:r>
               <a:rPr lang="da-DK" dirty="0"/>
-              <a:t>Forklar </a:t>
+              <a:t>Da </a:t>
             </a:r>
             <a:r>
               <a:rPr lang="da-DK" dirty="0" err="1"/>
-              <a:t>if-else</a:t>
+              <a:t>wage_ds_t</a:t>
             </a:r>
             <a:r>
               <a:rPr lang="da-DK" dirty="0"/>
-              <a:t> funktion </a:t>
+              <a:t> ikke ændrer lønnen en til en vil selve </a:t>
+            </a:r>
+            <a:r>
+              <a:rPr lang="da-DK" dirty="0" err="1"/>
+              <a:t>wage</a:t>
+            </a:r>
+            <a:r>
+              <a:rPr lang="da-DK" dirty="0"/>
+              <a:t> ikke følge </a:t>
+            </a:r>
+            <a:r>
+              <a:rPr lang="da-DK" dirty="0" err="1"/>
+              <a:t>wage_ds_t</a:t>
+            </a:r>
+            <a:r>
+              <a:rPr lang="da-DK" dirty="0"/>
+              <a:t> og dermed lukkes </a:t>
+            </a:r>
+            <a:r>
+              <a:rPr lang="da-DK" dirty="0" err="1"/>
+              <a:t>gappet</a:t>
+            </a:r>
+            <a:r>
+              <a:rPr lang="da-DK" dirty="0"/>
+              <a:t> ikke med 100%</a:t>
             </a:r>
           </a:p>
           <a:p>
@@ -1103,61 +1240,24 @@
             </a:pPr>
             <a:r>
               <a:rPr lang="da-DK" dirty="0"/>
-              <a:t>Vis at i baseline virker den som den skal, når </a:t>
+              <a:t>Da det er </a:t>
             </a:r>
             <a:r>
               <a:rPr lang="da-DK" dirty="0" err="1"/>
-              <a:t>wage_gap</a:t>
+              <a:t>gapet</a:t>
             </a:r>
             <a:r>
               <a:rPr lang="da-DK" dirty="0"/>
-              <a:t> (t-1) er under </a:t>
+              <a:t> i forhold til lønnen bliver dette mindre når lønnen stiger, derfor skal det faktiske difference mellem </a:t>
             </a:r>
             <a:r>
               <a:rPr lang="da-DK" dirty="0" err="1"/>
-              <a:t>min_gap</a:t>
+              <a:t>max_dp</a:t>
             </a:r>
             <a:r>
               <a:rPr lang="da-DK" dirty="0"/>
-              <a:t> sættes </a:t>
-            </a:r>
-            <a:r>
-              <a:rPr lang="da-DK" dirty="0" err="1"/>
-              <a:t>wagegap</a:t>
-            </a:r>
-            <a:r>
-              <a:rPr lang="da-DK" dirty="0"/>
-              <a:t> </a:t>
-            </a:r>
-            <a:r>
-              <a:rPr lang="da-DK" dirty="0" err="1"/>
-              <a:t>ligmed</a:t>
-            </a:r>
-            <a:r>
-              <a:rPr lang="da-DK" dirty="0"/>
-              <a:t> de 42% Som er udledt af (</a:t>
-            </a:r>
-            <a:r>
-              <a:rPr lang="da-DK" dirty="0" err="1"/>
-              <a:t>wage_dst-max_dp</a:t>
-            </a:r>
-            <a:r>
-              <a:rPr lang="da-DK" dirty="0"/>
-              <a:t>)/</a:t>
-            </a:r>
-            <a:r>
-              <a:rPr lang="da-DK" dirty="0" err="1"/>
-              <a:t>wage_dst</a:t>
-            </a:r>
-            <a:r>
-              <a:rPr lang="da-DK" dirty="0"/>
-              <a:t> = </a:t>
-            </a:r>
-            <a:r>
-              <a:rPr lang="da-DK" dirty="0" err="1"/>
-              <a:t>min_gap</a:t>
-            </a:r>
-            <a:endParaRPr lang="da-DK" dirty="0"/>
+              <a:t> og lønnen også blive større når lønnen stiger. </a:t>
+            </a:r>
           </a:p>
           <a:p>
             <a:pPr marL="228600" indent="-228600">
@@ -1171,39 +1271,7 @@
             </a:pPr>
             <a:r>
               <a:rPr lang="da-DK" dirty="0"/>
-              <a:t>Vis at i </a:t>
-            </a:r>
-            <a:r>
-              <a:rPr lang="da-DK" dirty="0" err="1"/>
-              <a:t>shock</a:t>
-            </a:r>
-            <a:r>
-              <a:rPr lang="da-DK" dirty="0"/>
-              <a:t> er det samme udvikling frem til 2016, hvorefter </a:t>
-            </a:r>
-            <a:r>
-              <a:rPr lang="da-DK" dirty="0" err="1"/>
-              <a:t>løn-gab</a:t>
-            </a:r>
-            <a:r>
-              <a:rPr lang="da-DK" dirty="0"/>
-              <a:t> falder grundet højere </a:t>
-            </a:r>
-            <a:r>
-              <a:rPr lang="da-DK" dirty="0" err="1"/>
-              <a:t>max_dp</a:t>
-            </a:r>
-            <a:r>
-              <a:rPr lang="da-DK" dirty="0"/>
-              <a:t>, men lønnen hæves nu tilsvarende for at beholde </a:t>
-            </a:r>
-            <a:r>
-              <a:rPr lang="da-DK" dirty="0" err="1"/>
-              <a:t>løn_gap</a:t>
-            </a:r>
-            <a:r>
-              <a:rPr lang="da-DK" dirty="0"/>
-              <a:t> på 42%</a:t>
+              <a:t>Først ændre vi lidt i antagelserne for løn funktionen. </a:t>
             </a:r>
             <a:endParaRPr lang="en-US" dirty="0"/>
           </a:p>
@@ -1227,7 +1295,7 @@
             <a:pPr rtl="0"/>
             <a:fld id="{8530193B-564F-4854-8A52-728F3FB19C85}" type="slidenum">
               <a:rPr lang="da-DK" noProof="0" smtClean="0"/>
-              <a:t>5</a:t>
+              <a:t>4</a:t>
             </a:fld>
             <a:endParaRPr lang="da-DK" noProof="0"/>
           </a:p>
@@ -1236,7 +1304,7 @@
     </p:spTree>
     <p:extLst>
       <p:ext uri="{BB962C8B-B14F-4D97-AF65-F5344CB8AC3E}">
-        <p14:creationId xmlns:p14="http://schemas.microsoft.com/office/powerpoint/2010/main" val="2959183715"/>
+        <p14:creationId xmlns:p14="http://schemas.microsoft.com/office/powerpoint/2010/main" val="2056092604"/>
       </p:ext>
     </p:extLst>
   </p:cSld>
@@ -1290,6 +1358,136 @@
           <a:bodyPr/>
           <a:lstStyle/>
           <a:p>
+            <a:pPr marL="228600" indent="-228600">
+              <a:buAutoNum type="arabicPeriod"/>
+            </a:pPr>
+            <a:r>
+              <a:rPr lang="da-DK" dirty="0"/>
+              <a:t>Forklar </a:t>
+            </a:r>
+            <a:r>
+              <a:rPr lang="da-DK" dirty="0" err="1"/>
+              <a:t>if-else</a:t>
+            </a:r>
+            <a:r>
+              <a:rPr lang="da-DK" dirty="0"/>
+              <a:t> funktion </a:t>
+            </a:r>
+          </a:p>
+          <a:p>
+            <a:pPr marL="228600" indent="-228600">
+              <a:buAutoNum type="arabicPeriod"/>
+            </a:pPr>
+            <a:endParaRPr lang="da-DK" dirty="0"/>
+          </a:p>
+          <a:p>
+            <a:pPr marL="228600" indent="-228600">
+              <a:buAutoNum type="arabicPeriod"/>
+            </a:pPr>
+            <a:r>
+              <a:rPr lang="da-DK" dirty="0"/>
+              <a:t>Vis at i baseline virker den som den skal, når </a:t>
+            </a:r>
+            <a:r>
+              <a:rPr lang="da-DK" dirty="0" err="1"/>
+              <a:t>wage_gap</a:t>
+            </a:r>
+            <a:r>
+              <a:rPr lang="da-DK" dirty="0"/>
+              <a:t> (t-1) er under </a:t>
+            </a:r>
+            <a:r>
+              <a:rPr lang="da-DK" dirty="0" err="1"/>
+              <a:t>min_gap</a:t>
+            </a:r>
+            <a:r>
+              <a:rPr lang="da-DK" dirty="0"/>
+              <a:t> sættes </a:t>
+            </a:r>
+            <a:r>
+              <a:rPr lang="da-DK" dirty="0" err="1"/>
+              <a:t>wagegap</a:t>
+            </a:r>
+            <a:r>
+              <a:rPr lang="da-DK" dirty="0"/>
+              <a:t> </a:t>
+            </a:r>
+            <a:r>
+              <a:rPr lang="da-DK" dirty="0" err="1"/>
+              <a:t>ligmed</a:t>
+            </a:r>
+            <a:r>
+              <a:rPr lang="da-DK" dirty="0"/>
+              <a:t> de 42% Som er udledt af (</a:t>
+            </a:r>
+            <a:r>
+              <a:rPr lang="da-DK" dirty="0" err="1"/>
+              <a:t>wage_dst-max_dp</a:t>
+            </a:r>
+            <a:r>
+              <a:rPr lang="da-DK" dirty="0"/>
+              <a:t>)/</a:t>
+            </a:r>
+            <a:r>
+              <a:rPr lang="da-DK" dirty="0" err="1"/>
+              <a:t>wage_dst</a:t>
+            </a:r>
+            <a:r>
+              <a:rPr lang="da-DK" dirty="0"/>
+              <a:t> = </a:t>
+            </a:r>
+            <a:r>
+              <a:rPr lang="da-DK" dirty="0" err="1"/>
+              <a:t>min_gap</a:t>
+            </a:r>
+            <a:endParaRPr lang="da-DK" dirty="0"/>
+          </a:p>
+          <a:p>
+            <a:pPr marL="228600" indent="-228600">
+              <a:buAutoNum type="arabicPeriod"/>
+            </a:pPr>
+            <a:endParaRPr lang="da-DK" dirty="0"/>
+          </a:p>
+          <a:p>
+            <a:pPr marL="228600" indent="-228600">
+              <a:buAutoNum type="arabicPeriod"/>
+            </a:pPr>
+            <a:r>
+              <a:rPr lang="da-DK" dirty="0"/>
+              <a:t>Vis at i </a:t>
+            </a:r>
+            <a:r>
+              <a:rPr lang="da-DK" dirty="0" err="1"/>
+              <a:t>shock</a:t>
+            </a:r>
+            <a:r>
+              <a:rPr lang="da-DK" dirty="0"/>
+              <a:t> er det samme udvikling frem til 2016, hvorefter </a:t>
+            </a:r>
+            <a:r>
+              <a:rPr lang="da-DK" dirty="0" err="1"/>
+              <a:t>løn-gab</a:t>
+            </a:r>
+            <a:r>
+              <a:rPr lang="da-DK" dirty="0"/>
+              <a:t> falder grundet højere </a:t>
+            </a:r>
+            <a:r>
+              <a:rPr lang="da-DK" dirty="0" err="1"/>
+              <a:t>max_dp</a:t>
+            </a:r>
+            <a:r>
+              <a:rPr lang="da-DK" dirty="0"/>
+              <a:t>, men lønnen hæves nu tilsvarende for at beholde </a:t>
+            </a:r>
+            <a:r>
+              <a:rPr lang="da-DK" dirty="0" err="1"/>
+              <a:t>løn_gap</a:t>
+            </a:r>
+            <a:r>
+              <a:rPr lang="da-DK" dirty="0"/>
+              <a:t> på 42%</a:t>
+            </a:r>
             <a:endParaRPr lang="en-US" dirty="0"/>
           </a:p>
         </p:txBody>
@@ -1312,7 +1510,7 @@
             <a:pPr rtl="0"/>
             <a:fld id="{8530193B-564F-4854-8A52-728F3FB19C85}" type="slidenum">
               <a:rPr lang="da-DK" noProof="0" smtClean="0"/>
-              <a:t>6</a:t>
+              <a:t>5</a:t>
             </a:fld>
             <a:endParaRPr lang="da-DK" noProof="0"/>
           </a:p>
@@ -1321,7 +1519,7 @@
     </p:spTree>
     <p:extLst>
       <p:ext uri="{BB962C8B-B14F-4D97-AF65-F5344CB8AC3E}">
-        <p14:creationId xmlns:p14="http://schemas.microsoft.com/office/powerpoint/2010/main" val="1793290637"/>
+        <p14:creationId xmlns:p14="http://schemas.microsoft.com/office/powerpoint/2010/main" val="2959183715"/>
       </p:ext>
     </p:extLst>
   </p:cSld>
@@ -1397,7 +1595,7 @@
             <a:pPr rtl="0"/>
             <a:fld id="{8530193B-564F-4854-8A52-728F3FB19C85}" type="slidenum">
               <a:rPr lang="da-DK" noProof="0" smtClean="0"/>
-              <a:t>7</a:t>
+              <a:t>6</a:t>
             </a:fld>
             <a:endParaRPr lang="da-DK" noProof="0"/>
           </a:p>
@@ -1406,7 +1604,7 @@
     </p:spTree>
     <p:extLst>
       <p:ext uri="{BB962C8B-B14F-4D97-AF65-F5344CB8AC3E}">
-        <p14:creationId xmlns:p14="http://schemas.microsoft.com/office/powerpoint/2010/main" val="2509657659"/>
+        <p14:creationId xmlns:p14="http://schemas.microsoft.com/office/powerpoint/2010/main" val="1793290637"/>
       </p:ext>
     </p:extLst>
   </p:cSld>
@@ -1460,36 +1658,6 @@
           <a:bodyPr/>
           <a:lstStyle/>
           <a:p>
-            <a:pPr marL="228600" indent="-228600">
-              <a:buAutoNum type="arabicPeriod"/>
-            </a:pPr>
-            <a:r>
-              <a:rPr lang="da-DK" dirty="0"/>
-              <a:t>Vi kan se effekten på </a:t>
-            </a:r>
-            <a:r>
-              <a:rPr lang="da-DK" dirty="0" err="1"/>
-              <a:t>consumption</a:t>
-            </a:r>
-            <a:r>
-              <a:rPr lang="da-DK" dirty="0"/>
-              <a:t> og net eksport er forventet, men investeringerne stiger nu mere, skyldes at der ikke når at ske nogen korrektion på lang sigt. Derfor er det kun det kortsigtede estimat der når at påvirke investeringerne positivt. </a:t>
-            </a:r>
-          </a:p>
-          <a:p>
-            <a:pPr marL="228600" indent="-228600">
-              <a:buAutoNum type="arabicPeriod"/>
-            </a:pPr>
-            <a:endParaRPr lang="da-DK" dirty="0"/>
-          </a:p>
-          <a:p>
-            <a:pPr marL="228600" indent="-228600">
-              <a:buAutoNum type="arabicPeriod"/>
-            </a:pPr>
-            <a:r>
-              <a:rPr lang="da-DK" dirty="0"/>
-              <a:t>Derved ser vi faktisk en positiv effekt på GDP i forhold til baseline for den sidste del. </a:t>
-            </a:r>
             <a:endParaRPr lang="en-US" dirty="0"/>
           </a:p>
         </p:txBody>
@@ -1512,7 +1680,7 @@
             <a:pPr rtl="0"/>
             <a:fld id="{8530193B-564F-4854-8A52-728F3FB19C85}" type="slidenum">
               <a:rPr lang="da-DK" noProof="0" smtClean="0"/>
-              <a:t>8</a:t>
+              <a:t>7</a:t>
             </a:fld>
             <a:endParaRPr lang="da-DK" noProof="0"/>
           </a:p>
@@ -1521,7 +1689,7 @@
     </p:spTree>
     <p:extLst>
       <p:ext uri="{BB962C8B-B14F-4D97-AF65-F5344CB8AC3E}">
-        <p14:creationId xmlns:p14="http://schemas.microsoft.com/office/powerpoint/2010/main" val="676143939"/>
+        <p14:creationId xmlns:p14="http://schemas.microsoft.com/office/powerpoint/2010/main" val="2509657659"/>
       </p:ext>
     </p:extLst>
   </p:cSld>
@@ -1575,17 +1743,35 @@
           <a:bodyPr/>
           <a:lstStyle/>
           <a:p>
+            <a:pPr marL="228600" indent="-228600">
+              <a:buAutoNum type="arabicPeriod"/>
+            </a:pPr>
             <a:r>
               <a:rPr lang="da-DK" dirty="0"/>
-              <a:t>Vi kan se effekten ikke er særlig stor, og denne ændre heller ikke på </a:t>
+              <a:t>Vi kan se effekten på </a:t>
             </a:r>
             <a:r>
               <a:rPr lang="da-DK" dirty="0" err="1"/>
-              <a:t>konklutioner</a:t>
+              <a:t>consumption</a:t>
             </a:r>
             <a:r>
               <a:rPr lang="da-DK" dirty="0"/>
-              <a:t>. </a:t>
+              <a:t> og net eksport er forventet, men investeringerne stiger nu mere, skyldes at der ikke når at ske nogen korrektion på lang sigt. Derfor er det kun det kortsigtede estimat der når at påvirke investeringerne positivt. </a:t>
+            </a:r>
+          </a:p>
+          <a:p>
+            <a:pPr marL="228600" indent="-228600">
+              <a:buAutoNum type="arabicPeriod"/>
+            </a:pPr>
+            <a:endParaRPr lang="da-DK" dirty="0"/>
+          </a:p>
+          <a:p>
+            <a:pPr marL="228600" indent="-228600">
+              <a:buAutoNum type="arabicPeriod"/>
+            </a:pPr>
+            <a:r>
+              <a:rPr lang="da-DK" dirty="0"/>
+              <a:t>Derved ser vi faktisk en positiv effekt på GDP i forhold til baseline for den sidste del. </a:t>
             </a:r>
             <a:endParaRPr lang="en-US" dirty="0"/>
           </a:p>
@@ -1609,7 +1795,7 @@
             <a:pPr rtl="0"/>
             <a:fld id="{8530193B-564F-4854-8A52-728F3FB19C85}" type="slidenum">
               <a:rPr lang="da-DK" noProof="0" smtClean="0"/>
-              <a:t>9</a:t>
+              <a:t>8</a:t>
             </a:fld>
             <a:endParaRPr lang="da-DK" noProof="0"/>
           </a:p>
@@ -1618,7 +1804,7 @@
     </p:spTree>
     <p:extLst>
       <p:ext uri="{BB962C8B-B14F-4D97-AF65-F5344CB8AC3E}">
-        <p14:creationId xmlns:p14="http://schemas.microsoft.com/office/powerpoint/2010/main" val="4009138753"/>
+        <p14:creationId xmlns:p14="http://schemas.microsoft.com/office/powerpoint/2010/main" val="676143939"/>
       </p:ext>
     </p:extLst>
   </p:cSld>
@@ -1674,31 +1860,15 @@
           <a:p>
             <a:r>
               <a:rPr lang="da-DK" dirty="0"/>
-              <a:t>1. Vi kan se speed of </a:t>
+              <a:t>Vi kan se effekten ikke er særlig stor, og denne ændre heller ikke på </a:t>
             </a:r>
             <a:r>
               <a:rPr lang="da-DK" dirty="0" err="1"/>
-              <a:t>adjustment</a:t>
+              <a:t>konklutioner</a:t>
             </a:r>
             <a:r>
               <a:rPr lang="da-DK" dirty="0"/>
-              <a:t> for </a:t>
-            </a:r>
-            <a:r>
-              <a:rPr lang="da-DK" dirty="0" err="1"/>
-              <a:t>wages</a:t>
-            </a:r>
-            <a:r>
-              <a:rPr lang="da-DK" dirty="0"/>
-              <a:t> er rimelig høj, så tilpasningen skulle gerne ske over to år </a:t>
-            </a:r>
-            <a:r>
-              <a:rPr lang="da-DK" dirty="0" err="1"/>
-              <a:t>ligsom</a:t>
-            </a:r>
-            <a:r>
-              <a:rPr lang="da-DK" dirty="0"/>
-              <a:t> ved mikro effekten. </a:t>
+              <a:t>. </a:t>
             </a:r>
             <a:endParaRPr lang="en-US" dirty="0"/>
           </a:p>
@@ -1722,7 +1892,7 @@
             <a:pPr rtl="0"/>
             <a:fld id="{8530193B-564F-4854-8A52-728F3FB19C85}" type="slidenum">
               <a:rPr lang="da-DK" noProof="0" smtClean="0"/>
-              <a:t>10</a:t>
+              <a:t>9</a:t>
             </a:fld>
             <a:endParaRPr lang="da-DK" noProof="0"/>
           </a:p>
@@ -1731,7 +1901,7 @@
     </p:spTree>
     <p:extLst>
       <p:ext uri="{BB962C8B-B14F-4D97-AF65-F5344CB8AC3E}">
-        <p14:creationId xmlns:p14="http://schemas.microsoft.com/office/powerpoint/2010/main" val="2527577633"/>
+        <p14:creationId xmlns:p14="http://schemas.microsoft.com/office/powerpoint/2010/main" val="4009138753"/>
       </p:ext>
     </p:extLst>
   </p:cSld>
@@ -17238,7 +17408,7 @@
           </p:nvPr>
         </p:nvPicPr>
         <p:blipFill>
-          <a:blip r:embed="rId2"/>
+          <a:blip r:embed="rId3"/>
           <a:stretch>
             <a:fillRect/>
           </a:stretch>
@@ -17268,7 +17438,7 @@
           <p:nvPr/>
         </p:nvPicPr>
         <p:blipFill>
-          <a:blip r:embed="rId3"/>
+          <a:blip r:embed="rId4"/>
           <a:stretch>
             <a:fillRect/>
           </a:stretch>
@@ -19926,6 +20096,15 @@
 </file>
 
 <file path=customXml/item1.xml><?xml version="1.0" encoding="utf-8"?>
+<p:properties xmlns:p="http://schemas.microsoft.com/office/2006/metadata/properties" xmlns:xsi="http://www.w3.org/2001/XMLSchema-instance" xmlns:pc="http://schemas.microsoft.com/office/infopath/2007/PartnerControls">
+  <documentManagement>
+    <_ip_UnifiedCompliancePolicyUIAction xmlns="http://schemas.microsoft.com/sharepoint/v3" xsi:nil="true"/>
+    <_ip_UnifiedCompliancePolicyProperties xmlns="http://schemas.microsoft.com/sharepoint/v3" xsi:nil="true"/>
+  </documentManagement>
+</p:properties>
+</file>
+
+<file path=customXml/item2.xml><?xml version="1.0" encoding="utf-8"?>
 <ct:contentTypeSchema xmlns:ct="http://schemas.microsoft.com/office/2006/metadata/contentType" xmlns:ma="http://schemas.microsoft.com/office/2006/metadata/properties/metaAttributes" ct:_="" ma:_="" ma:contentTypeName="Document" ma:contentTypeID="0x010100DEEA25CC0A0AC24199CDC46C25B8B0BC" ma:contentTypeVersion="9" ma:contentTypeDescription="Create a new document." ma:contentTypeScope="" ma:versionID="76e25e1730b4532ab1d5e5b131a96a5a">
   <xsd:schema xmlns:xsd="http://www.w3.org/2001/XMLSchema" xmlns:xs="http://www.w3.org/2001/XMLSchema" xmlns:p="http://schemas.microsoft.com/office/2006/metadata/properties" xmlns:ns1="http://schemas.microsoft.com/sharepoint/v3" xmlns:ns2="6dc4bcd6-49db-4c07-9060-8acfc67cef9f" xmlns:ns3="fb0879af-3eba-417a-a55a-ffe6dcd6ca77" targetNamespace="http://schemas.microsoft.com/office/2006/metadata/properties" ma:root="true" ma:fieldsID="ad1e9281a84c4949647088091c718de3" ns1:_="" ns2:_="" ns3:_="">
     <xsd:import namespace="http://schemas.microsoft.com/sharepoint/v3"/>
@@ -20127,16 +20306,25 @@
 </ct:contentTypeSchema>
 </file>
 
-<file path=customXml/item2.xml><?xml version="1.0" encoding="utf-8"?>
-<p:properties xmlns:p="http://schemas.microsoft.com/office/2006/metadata/properties" xmlns:xsi="http://www.w3.org/2001/XMLSchema-instance" xmlns:pc="http://schemas.microsoft.com/office/infopath/2007/PartnerControls">
-  <documentManagement>
-    <_ip_UnifiedCompliancePolicyUIAction xmlns="http://schemas.microsoft.com/sharepoint/v3" xsi:nil="true"/>
-    <_ip_UnifiedCompliancePolicyProperties xmlns="http://schemas.microsoft.com/sharepoint/v3" xsi:nil="true"/>
-  </documentManagement>
-</p:properties>
+<file path=customXml/itemProps1.xml><?xml version="1.0" encoding="utf-8"?>
+<ds:datastoreItem xmlns:ds="http://schemas.openxmlformats.org/officeDocument/2006/customXml" ds:itemID="{EB2218FC-8412-44B9-9E82-D51F1F531141}">
+  <ds:schemaRefs>
+    <ds:schemaRef ds:uri="6dc4bcd6-49db-4c07-9060-8acfc67cef9f"/>
+    <ds:schemaRef ds:uri="fb0879af-3eba-417a-a55a-ffe6dcd6ca77"/>
+    <ds:schemaRef ds:uri="http://purl.org/dc/dcmitype/"/>
+    <ds:schemaRef ds:uri="http://purl.org/dc/elements/1.1/"/>
+    <ds:schemaRef ds:uri="http://purl.org/dc/terms/"/>
+    <ds:schemaRef ds:uri="http://schemas.microsoft.com/office/2006/documentManagement/types"/>
+    <ds:schemaRef ds:uri="http://schemas.microsoft.com/office/2006/metadata/properties"/>
+    <ds:schemaRef ds:uri="http://schemas.microsoft.com/office/infopath/2007/PartnerControls"/>
+    <ds:schemaRef ds:uri="http://schemas.microsoft.com/sharepoint/v3"/>
+    <ds:schemaRef ds:uri="http://schemas.openxmlformats.org/package/2006/metadata/core-properties"/>
+    <ds:schemaRef ds:uri="http://www.w3.org/XML/1998/namespace"/>
+  </ds:schemaRefs>
+</ds:datastoreItem>
 </file>
 
-<file path=customXml/itemProps1.xml><?xml version="1.0" encoding="utf-8"?>
+<file path=customXml/itemProps2.xml><?xml version="1.0" encoding="utf-8"?>
 <ds:datastoreItem xmlns:ds="http://schemas.openxmlformats.org/officeDocument/2006/customXml" ds:itemID="{B64A4C9D-F801-4923-BC6D-E0006F512331}">
   <ds:schemaRefs>
     <ds:schemaRef ds:uri="6dc4bcd6-49db-4c07-9060-8acfc67cef9f"/>
@@ -20154,22 +20342,4 @@
     <ds:schemaRef ds:uri="http://www.w3.org/2001/XMLSchema"/>
   </ds:schemaRefs>
 </ds:datastoreItem>
-</file>
-
-<file path=customXml/itemProps2.xml><?xml version="1.0" encoding="utf-8"?>
-<ds:datastoreItem xmlns:ds="http://schemas.openxmlformats.org/officeDocument/2006/customXml" ds:itemID="{EB2218FC-8412-44B9-9E82-D51F1F531141}">
-  <ds:schemaRefs>
-    <ds:schemaRef ds:uri="6dc4bcd6-49db-4c07-9060-8acfc67cef9f"/>
-    <ds:schemaRef ds:uri="fb0879af-3eba-417a-a55a-ffe6dcd6ca77"/>
-    <ds:schemaRef ds:uri="http://purl.org/dc/dcmitype/"/>
-    <ds:schemaRef ds:uri="http://purl.org/dc/elements/1.1/"/>
-    <ds:schemaRef ds:uri="http://purl.org/dc/terms/"/>
-    <ds:schemaRef ds:uri="http://schemas.microsoft.com/office/2006/documentManagement/types"/>
-    <ds:schemaRef ds:uri="http://schemas.microsoft.com/office/2006/metadata/properties"/>
-    <ds:schemaRef ds:uri="http://schemas.microsoft.com/office/infopath/2007/PartnerControls"/>
-    <ds:schemaRef ds:uri="http://schemas.microsoft.com/sharepoint/v3"/>
-    <ds:schemaRef ds:uri="http://schemas.openxmlformats.org/package/2006/metadata/core-properties"/>
-    <ds:schemaRef ds:uri="http://www.w3.org/XML/1998/namespace"/>
-  </ds:schemaRefs>
-</ds:datastoreItem>
 </file>
--- a/PP-Eksamen.pptx
+++ b/PP-Eksamen.pptx
@@ -17025,6 +17025,13 @@
             <a:r>
               <a:rPr lang="da-DK" sz="1400" dirty="0"/>
               <a:t>Case3: Set fra dette projekts synspunkt</a:t>
+            </a:r>
+          </a:p>
+          <a:p>
+            <a:pPr marL="619125" lvl="1" indent="-342900"/>
+            <a:r>
+              <a:rPr lang="da-DK" sz="1400" dirty="0"/>
+              <a:t>De to underliggende antagelser</a:t>
             </a:r>
           </a:p>
         </p:txBody>
@@ -20096,15 +20103,6 @@
 </file>
 
 <file path=customXml/item1.xml><?xml version="1.0" encoding="utf-8"?>
-<p:properties xmlns:p="http://schemas.microsoft.com/office/2006/metadata/properties" xmlns:xsi="http://www.w3.org/2001/XMLSchema-instance" xmlns:pc="http://schemas.microsoft.com/office/infopath/2007/PartnerControls">
-  <documentManagement>
-    <_ip_UnifiedCompliancePolicyUIAction xmlns="http://schemas.microsoft.com/sharepoint/v3" xsi:nil="true"/>
-    <_ip_UnifiedCompliancePolicyProperties xmlns="http://schemas.microsoft.com/sharepoint/v3" xsi:nil="true"/>
-  </documentManagement>
-</p:properties>
-</file>
-
-<file path=customXml/item2.xml><?xml version="1.0" encoding="utf-8"?>
 <ct:contentTypeSchema xmlns:ct="http://schemas.microsoft.com/office/2006/metadata/contentType" xmlns:ma="http://schemas.microsoft.com/office/2006/metadata/properties/metaAttributes" ct:_="" ma:_="" ma:contentTypeName="Document" ma:contentTypeID="0x010100DEEA25CC0A0AC24199CDC46C25B8B0BC" ma:contentTypeVersion="9" ma:contentTypeDescription="Create a new document." ma:contentTypeScope="" ma:versionID="76e25e1730b4532ab1d5e5b131a96a5a">
   <xsd:schema xmlns:xsd="http://www.w3.org/2001/XMLSchema" xmlns:xs="http://www.w3.org/2001/XMLSchema" xmlns:p="http://schemas.microsoft.com/office/2006/metadata/properties" xmlns:ns1="http://schemas.microsoft.com/sharepoint/v3" xmlns:ns2="6dc4bcd6-49db-4c07-9060-8acfc67cef9f" xmlns:ns3="fb0879af-3eba-417a-a55a-ffe6dcd6ca77" targetNamespace="http://schemas.microsoft.com/office/2006/metadata/properties" ma:root="true" ma:fieldsID="ad1e9281a84c4949647088091c718de3" ns1:_="" ns2:_="" ns3:_="">
     <xsd:import namespace="http://schemas.microsoft.com/sharepoint/v3"/>
@@ -20306,25 +20304,16 @@
 </ct:contentTypeSchema>
 </file>
 
-<file path=customXml/itemProps1.xml><?xml version="1.0" encoding="utf-8"?>
-<ds:datastoreItem xmlns:ds="http://schemas.openxmlformats.org/officeDocument/2006/customXml" ds:itemID="{EB2218FC-8412-44B9-9E82-D51F1F531141}">
-  <ds:schemaRefs>
-    <ds:schemaRef ds:uri="6dc4bcd6-49db-4c07-9060-8acfc67cef9f"/>
-    <ds:schemaRef ds:uri="fb0879af-3eba-417a-a55a-ffe6dcd6ca77"/>
-    <ds:schemaRef ds:uri="http://purl.org/dc/dcmitype/"/>
-    <ds:schemaRef ds:uri="http://purl.org/dc/elements/1.1/"/>
-    <ds:schemaRef ds:uri="http://purl.org/dc/terms/"/>
-    <ds:schemaRef ds:uri="http://schemas.microsoft.com/office/2006/documentManagement/types"/>
-    <ds:schemaRef ds:uri="http://schemas.microsoft.com/office/2006/metadata/properties"/>
-    <ds:schemaRef ds:uri="http://schemas.microsoft.com/office/infopath/2007/PartnerControls"/>
-    <ds:schemaRef ds:uri="http://schemas.microsoft.com/sharepoint/v3"/>
-    <ds:schemaRef ds:uri="http://schemas.openxmlformats.org/package/2006/metadata/core-properties"/>
-    <ds:schemaRef ds:uri="http://www.w3.org/XML/1998/namespace"/>
-  </ds:schemaRefs>
-</ds:datastoreItem>
+<file path=customXml/item2.xml><?xml version="1.0" encoding="utf-8"?>
+<p:properties xmlns:p="http://schemas.microsoft.com/office/2006/metadata/properties" xmlns:xsi="http://www.w3.org/2001/XMLSchema-instance" xmlns:pc="http://schemas.microsoft.com/office/infopath/2007/PartnerControls">
+  <documentManagement>
+    <_ip_UnifiedCompliancePolicyUIAction xmlns="http://schemas.microsoft.com/sharepoint/v3" xsi:nil="true"/>
+    <_ip_UnifiedCompliancePolicyProperties xmlns="http://schemas.microsoft.com/sharepoint/v3" xsi:nil="true"/>
+  </documentManagement>
+</p:properties>
 </file>
 
-<file path=customXml/itemProps2.xml><?xml version="1.0" encoding="utf-8"?>
+<file path=customXml/itemProps1.xml><?xml version="1.0" encoding="utf-8"?>
 <ds:datastoreItem xmlns:ds="http://schemas.openxmlformats.org/officeDocument/2006/customXml" ds:itemID="{B64A4C9D-F801-4923-BC6D-E0006F512331}">
   <ds:schemaRefs>
     <ds:schemaRef ds:uri="6dc4bcd6-49db-4c07-9060-8acfc67cef9f"/>
@@ -20342,4 +20331,22 @@
     <ds:schemaRef ds:uri="http://www.w3.org/2001/XMLSchema"/>
   </ds:schemaRefs>
 </ds:datastoreItem>
+</file>
+
+<file path=customXml/itemProps2.xml><?xml version="1.0" encoding="utf-8"?>
+<ds:datastoreItem xmlns:ds="http://schemas.openxmlformats.org/officeDocument/2006/customXml" ds:itemID="{EB2218FC-8412-44B9-9E82-D51F1F531141}">
+  <ds:schemaRefs>
+    <ds:schemaRef ds:uri="6dc4bcd6-49db-4c07-9060-8acfc67cef9f"/>
+    <ds:schemaRef ds:uri="fb0879af-3eba-417a-a55a-ffe6dcd6ca77"/>
+    <ds:schemaRef ds:uri="http://purl.org/dc/dcmitype/"/>
+    <ds:schemaRef ds:uri="http://purl.org/dc/elements/1.1/"/>
+    <ds:schemaRef ds:uri="http://purl.org/dc/terms/"/>
+    <ds:schemaRef ds:uri="http://schemas.microsoft.com/office/2006/documentManagement/types"/>
+    <ds:schemaRef ds:uri="http://schemas.microsoft.com/office/2006/metadata/properties"/>
+    <ds:schemaRef ds:uri="http://schemas.microsoft.com/office/infopath/2007/PartnerControls"/>
+    <ds:schemaRef ds:uri="http://schemas.microsoft.com/sharepoint/v3"/>
+    <ds:schemaRef ds:uri="http://schemas.openxmlformats.org/package/2006/metadata/core-properties"/>
+    <ds:schemaRef ds:uri="http://www.w3.org/XML/1998/namespace"/>
+  </ds:schemaRefs>
+</ds:datastoreItem>
 </file>
--- a/PP-Eksamen.pptx
+++ b/PP-Eksamen.pptx
@@ -235,7 +235,7 @@
             <a:pPr rtl="0"/>
             <a:fld id="{55E61672-F5C5-4779-82D0-2CB512266C83}" type="datetime1">
               <a:rPr lang="da-DK" smtClean="0"/>
-              <a:t>12-12-2022</a:t>
+              <a:t>13-12-2022</a:t>
             </a:fld>
             <a:endParaRPr lang="da-DK"/>
           </a:p>
@@ -417,7 +417,7 @@
             <a:pPr rtl="0"/>
             <a:fld id="{3BF2FAAE-175D-4D44-9F42-88DCE56028D1}" type="datetime1">
               <a:rPr lang="da-DK" noProof="0" smtClean="0"/>
-              <a:t>12-12-2022</a:t>
+              <a:t>13-12-2022</a:t>
             </a:fld>
             <a:endParaRPr lang="da-DK" noProof="0"/>
           </a:p>
@@ -4344,7 +4344,7 @@
           <a:p>
             <a:fld id="{B79F5130-E299-47EE-B5CD-1B1CED0DAEB2}" type="datetimeFigureOut">
               <a:rPr lang="da-DK" smtClean="0"/>
-              <a:t>12-12-2022</a:t>
+              <a:t>13-12-2022</a:t>
             </a:fld>
             <a:endParaRPr lang="da-DK"/>
           </a:p>
@@ -4655,7 +4655,7 @@
           <a:p>
             <a:fld id="{B79F5130-E299-47EE-B5CD-1B1CED0DAEB2}" type="datetimeFigureOut">
               <a:rPr lang="da-DK" smtClean="0"/>
-              <a:t>12-12-2022</a:t>
+              <a:t>13-12-2022</a:t>
             </a:fld>
             <a:endParaRPr lang="da-DK"/>
           </a:p>
@@ -4875,7 +4875,7 @@
           <a:p>
             <a:fld id="{B79F5130-E299-47EE-B5CD-1B1CED0DAEB2}" type="datetimeFigureOut">
               <a:rPr lang="da-DK" smtClean="0"/>
-              <a:t>12-12-2022</a:t>
+              <a:t>13-12-2022</a:t>
             </a:fld>
             <a:endParaRPr lang="da-DK"/>
           </a:p>
@@ -5073,7 +5073,7 @@
           <a:p>
             <a:fld id="{B79F5130-E299-47EE-B5CD-1B1CED0DAEB2}" type="datetimeFigureOut">
               <a:rPr lang="da-DK" smtClean="0"/>
-              <a:t>12-12-2022</a:t>
+              <a:t>13-12-2022</a:t>
             </a:fld>
             <a:endParaRPr lang="da-DK"/>
           </a:p>
@@ -5348,7 +5348,7 @@
           <a:p>
             <a:fld id="{B79F5130-E299-47EE-B5CD-1B1CED0DAEB2}" type="datetimeFigureOut">
               <a:rPr lang="da-DK" smtClean="0"/>
-              <a:t>12-12-2022</a:t>
+              <a:t>13-12-2022</a:t>
             </a:fld>
             <a:endParaRPr lang="da-DK"/>
           </a:p>
@@ -6097,7 +6097,7 @@
           <a:p>
             <a:fld id="{B79F5130-E299-47EE-B5CD-1B1CED0DAEB2}" type="datetimeFigureOut">
               <a:rPr lang="da-DK" smtClean="0"/>
-              <a:t>12-12-2022</a:t>
+              <a:t>13-12-2022</a:t>
             </a:fld>
             <a:endParaRPr lang="da-DK"/>
           </a:p>
@@ -6509,7 +6509,7 @@
           <a:p>
             <a:fld id="{B79F5130-E299-47EE-B5CD-1B1CED0DAEB2}" type="datetimeFigureOut">
               <a:rPr lang="da-DK" smtClean="0"/>
-              <a:t>12-12-2022</a:t>
+              <a:t>13-12-2022</a:t>
             </a:fld>
             <a:endParaRPr lang="da-DK"/>
           </a:p>
@@ -6650,7 +6650,7 @@
           <a:p>
             <a:fld id="{B79F5130-E299-47EE-B5CD-1B1CED0DAEB2}" type="datetimeFigureOut">
               <a:rPr lang="da-DK" smtClean="0"/>
-              <a:t>12-12-2022</a:t>
+              <a:t>13-12-2022</a:t>
             </a:fld>
             <a:endParaRPr lang="da-DK"/>
           </a:p>
@@ -6763,7 +6763,7 @@
           <a:p>
             <a:fld id="{B79F5130-E299-47EE-B5CD-1B1CED0DAEB2}" type="datetimeFigureOut">
               <a:rPr lang="da-DK" smtClean="0"/>
-              <a:t>12-12-2022</a:t>
+              <a:t>13-12-2022</a:t>
             </a:fld>
             <a:endParaRPr lang="da-DK"/>
           </a:p>
@@ -7074,7 +7074,7 @@
           <a:p>
             <a:fld id="{B79F5130-E299-47EE-B5CD-1B1CED0DAEB2}" type="datetimeFigureOut">
               <a:rPr lang="da-DK" smtClean="0"/>
-              <a:t>12-12-2022</a:t>
+              <a:t>13-12-2022</a:t>
             </a:fld>
             <a:endParaRPr lang="da-DK"/>
           </a:p>
@@ -7362,7 +7362,7 @@
           <a:p>
             <a:fld id="{B79F5130-E299-47EE-B5CD-1B1CED0DAEB2}" type="datetimeFigureOut">
               <a:rPr lang="da-DK" smtClean="0"/>
-              <a:t>12-12-2022</a:t>
+              <a:t>13-12-2022</a:t>
             </a:fld>
             <a:endParaRPr lang="da-DK"/>
           </a:p>
@@ -7560,7 +7560,7 @@
           <a:p>
             <a:fld id="{B79F5130-E299-47EE-B5CD-1B1CED0DAEB2}" type="datetimeFigureOut">
               <a:rPr lang="da-DK" smtClean="0"/>
-              <a:t>12-12-2022</a:t>
+              <a:t>13-12-2022</a:t>
             </a:fld>
             <a:endParaRPr lang="da-DK"/>
           </a:p>
@@ -7768,7 +7768,7 @@
           <a:p>
             <a:fld id="{B79F5130-E299-47EE-B5CD-1B1CED0DAEB2}" type="datetimeFigureOut">
               <a:rPr lang="da-DK" smtClean="0"/>
-              <a:t>12-12-2022</a:t>
+              <a:t>13-12-2022</a:t>
             </a:fld>
             <a:endParaRPr lang="da-DK"/>
           </a:p>
@@ -7988,7 +7988,7 @@
           <a:p>
             <a:fld id="{39FCEA7D-B48D-4FF3-A040-A2BD89B31D64}" type="datetimeFigureOut">
               <a:rPr lang="da-DK" smtClean="0"/>
-              <a:t>12-12-2022</a:t>
+              <a:t>13-12-2022</a:t>
             </a:fld>
             <a:endParaRPr lang="da-DK"/>
           </a:p>
@@ -8186,7 +8186,7 @@
           <a:p>
             <a:fld id="{39FCEA7D-B48D-4FF3-A040-A2BD89B31D64}" type="datetimeFigureOut">
               <a:rPr lang="da-DK" smtClean="0"/>
-              <a:t>12-12-2022</a:t>
+              <a:t>13-12-2022</a:t>
             </a:fld>
             <a:endParaRPr lang="da-DK"/>
           </a:p>
@@ -8955,7 +8955,7 @@
           <a:p>
             <a:fld id="{39FCEA7D-B48D-4FF3-A040-A2BD89B31D64}" type="datetimeFigureOut">
               <a:rPr lang="da-DK" smtClean="0"/>
-              <a:t>12-12-2022</a:t>
+              <a:t>13-12-2022</a:t>
             </a:fld>
             <a:endParaRPr lang="da-DK"/>
           </a:p>
@@ -9220,7 +9220,7 @@
           <a:p>
             <a:fld id="{39FCEA7D-B48D-4FF3-A040-A2BD89B31D64}" type="datetimeFigureOut">
               <a:rPr lang="da-DK" smtClean="0"/>
-              <a:t>12-12-2022</a:t>
+              <a:t>13-12-2022</a:t>
             </a:fld>
             <a:endParaRPr lang="da-DK"/>
           </a:p>
@@ -9632,7 +9632,7 @@
           <a:p>
             <a:fld id="{39FCEA7D-B48D-4FF3-A040-A2BD89B31D64}" type="datetimeFigureOut">
               <a:rPr lang="da-DK" smtClean="0"/>
-              <a:t>12-12-2022</a:t>
+              <a:t>13-12-2022</a:t>
             </a:fld>
             <a:endParaRPr lang="da-DK"/>
           </a:p>
@@ -9773,7 +9773,7 @@
           <a:p>
             <a:fld id="{39FCEA7D-B48D-4FF3-A040-A2BD89B31D64}" type="datetimeFigureOut">
               <a:rPr lang="da-DK" smtClean="0"/>
-              <a:t>12-12-2022</a:t>
+              <a:t>13-12-2022</a:t>
             </a:fld>
             <a:endParaRPr lang="da-DK"/>
           </a:p>
@@ -9886,7 +9886,7 @@
           <a:p>
             <a:fld id="{39FCEA7D-B48D-4FF3-A040-A2BD89B31D64}" type="datetimeFigureOut">
               <a:rPr lang="da-DK" smtClean="0"/>
-              <a:t>12-12-2022</a:t>
+              <a:t>13-12-2022</a:t>
             </a:fld>
             <a:endParaRPr lang="da-DK"/>
           </a:p>
@@ -10197,7 +10197,7 @@
           <a:p>
             <a:fld id="{39FCEA7D-B48D-4FF3-A040-A2BD89B31D64}" type="datetimeFigureOut">
               <a:rPr lang="da-DK" smtClean="0"/>
-              <a:t>12-12-2022</a:t>
+              <a:t>13-12-2022</a:t>
             </a:fld>
             <a:endParaRPr lang="da-DK"/>
           </a:p>
@@ -10485,7 +10485,7 @@
           <a:p>
             <a:fld id="{39FCEA7D-B48D-4FF3-A040-A2BD89B31D64}" type="datetimeFigureOut">
               <a:rPr lang="da-DK" smtClean="0"/>
-              <a:t>12-12-2022</a:t>
+              <a:t>13-12-2022</a:t>
             </a:fld>
             <a:endParaRPr lang="da-DK"/>
           </a:p>
@@ -10683,7 +10683,7 @@
           <a:p>
             <a:fld id="{39FCEA7D-B48D-4FF3-A040-A2BD89B31D64}" type="datetimeFigureOut">
               <a:rPr lang="da-DK" smtClean="0"/>
-              <a:t>12-12-2022</a:t>
+              <a:t>13-12-2022</a:t>
             </a:fld>
             <a:endParaRPr lang="da-DK"/>
           </a:p>
@@ -10891,7 +10891,7 @@
           <a:p>
             <a:fld id="{39FCEA7D-B48D-4FF3-A040-A2BD89B31D64}" type="datetimeFigureOut">
               <a:rPr lang="da-DK" smtClean="0"/>
-              <a:t>12-12-2022</a:t>
+              <a:t>13-12-2022</a:t>
             </a:fld>
             <a:endParaRPr lang="da-DK"/>
           </a:p>
@@ -14596,7 +14596,7 @@
           <a:p>
             <a:fld id="{B79F5130-E299-47EE-B5CD-1B1CED0DAEB2}" type="datetimeFigureOut">
               <a:rPr lang="da-DK" smtClean="0"/>
-              <a:t>12-12-2022</a:t>
+              <a:t>13-12-2022</a:t>
             </a:fld>
             <a:endParaRPr lang="da-DK"/>
           </a:p>
@@ -15164,7 +15164,7 @@
           <a:p>
             <a:fld id="{39FCEA7D-B48D-4FF3-A040-A2BD89B31D64}" type="datetimeFigureOut">
               <a:rPr lang="da-DK" smtClean="0"/>
-              <a:t>12-12-2022</a:t>
+              <a:t>13-12-2022</a:t>
             </a:fld>
             <a:endParaRPr lang="da-DK"/>
           </a:p>
@@ -18139,6 +18139,23 @@
             <a:r>
               <a:rPr lang="da-DK" dirty="0"/>
               <a:t>Vi kan dog se at effekten ikke bliver lige så stor. </a:t>
+            </a:r>
+          </a:p>
+          <a:p>
+            <a:pPr marL="285750" indent="-285750">
+              <a:buFont typeface="Arial" panose="020B0604020202020204" pitchFamily="34" charset="0"/>
+              <a:buChar char="•"/>
+            </a:pPr>
+            <a:endParaRPr lang="da-DK" dirty="0"/>
+          </a:p>
+          <a:p>
+            <a:pPr marL="285750" indent="-285750">
+              <a:buFont typeface="Arial" panose="020B0604020202020204" pitchFamily="34" charset="0"/>
+              <a:buChar char="•"/>
+            </a:pPr>
+            <a:r>
+              <a:rPr lang="da-DK" dirty="0"/>
+              <a:t>Elasticitet passer nu også bedre med den fundet for den svenske økonomi. </a:t>
             </a:r>
             <a:endParaRPr lang="en-US" dirty="0"/>
           </a:p>
@@ -20103,6 +20120,15 @@
 </file>
 
 <file path=customXml/item1.xml><?xml version="1.0" encoding="utf-8"?>
+<p:properties xmlns:p="http://schemas.microsoft.com/office/2006/metadata/properties" xmlns:xsi="http://www.w3.org/2001/XMLSchema-instance" xmlns:pc="http://schemas.microsoft.com/office/infopath/2007/PartnerControls">
+  <documentManagement>
+    <_ip_UnifiedCompliancePolicyUIAction xmlns="http://schemas.microsoft.com/sharepoint/v3" xsi:nil="true"/>
+    <_ip_UnifiedCompliancePolicyProperties xmlns="http://schemas.microsoft.com/sharepoint/v3" xsi:nil="true"/>
+  </documentManagement>
+</p:properties>
+</file>
+
+<file path=customXml/item2.xml><?xml version="1.0" encoding="utf-8"?>
 <ct:contentTypeSchema xmlns:ct="http://schemas.microsoft.com/office/2006/metadata/contentType" xmlns:ma="http://schemas.microsoft.com/office/2006/metadata/properties/metaAttributes" ct:_="" ma:_="" ma:contentTypeName="Document" ma:contentTypeID="0x010100DEEA25CC0A0AC24199CDC46C25B8B0BC" ma:contentTypeVersion="9" ma:contentTypeDescription="Create a new document." ma:contentTypeScope="" ma:versionID="76e25e1730b4532ab1d5e5b131a96a5a">
   <xsd:schema xmlns:xsd="http://www.w3.org/2001/XMLSchema" xmlns:xs="http://www.w3.org/2001/XMLSchema" xmlns:p="http://schemas.microsoft.com/office/2006/metadata/properties" xmlns:ns1="http://schemas.microsoft.com/sharepoint/v3" xmlns:ns2="6dc4bcd6-49db-4c07-9060-8acfc67cef9f" xmlns:ns3="fb0879af-3eba-417a-a55a-ffe6dcd6ca77" targetNamespace="http://schemas.microsoft.com/office/2006/metadata/properties" ma:root="true" ma:fieldsID="ad1e9281a84c4949647088091c718de3" ns1:_="" ns2:_="" ns3:_="">
     <xsd:import namespace="http://schemas.microsoft.com/sharepoint/v3"/>
@@ -20304,16 +20330,25 @@
 </ct:contentTypeSchema>
 </file>
 
-<file path=customXml/item2.xml><?xml version="1.0" encoding="utf-8"?>
-<p:properties xmlns:p="http://schemas.microsoft.com/office/2006/metadata/properties" xmlns:xsi="http://www.w3.org/2001/XMLSchema-instance" xmlns:pc="http://schemas.microsoft.com/office/infopath/2007/PartnerControls">
-  <documentManagement>
-    <_ip_UnifiedCompliancePolicyUIAction xmlns="http://schemas.microsoft.com/sharepoint/v3" xsi:nil="true"/>
-    <_ip_UnifiedCompliancePolicyProperties xmlns="http://schemas.microsoft.com/sharepoint/v3" xsi:nil="true"/>
-  </documentManagement>
-</p:properties>
+<file path=customXml/itemProps1.xml><?xml version="1.0" encoding="utf-8"?>
+<ds:datastoreItem xmlns:ds="http://schemas.openxmlformats.org/officeDocument/2006/customXml" ds:itemID="{EB2218FC-8412-44B9-9E82-D51F1F531141}">
+  <ds:schemaRefs>
+    <ds:schemaRef ds:uri="6dc4bcd6-49db-4c07-9060-8acfc67cef9f"/>
+    <ds:schemaRef ds:uri="fb0879af-3eba-417a-a55a-ffe6dcd6ca77"/>
+    <ds:schemaRef ds:uri="http://purl.org/dc/dcmitype/"/>
+    <ds:schemaRef ds:uri="http://purl.org/dc/elements/1.1/"/>
+    <ds:schemaRef ds:uri="http://purl.org/dc/terms/"/>
+    <ds:schemaRef ds:uri="http://schemas.microsoft.com/office/2006/documentManagement/types"/>
+    <ds:schemaRef ds:uri="http://schemas.microsoft.com/office/2006/metadata/properties"/>
+    <ds:schemaRef ds:uri="http://schemas.microsoft.com/office/infopath/2007/PartnerControls"/>
+    <ds:schemaRef ds:uri="http://schemas.microsoft.com/sharepoint/v3"/>
+    <ds:schemaRef ds:uri="http://schemas.openxmlformats.org/package/2006/metadata/core-properties"/>
+    <ds:schemaRef ds:uri="http://www.w3.org/XML/1998/namespace"/>
+  </ds:schemaRefs>
+</ds:datastoreItem>
 </file>
 
-<file path=customXml/itemProps1.xml><?xml version="1.0" encoding="utf-8"?>
+<file path=customXml/itemProps2.xml><?xml version="1.0" encoding="utf-8"?>
 <ds:datastoreItem xmlns:ds="http://schemas.openxmlformats.org/officeDocument/2006/customXml" ds:itemID="{B64A4C9D-F801-4923-BC6D-E0006F512331}">
   <ds:schemaRefs>
     <ds:schemaRef ds:uri="6dc4bcd6-49db-4c07-9060-8acfc67cef9f"/>
@@ -20331,22 +20366,4 @@
     <ds:schemaRef ds:uri="http://www.w3.org/2001/XMLSchema"/>
   </ds:schemaRefs>
 </ds:datastoreItem>
-</file>
-
-<file path=customXml/itemProps2.xml><?xml version="1.0" encoding="utf-8"?>
-<ds:datastoreItem xmlns:ds="http://schemas.openxmlformats.org/officeDocument/2006/customXml" ds:itemID="{EB2218FC-8412-44B9-9E82-D51F1F531141}">
-  <ds:schemaRefs>
-    <ds:schemaRef ds:uri="6dc4bcd6-49db-4c07-9060-8acfc67cef9f"/>
-    <ds:schemaRef ds:uri="fb0879af-3eba-417a-a55a-ffe6dcd6ca77"/>
-    <ds:schemaRef ds:uri="http://purl.org/dc/dcmitype/"/>
-    <ds:schemaRef ds:uri="http://purl.org/dc/elements/1.1/"/>
-    <ds:schemaRef ds:uri="http://purl.org/dc/terms/"/>
-    <ds:schemaRef ds:uri="http://schemas.microsoft.com/office/2006/documentManagement/types"/>
-    <ds:schemaRef ds:uri="http://schemas.microsoft.com/office/2006/metadata/properties"/>
-    <ds:schemaRef ds:uri="http://schemas.microsoft.com/office/infopath/2007/PartnerControls"/>
-    <ds:schemaRef ds:uri="http://schemas.microsoft.com/sharepoint/v3"/>
-    <ds:schemaRef ds:uri="http://schemas.openxmlformats.org/package/2006/metadata/core-properties"/>
-    <ds:schemaRef ds:uri="http://www.w3.org/XML/1998/namespace"/>
-  </ds:schemaRefs>
-</ds:datastoreItem>
 </file>
--- a/PP-Eksamen.pptx
+++ b/PP-Eksamen.pptx
@@ -16645,18 +16645,9 @@
           <a:lstStyle/>
           <a:p>
             <a:r>
-              <a:rPr lang="en-US" dirty="0" err="1"/>
-              <a:t>Projektets</a:t>
-            </a:r>
-            <a:r>
-              <a:rPr lang="en-US" dirty="0"/>
-              <a:t> </a:t>
-            </a:r>
-            <a:r>
-              <a:rPr lang="en-US" dirty="0" err="1"/>
-              <a:t>bidrag</a:t>
-            </a:r>
-            <a:endParaRPr lang="en-US" dirty="0"/>
+              <a:rPr lang="da-DK" dirty="0"/>
+              <a:t>Projektets bidrag</a:t>
+            </a:r>
           </a:p>
         </p:txBody>
       </p:sp>
